--- a/tex/figures/questions.pptx
+++ b/tex/figures/questions.pptx
@@ -5,8 +5,18 @@
     <p:sldMasterId id="2147483672" r:id="rId1"/>
     <p:sldMasterId id="2147483686" r:id="rId2"/>
   </p:sldMasterIdLst>
+  <p:notesMasterIdLst>
+    <p:notesMasterId r:id="rId11"/>
+  </p:notesMasterIdLst>
   <p:sldIdLst>
     <p:sldId id="256" r:id="rId3"/>
+    <p:sldId id="259" r:id="rId4"/>
+    <p:sldId id="258" r:id="rId5"/>
+    <p:sldId id="257" r:id="rId6"/>
+    <p:sldId id="260" r:id="rId7"/>
+    <p:sldId id="263" r:id="rId8"/>
+    <p:sldId id="261" r:id="rId9"/>
+    <p:sldId id="262" r:id="rId10"/>
   </p:sldIdLst>
   <p:sldSz cx="9144000" cy="6858000" type="screen4x3"/>
   <p:notesSz cx="6858000" cy="9144000"/>
@@ -106,6 +116,608 @@
     </a:lvl9pPr>
   </p:defaultTextStyle>
 </p:presentation>
+</file>
+
+<file path=ppt/notesMasters/notesMaster1.xml><?xml version="1.0" encoding="utf-8"?>
+<p:notesMaster xmlns:a="http://schemas.openxmlformats.org/drawingml/2006/main" xmlns:r="http://schemas.openxmlformats.org/officeDocument/2006/relationships" xmlns:p="http://schemas.openxmlformats.org/presentationml/2006/main">
+  <p:cSld>
+    <p:bg>
+      <p:bgRef idx="1001">
+        <a:schemeClr val="bg1"/>
+      </p:bgRef>
+    </p:bg>
+    <p:spTree>
+      <p:nvGrpSpPr>
+        <p:cNvPr id="1" name=""/>
+        <p:cNvGrpSpPr/>
+        <p:nvPr/>
+      </p:nvGrpSpPr>
+      <p:grpSpPr>
+        <a:xfrm>
+          <a:off x="0" y="0"/>
+          <a:ext cx="0" cy="0"/>
+          <a:chOff x="0" y="0"/>
+          <a:chExt cx="0" cy="0"/>
+        </a:xfrm>
+      </p:grpSpPr>
+      <p:sp>
+        <p:nvSpPr>
+          <p:cNvPr id="2" name="Header Placeholder 1"/>
+          <p:cNvSpPr>
+            <a:spLocks noGrp="1"/>
+          </p:cNvSpPr>
+          <p:nvPr>
+            <p:ph type="hdr" sz="quarter"/>
+          </p:nvPr>
+        </p:nvSpPr>
+        <p:spPr>
+          <a:xfrm>
+            <a:off x="0" y="0"/>
+            <a:ext cx="2971800" cy="457200"/>
+          </a:xfrm>
+          <a:prstGeom prst="rect">
+            <a:avLst/>
+          </a:prstGeom>
+        </p:spPr>
+        <p:txBody>
+          <a:bodyPr vert="horz" lIns="91440" tIns="45720" rIns="91440" bIns="45720" rtlCol="0"/>
+          <a:lstStyle>
+            <a:lvl1pPr algn="l">
+              <a:defRPr sz="1200"/>
+            </a:lvl1pPr>
+          </a:lstStyle>
+          <a:p>
+            <a:endParaRPr lang="en-US"/>
+          </a:p>
+        </p:txBody>
+      </p:sp>
+      <p:sp>
+        <p:nvSpPr>
+          <p:cNvPr id="3" name="Date Placeholder 2"/>
+          <p:cNvSpPr>
+            <a:spLocks noGrp="1"/>
+          </p:cNvSpPr>
+          <p:nvPr>
+            <p:ph type="dt" idx="1"/>
+          </p:nvPr>
+        </p:nvSpPr>
+        <p:spPr>
+          <a:xfrm>
+            <a:off x="3884613" y="0"/>
+            <a:ext cx="2971800" cy="457200"/>
+          </a:xfrm>
+          <a:prstGeom prst="rect">
+            <a:avLst/>
+          </a:prstGeom>
+        </p:spPr>
+        <p:txBody>
+          <a:bodyPr vert="horz" lIns="91440" tIns="45720" rIns="91440" bIns="45720" rtlCol="0"/>
+          <a:lstStyle>
+            <a:lvl1pPr algn="r">
+              <a:defRPr sz="1200"/>
+            </a:lvl1pPr>
+          </a:lstStyle>
+          <a:p>
+            <a:fld id="{C5E87E74-B295-ED4F-A15B-CD2C9657DE00}" type="datetimeFigureOut">
+              <a:rPr lang="en-US" smtClean="0"/>
+              <a:t>9/29/15</a:t>
+            </a:fld>
+            <a:endParaRPr lang="en-US"/>
+          </a:p>
+        </p:txBody>
+      </p:sp>
+      <p:sp>
+        <p:nvSpPr>
+          <p:cNvPr id="4" name="Slide Image Placeholder 3"/>
+          <p:cNvSpPr>
+            <a:spLocks noGrp="1" noRot="1" noChangeAspect="1"/>
+          </p:cNvSpPr>
+          <p:nvPr>
+            <p:ph type="sldImg" idx="2"/>
+          </p:nvPr>
+        </p:nvSpPr>
+        <p:spPr>
+          <a:xfrm>
+            <a:off x="1143000" y="685800"/>
+            <a:ext cx="4572000" cy="3429000"/>
+          </a:xfrm>
+          <a:prstGeom prst="rect">
+            <a:avLst/>
+          </a:prstGeom>
+          <a:noFill/>
+          <a:ln w="12700">
+            <a:solidFill>
+              <a:prstClr val="black"/>
+            </a:solidFill>
+          </a:ln>
+        </p:spPr>
+        <p:txBody>
+          <a:bodyPr vert="horz" lIns="91440" tIns="45720" rIns="91440" bIns="45720" rtlCol="0" anchor="ctr"/>
+          <a:lstStyle/>
+          <a:p>
+            <a:endParaRPr lang="en-US"/>
+          </a:p>
+        </p:txBody>
+      </p:sp>
+      <p:sp>
+        <p:nvSpPr>
+          <p:cNvPr id="5" name="Notes Placeholder 4"/>
+          <p:cNvSpPr>
+            <a:spLocks noGrp="1"/>
+          </p:cNvSpPr>
+          <p:nvPr>
+            <p:ph type="body" sz="quarter" idx="3"/>
+          </p:nvPr>
+        </p:nvSpPr>
+        <p:spPr>
+          <a:xfrm>
+            <a:off x="685800" y="4343400"/>
+            <a:ext cx="5486400" cy="4114800"/>
+          </a:xfrm>
+          <a:prstGeom prst="rect">
+            <a:avLst/>
+          </a:prstGeom>
+        </p:spPr>
+        <p:txBody>
+          <a:bodyPr vert="horz" lIns="91440" tIns="45720" rIns="91440" bIns="45720" rtlCol="0"/>
+          <a:lstStyle/>
+          <a:p>
+            <a:pPr lvl="0"/>
+            <a:r>
+              <a:rPr lang="en-US" smtClean="0"/>
+              <a:t>Click to edit Master text styles</a:t>
+            </a:r>
+          </a:p>
+          <a:p>
+            <a:pPr lvl="1"/>
+            <a:r>
+              <a:rPr lang="en-US" smtClean="0"/>
+              <a:t>Second level</a:t>
+            </a:r>
+          </a:p>
+          <a:p>
+            <a:pPr lvl="2"/>
+            <a:r>
+              <a:rPr lang="en-US" smtClean="0"/>
+              <a:t>Third level</a:t>
+            </a:r>
+          </a:p>
+          <a:p>
+            <a:pPr lvl="3"/>
+            <a:r>
+              <a:rPr lang="en-US" smtClean="0"/>
+              <a:t>Fourth level</a:t>
+            </a:r>
+          </a:p>
+          <a:p>
+            <a:pPr lvl="4"/>
+            <a:r>
+              <a:rPr lang="en-US" smtClean="0"/>
+              <a:t>Fifth level</a:t>
+            </a:r>
+            <a:endParaRPr lang="en-US"/>
+          </a:p>
+        </p:txBody>
+      </p:sp>
+      <p:sp>
+        <p:nvSpPr>
+          <p:cNvPr id="6" name="Footer Placeholder 5"/>
+          <p:cNvSpPr>
+            <a:spLocks noGrp="1"/>
+          </p:cNvSpPr>
+          <p:nvPr>
+            <p:ph type="ftr" sz="quarter" idx="4"/>
+          </p:nvPr>
+        </p:nvSpPr>
+        <p:spPr>
+          <a:xfrm>
+            <a:off x="0" y="8685213"/>
+            <a:ext cx="2971800" cy="457200"/>
+          </a:xfrm>
+          <a:prstGeom prst="rect">
+            <a:avLst/>
+          </a:prstGeom>
+        </p:spPr>
+        <p:txBody>
+          <a:bodyPr vert="horz" lIns="91440" tIns="45720" rIns="91440" bIns="45720" rtlCol="0" anchor="b"/>
+          <a:lstStyle>
+            <a:lvl1pPr algn="l">
+              <a:defRPr sz="1200"/>
+            </a:lvl1pPr>
+          </a:lstStyle>
+          <a:p>
+            <a:endParaRPr lang="en-US"/>
+          </a:p>
+        </p:txBody>
+      </p:sp>
+      <p:sp>
+        <p:nvSpPr>
+          <p:cNvPr id="7" name="Slide Number Placeholder 6"/>
+          <p:cNvSpPr>
+            <a:spLocks noGrp="1"/>
+          </p:cNvSpPr>
+          <p:nvPr>
+            <p:ph type="sldNum" sz="quarter" idx="5"/>
+          </p:nvPr>
+        </p:nvSpPr>
+        <p:spPr>
+          <a:xfrm>
+            <a:off x="3884613" y="8685213"/>
+            <a:ext cx="2971800" cy="457200"/>
+          </a:xfrm>
+          <a:prstGeom prst="rect">
+            <a:avLst/>
+          </a:prstGeom>
+        </p:spPr>
+        <p:txBody>
+          <a:bodyPr vert="horz" lIns="91440" tIns="45720" rIns="91440" bIns="45720" rtlCol="0" anchor="b"/>
+          <a:lstStyle>
+            <a:lvl1pPr algn="r">
+              <a:defRPr sz="1200"/>
+            </a:lvl1pPr>
+          </a:lstStyle>
+          <a:p>
+            <a:fld id="{0AC2A9AB-9517-124C-A111-57FD556670EC}" type="slidenum">
+              <a:rPr lang="en-US" smtClean="0"/>
+              <a:t>‹#›</a:t>
+            </a:fld>
+            <a:endParaRPr lang="en-US"/>
+          </a:p>
+        </p:txBody>
+      </p:sp>
+    </p:spTree>
+    <p:extLst>
+      <p:ext uri="{BB962C8B-B14F-4D97-AF65-F5344CB8AC3E}">
+        <p14:creationId xmlns:p14="http://schemas.microsoft.com/office/powerpoint/2010/main" val="4019473299"/>
+      </p:ext>
+    </p:extLst>
+  </p:cSld>
+  <p:clrMap bg1="lt1" tx1="dk1" bg2="lt2" tx2="dk2" accent1="accent1" accent2="accent2" accent3="accent3" accent4="accent4" accent5="accent5" accent6="accent6" hlink="hlink" folHlink="folHlink"/>
+  <p:notesStyle>
+    <a:lvl1pPr marL="0" algn="l" defTabSz="457200" rtl="0" eaLnBrk="1" latinLnBrk="0" hangingPunct="1">
+      <a:defRPr sz="1200" kern="1200">
+        <a:solidFill>
+          <a:schemeClr val="tx1"/>
+        </a:solidFill>
+        <a:latin typeface="+mn-lt"/>
+        <a:ea typeface="+mn-ea"/>
+        <a:cs typeface="+mn-cs"/>
+      </a:defRPr>
+    </a:lvl1pPr>
+    <a:lvl2pPr marL="457200" algn="l" defTabSz="457200" rtl="0" eaLnBrk="1" latinLnBrk="0" hangingPunct="1">
+      <a:defRPr sz="1200" kern="1200">
+        <a:solidFill>
+          <a:schemeClr val="tx1"/>
+        </a:solidFill>
+        <a:latin typeface="+mn-lt"/>
+        <a:ea typeface="+mn-ea"/>
+        <a:cs typeface="+mn-cs"/>
+      </a:defRPr>
+    </a:lvl2pPr>
+    <a:lvl3pPr marL="914400" algn="l" defTabSz="457200" rtl="0" eaLnBrk="1" latinLnBrk="0" hangingPunct="1">
+      <a:defRPr sz="1200" kern="1200">
+        <a:solidFill>
+          <a:schemeClr val="tx1"/>
+        </a:solidFill>
+        <a:latin typeface="+mn-lt"/>
+        <a:ea typeface="+mn-ea"/>
+        <a:cs typeface="+mn-cs"/>
+      </a:defRPr>
+    </a:lvl3pPr>
+    <a:lvl4pPr marL="1371600" algn="l" defTabSz="457200" rtl="0" eaLnBrk="1" latinLnBrk="0" hangingPunct="1">
+      <a:defRPr sz="1200" kern="1200">
+        <a:solidFill>
+          <a:schemeClr val="tx1"/>
+        </a:solidFill>
+        <a:latin typeface="+mn-lt"/>
+        <a:ea typeface="+mn-ea"/>
+        <a:cs typeface="+mn-cs"/>
+      </a:defRPr>
+    </a:lvl4pPr>
+    <a:lvl5pPr marL="1828800" algn="l" defTabSz="457200" rtl="0" eaLnBrk="1" latinLnBrk="0" hangingPunct="1">
+      <a:defRPr sz="1200" kern="1200">
+        <a:solidFill>
+          <a:schemeClr val="tx1"/>
+        </a:solidFill>
+        <a:latin typeface="+mn-lt"/>
+        <a:ea typeface="+mn-ea"/>
+        <a:cs typeface="+mn-cs"/>
+      </a:defRPr>
+    </a:lvl5pPr>
+    <a:lvl6pPr marL="2286000" algn="l" defTabSz="457200" rtl="0" eaLnBrk="1" latinLnBrk="0" hangingPunct="1">
+      <a:defRPr sz="1200" kern="1200">
+        <a:solidFill>
+          <a:schemeClr val="tx1"/>
+        </a:solidFill>
+        <a:latin typeface="+mn-lt"/>
+        <a:ea typeface="+mn-ea"/>
+        <a:cs typeface="+mn-cs"/>
+      </a:defRPr>
+    </a:lvl6pPr>
+    <a:lvl7pPr marL="2743200" algn="l" defTabSz="457200" rtl="0" eaLnBrk="1" latinLnBrk="0" hangingPunct="1">
+      <a:defRPr sz="1200" kern="1200">
+        <a:solidFill>
+          <a:schemeClr val="tx1"/>
+        </a:solidFill>
+        <a:latin typeface="+mn-lt"/>
+        <a:ea typeface="+mn-ea"/>
+        <a:cs typeface="+mn-cs"/>
+      </a:defRPr>
+    </a:lvl7pPr>
+    <a:lvl8pPr marL="3200400" algn="l" defTabSz="457200" rtl="0" eaLnBrk="1" latinLnBrk="0" hangingPunct="1">
+      <a:defRPr sz="1200" kern="1200">
+        <a:solidFill>
+          <a:schemeClr val="tx1"/>
+        </a:solidFill>
+        <a:latin typeface="+mn-lt"/>
+        <a:ea typeface="+mn-ea"/>
+        <a:cs typeface="+mn-cs"/>
+      </a:defRPr>
+    </a:lvl8pPr>
+    <a:lvl9pPr marL="3657600" algn="l" defTabSz="457200" rtl="0" eaLnBrk="1" latinLnBrk="0" hangingPunct="1">
+      <a:defRPr sz="1200" kern="1200">
+        <a:solidFill>
+          <a:schemeClr val="tx1"/>
+        </a:solidFill>
+        <a:latin typeface="+mn-lt"/>
+        <a:ea typeface="+mn-ea"/>
+        <a:cs typeface="+mn-cs"/>
+      </a:defRPr>
+    </a:lvl9pPr>
+  </p:notesStyle>
+</p:notesMaster>
+</file>
+
+<file path=ppt/notesSlides/notesSlide1.xml><?xml version="1.0" encoding="utf-8"?>
+<p:notes xmlns:a="http://schemas.openxmlformats.org/drawingml/2006/main" xmlns:r="http://schemas.openxmlformats.org/officeDocument/2006/relationships" xmlns:p="http://schemas.openxmlformats.org/presentationml/2006/main">
+  <p:cSld>
+    <p:spTree>
+      <p:nvGrpSpPr>
+        <p:cNvPr id="1" name=""/>
+        <p:cNvGrpSpPr/>
+        <p:nvPr/>
+      </p:nvGrpSpPr>
+      <p:grpSpPr>
+        <a:xfrm>
+          <a:off x="0" y="0"/>
+          <a:ext cx="0" cy="0"/>
+          <a:chOff x="0" y="0"/>
+          <a:chExt cx="0" cy="0"/>
+        </a:xfrm>
+      </p:grpSpPr>
+      <p:sp>
+        <p:nvSpPr>
+          <p:cNvPr id="2" name="Slide Image Placeholder 1"/>
+          <p:cNvSpPr>
+            <a:spLocks noGrp="1" noRot="1" noChangeAspect="1"/>
+          </p:cNvSpPr>
+          <p:nvPr>
+            <p:ph type="sldImg"/>
+          </p:nvPr>
+        </p:nvSpPr>
+        <p:spPr/>
+      </p:sp>
+      <p:sp>
+        <p:nvSpPr>
+          <p:cNvPr id="3" name="Notes Placeholder 2"/>
+          <p:cNvSpPr>
+            <a:spLocks noGrp="1"/>
+          </p:cNvSpPr>
+          <p:nvPr>
+            <p:ph type="body" idx="1"/>
+          </p:nvPr>
+        </p:nvSpPr>
+        <p:spPr/>
+        <p:txBody>
+          <a:bodyPr/>
+          <a:lstStyle/>
+          <a:p>
+            <a:endParaRPr lang="en-US" dirty="0"/>
+          </a:p>
+        </p:txBody>
+      </p:sp>
+      <p:sp>
+        <p:nvSpPr>
+          <p:cNvPr id="4" name="Slide Number Placeholder 3"/>
+          <p:cNvSpPr>
+            <a:spLocks noGrp="1"/>
+          </p:cNvSpPr>
+          <p:nvPr>
+            <p:ph type="sldNum" sz="quarter" idx="10"/>
+          </p:nvPr>
+        </p:nvSpPr>
+        <p:spPr/>
+        <p:txBody>
+          <a:bodyPr/>
+          <a:lstStyle/>
+          <a:p>
+            <a:fld id="{0AC2A9AB-9517-124C-A111-57FD556670EC}" type="slidenum">
+              <a:rPr lang="en-US" smtClean="0"/>
+              <a:t>5</a:t>
+            </a:fld>
+            <a:endParaRPr lang="en-US"/>
+          </a:p>
+        </p:txBody>
+      </p:sp>
+    </p:spTree>
+    <p:extLst>
+      <p:ext uri="{BB962C8B-B14F-4D97-AF65-F5344CB8AC3E}">
+        <p14:creationId xmlns:p14="http://schemas.microsoft.com/office/powerpoint/2010/main" val="2308988565"/>
+      </p:ext>
+    </p:extLst>
+  </p:cSld>
+  <p:clrMapOvr>
+    <a:masterClrMapping/>
+  </p:clrMapOvr>
+</p:notes>
+</file>
+
+<file path=ppt/notesSlides/notesSlide2.xml><?xml version="1.0" encoding="utf-8"?>
+<p:notes xmlns:a="http://schemas.openxmlformats.org/drawingml/2006/main" xmlns:r="http://schemas.openxmlformats.org/officeDocument/2006/relationships" xmlns:p="http://schemas.openxmlformats.org/presentationml/2006/main">
+  <p:cSld>
+    <p:spTree>
+      <p:nvGrpSpPr>
+        <p:cNvPr id="1" name=""/>
+        <p:cNvGrpSpPr/>
+        <p:nvPr/>
+      </p:nvGrpSpPr>
+      <p:grpSpPr>
+        <a:xfrm>
+          <a:off x="0" y="0"/>
+          <a:ext cx="0" cy="0"/>
+          <a:chOff x="0" y="0"/>
+          <a:chExt cx="0" cy="0"/>
+        </a:xfrm>
+      </p:grpSpPr>
+      <p:sp>
+        <p:nvSpPr>
+          <p:cNvPr id="2" name="Slide Image Placeholder 1"/>
+          <p:cNvSpPr>
+            <a:spLocks noGrp="1" noRot="1" noChangeAspect="1"/>
+          </p:cNvSpPr>
+          <p:nvPr>
+            <p:ph type="sldImg"/>
+          </p:nvPr>
+        </p:nvSpPr>
+        <p:spPr/>
+      </p:sp>
+      <p:sp>
+        <p:nvSpPr>
+          <p:cNvPr id="3" name="Notes Placeholder 2"/>
+          <p:cNvSpPr>
+            <a:spLocks noGrp="1"/>
+          </p:cNvSpPr>
+          <p:nvPr>
+            <p:ph type="body" idx="1"/>
+          </p:nvPr>
+        </p:nvSpPr>
+        <p:spPr/>
+        <p:txBody>
+          <a:bodyPr/>
+          <a:lstStyle/>
+          <a:p>
+            <a:endParaRPr lang="en-US" dirty="0"/>
+          </a:p>
+        </p:txBody>
+      </p:sp>
+      <p:sp>
+        <p:nvSpPr>
+          <p:cNvPr id="4" name="Slide Number Placeholder 3"/>
+          <p:cNvSpPr>
+            <a:spLocks noGrp="1"/>
+          </p:cNvSpPr>
+          <p:nvPr>
+            <p:ph type="sldNum" sz="quarter" idx="10"/>
+          </p:nvPr>
+        </p:nvSpPr>
+        <p:spPr/>
+        <p:txBody>
+          <a:bodyPr/>
+          <a:lstStyle/>
+          <a:p>
+            <a:fld id="{0AC2A9AB-9517-124C-A111-57FD556670EC}" type="slidenum">
+              <a:rPr lang="en-US" smtClean="0"/>
+              <a:t>6</a:t>
+            </a:fld>
+            <a:endParaRPr lang="en-US"/>
+          </a:p>
+        </p:txBody>
+      </p:sp>
+    </p:spTree>
+    <p:extLst>
+      <p:ext uri="{BB962C8B-B14F-4D97-AF65-F5344CB8AC3E}">
+        <p14:creationId xmlns:p14="http://schemas.microsoft.com/office/powerpoint/2010/main" val="2308988565"/>
+      </p:ext>
+    </p:extLst>
+  </p:cSld>
+  <p:clrMapOvr>
+    <a:masterClrMapping/>
+  </p:clrMapOvr>
+</p:notes>
+</file>
+
+<file path=ppt/notesSlides/notesSlide3.xml><?xml version="1.0" encoding="utf-8"?>
+<p:notes xmlns:a="http://schemas.openxmlformats.org/drawingml/2006/main" xmlns:r="http://schemas.openxmlformats.org/officeDocument/2006/relationships" xmlns:p="http://schemas.openxmlformats.org/presentationml/2006/main">
+  <p:cSld>
+    <p:spTree>
+      <p:nvGrpSpPr>
+        <p:cNvPr id="1" name=""/>
+        <p:cNvGrpSpPr/>
+        <p:nvPr/>
+      </p:nvGrpSpPr>
+      <p:grpSpPr>
+        <a:xfrm>
+          <a:off x="0" y="0"/>
+          <a:ext cx="0" cy="0"/>
+          <a:chOff x="0" y="0"/>
+          <a:chExt cx="0" cy="0"/>
+        </a:xfrm>
+      </p:grpSpPr>
+      <p:sp>
+        <p:nvSpPr>
+          <p:cNvPr id="2" name="Slide Image Placeholder 1"/>
+          <p:cNvSpPr>
+            <a:spLocks noGrp="1" noRot="1" noChangeAspect="1"/>
+          </p:cNvSpPr>
+          <p:nvPr>
+            <p:ph type="sldImg"/>
+          </p:nvPr>
+        </p:nvSpPr>
+        <p:spPr/>
+      </p:sp>
+      <p:sp>
+        <p:nvSpPr>
+          <p:cNvPr id="3" name="Notes Placeholder 2"/>
+          <p:cNvSpPr>
+            <a:spLocks noGrp="1"/>
+          </p:cNvSpPr>
+          <p:nvPr>
+            <p:ph type="body" idx="1"/>
+          </p:nvPr>
+        </p:nvSpPr>
+        <p:spPr/>
+        <p:txBody>
+          <a:bodyPr/>
+          <a:lstStyle/>
+          <a:p>
+            <a:endParaRPr lang="en-US" dirty="0"/>
+          </a:p>
+        </p:txBody>
+      </p:sp>
+      <p:sp>
+        <p:nvSpPr>
+          <p:cNvPr id="4" name="Slide Number Placeholder 3"/>
+          <p:cNvSpPr>
+            <a:spLocks noGrp="1"/>
+          </p:cNvSpPr>
+          <p:nvPr>
+            <p:ph type="sldNum" sz="quarter" idx="10"/>
+          </p:nvPr>
+        </p:nvSpPr>
+        <p:spPr/>
+        <p:txBody>
+          <a:bodyPr/>
+          <a:lstStyle/>
+          <a:p>
+            <a:fld id="{0AC2A9AB-9517-124C-A111-57FD556670EC}" type="slidenum">
+              <a:rPr lang="en-US" smtClean="0"/>
+              <a:t>7</a:t>
+            </a:fld>
+            <a:endParaRPr lang="en-US"/>
+          </a:p>
+        </p:txBody>
+      </p:sp>
+    </p:spTree>
+    <p:extLst>
+      <p:ext uri="{BB962C8B-B14F-4D97-AF65-F5344CB8AC3E}">
+        <p14:creationId xmlns:p14="http://schemas.microsoft.com/office/powerpoint/2010/main" val="2308988565"/>
+      </p:ext>
+    </p:extLst>
+  </p:cSld>
+  <p:clrMapOvr>
+    <a:masterClrMapping/>
+  </p:clrMapOvr>
+</p:notes>
 </file>
 
 <file path=ppt/slideLayouts/slideLayout1.xml><?xml version="1.0" encoding="utf-8"?>
@@ -7273,7 +7885,1163 @@
           <p:nvPr>
             <p:extLst>
               <p:ext uri="{D42A27DB-BD31-4B8C-83A1-F6EECF244321}">
-                <p14:modId xmlns:p14="http://schemas.microsoft.com/office/powerpoint/2010/main" val="141667588"/>
+                <p14:modId xmlns:p14="http://schemas.microsoft.com/office/powerpoint/2010/main" val="3678315693"/>
+              </p:ext>
+            </p:extLst>
+          </p:nvPr>
+        </p:nvGraphicFramePr>
+        <p:xfrm>
+          <a:off x="-3143250" y="79375"/>
+          <a:ext cx="12204317" cy="6193186"/>
+        </p:xfrm>
+        <a:graphic>
+          <a:graphicData uri="http://schemas.openxmlformats.org/drawingml/2006/table">
+            <a:tbl>
+              <a:tblPr firstRow="1" bandRow="1">
+                <a:tableStyleId>{2A488322-F2BA-4B5B-9748-0D474271808F}</a:tableStyleId>
+              </a:tblPr>
+              <a:tblGrid>
+                <a:gridCol w="3880473"/>
+                <a:gridCol w="4286172"/>
+                <a:gridCol w="4037672"/>
+              </a:tblGrid>
+              <a:tr h="557561">
+                <a:tc>
+                  <a:txBody>
+                    <a:bodyPr/>
+                    <a:lstStyle/>
+                    <a:p>
+                      <a:r>
+                        <a:rPr lang="en-US" sz="2800" u="none" dirty="0" smtClean="0">
+                          <a:solidFill>
+                            <a:schemeClr val="tx1"/>
+                          </a:solidFill>
+                        </a:rPr>
+                        <a:t>Role</a:t>
+                      </a:r>
+                      <a:endParaRPr lang="en-US" sz="2800" b="1" u="none" dirty="0">
+                        <a:solidFill>
+                          <a:schemeClr val="tx1"/>
+                        </a:solidFill>
+                      </a:endParaRPr>
+                    </a:p>
+                  </a:txBody>
+                  <a:tcPr anchor="ctr"/>
+                </a:tc>
+                <a:tc>
+                  <a:txBody>
+                    <a:bodyPr/>
+                    <a:lstStyle/>
+                    <a:p>
+                      <a:r>
+                        <a:rPr lang="en-US" sz="2800" u="none" baseline="0" dirty="0" smtClean="0">
+                          <a:solidFill>
+                            <a:schemeClr val="tx1"/>
+                          </a:solidFill>
+                        </a:rPr>
+                        <a:t>Types</a:t>
+                      </a:r>
+                      <a:endParaRPr lang="en-US" sz="2800" b="1" u="none" dirty="0">
+                        <a:solidFill>
+                          <a:schemeClr val="tx1"/>
+                        </a:solidFill>
+                      </a:endParaRPr>
+                    </a:p>
+                  </a:txBody>
+                  <a:tcPr anchor="ctr"/>
+                </a:tc>
+                <a:tc>
+                  <a:txBody>
+                    <a:bodyPr/>
+                    <a:lstStyle/>
+                    <a:p>
+                      <a:r>
+                        <a:rPr lang="en-US" sz="2800" u="none" dirty="0" smtClean="0">
+                          <a:solidFill>
+                            <a:schemeClr val="tx1"/>
+                          </a:solidFill>
+                        </a:rPr>
+                        <a:t>Instances</a:t>
+                      </a:r>
+                      <a:endParaRPr lang="en-US" sz="2800" b="1" u="none" dirty="0">
+                        <a:solidFill>
+                          <a:schemeClr val="tx1"/>
+                        </a:solidFill>
+                      </a:endParaRPr>
+                    </a:p>
+                  </a:txBody>
+                  <a:tcPr anchor="ctr"/>
+                </a:tc>
+              </a:tr>
+              <a:tr h="557561">
+                <a:tc>
+                  <a:txBody>
+                    <a:bodyPr/>
+                    <a:lstStyle/>
+                    <a:p>
+                      <a:r>
+                        <a:rPr lang="en-US" sz="2800" dirty="0" smtClean="0"/>
+                        <a:t>Undergoer</a:t>
+                      </a:r>
+                      <a:endParaRPr lang="en-US" sz="2800" b="0" dirty="0"/>
+                    </a:p>
+                  </a:txBody>
+                  <a:tcPr marL="45720" marR="45720"/>
+                </a:tc>
+                <a:tc>
+                  <a:txBody>
+                    <a:bodyPr/>
+                    <a:lstStyle/>
+                    <a:p>
+                      <a:r>
+                        <a:rPr lang="en-US" sz="2800" dirty="0" smtClean="0"/>
+                        <a:t>Physical</a:t>
+                      </a:r>
+                      <a:r>
+                        <a:rPr lang="en-US" sz="2800" baseline="0" dirty="0" smtClean="0"/>
+                        <a:t> Object,</a:t>
+                      </a:r>
+                      <a:endParaRPr lang="en-US" sz="2800" dirty="0"/>
+                    </a:p>
+                  </a:txBody>
+                  <a:tcPr marL="45720" marR="45720"/>
+                </a:tc>
+                <a:tc>
+                  <a:txBody>
+                    <a:bodyPr/>
+                    <a:lstStyle/>
+                    <a:p>
+                      <a:r>
+                        <a:rPr lang="en-US" sz="2800" dirty="0" smtClean="0"/>
+                        <a:t>solid</a:t>
+                      </a:r>
+                      <a:r>
+                        <a:rPr lang="en-US" sz="2800" baseline="0" dirty="0" smtClean="0"/>
+                        <a:t>, pot, …</a:t>
+                      </a:r>
+                      <a:endParaRPr lang="en-US" sz="2800" dirty="0"/>
+                    </a:p>
+                  </a:txBody>
+                  <a:tcPr marL="45720" marR="45720"/>
+                </a:tc>
+              </a:tr>
+              <a:tr h="557561">
+                <a:tc>
+                  <a:txBody>
+                    <a:bodyPr/>
+                    <a:lstStyle/>
+                    <a:p>
+                      <a:r>
+                        <a:rPr lang="en-US" sz="2800" dirty="0" smtClean="0"/>
+                        <a:t>Enabler/Enabling Event</a:t>
+                      </a:r>
+                      <a:endParaRPr lang="en-US" sz="2800" dirty="0"/>
+                    </a:p>
+                  </a:txBody>
+                  <a:tcPr marL="45720" marR="45720"/>
+                </a:tc>
+                <a:tc>
+                  <a:txBody>
+                    <a:bodyPr/>
+                    <a:lstStyle/>
+                    <a:p>
+                      <a:r>
+                        <a:rPr lang="en-US" sz="2800" dirty="0" smtClean="0"/>
+                        <a:t>Physical</a:t>
+                      </a:r>
+                      <a:r>
+                        <a:rPr lang="en-US" sz="2800" baseline="0" dirty="0" smtClean="0"/>
+                        <a:t> Object, Heat Source</a:t>
+                      </a:r>
+                      <a:endParaRPr lang="en-US" sz="2800" dirty="0"/>
+                    </a:p>
+                  </a:txBody>
+                  <a:tcPr marL="45720" marR="45720"/>
+                </a:tc>
+                <a:tc>
+                  <a:txBody>
+                    <a:bodyPr/>
+                    <a:lstStyle/>
+                    <a:p>
+                      <a:r>
+                        <a:rPr lang="en-US" sz="2800" baseline="0" dirty="0" smtClean="0"/>
+                        <a:t>stove, flame, …</a:t>
+                      </a:r>
+                      <a:endParaRPr lang="en-US" sz="2800" dirty="0"/>
+                    </a:p>
+                  </a:txBody>
+                  <a:tcPr marL="45720" marR="45720"/>
+                </a:tc>
+              </a:tr>
+              <a:tr h="557561">
+                <a:tc>
+                  <a:txBody>
+                    <a:bodyPr/>
+                    <a:lstStyle/>
+                    <a:p>
+                      <a:r>
+                        <a:rPr lang="en-US" sz="2800" dirty="0" smtClean="0"/>
+                        <a:t>Theme</a:t>
+                      </a:r>
+                      <a:endParaRPr lang="en-US" sz="2800" dirty="0"/>
+                    </a:p>
+                  </a:txBody>
+                  <a:tcPr marL="45720" marR="45720"/>
+                </a:tc>
+                <a:tc>
+                  <a:txBody>
+                    <a:bodyPr/>
+                    <a:lstStyle/>
+                    <a:p>
+                      <a:r>
+                        <a:rPr lang="en-US" sz="2800" dirty="0" smtClean="0"/>
+                        <a:t>Energy,</a:t>
+                      </a:r>
+                      <a:r>
+                        <a:rPr lang="en-US" sz="2800" baseline="0" dirty="0" smtClean="0"/>
+                        <a:t> Heat</a:t>
+                      </a:r>
+                      <a:endParaRPr lang="en-US" sz="2800" dirty="0"/>
+                    </a:p>
+                  </a:txBody>
+                  <a:tcPr marL="45720" marR="45720"/>
+                </a:tc>
+                <a:tc>
+                  <a:txBody>
+                    <a:bodyPr/>
+                    <a:lstStyle/>
+                    <a:p>
+                      <a:r>
+                        <a:rPr lang="en-US" sz="2800" dirty="0" smtClean="0"/>
+                        <a:t>heat,</a:t>
+                      </a:r>
+                      <a:r>
+                        <a:rPr lang="en-US" sz="2800" baseline="0" dirty="0" smtClean="0"/>
+                        <a:t> radiation, …</a:t>
+                      </a:r>
+                      <a:endParaRPr lang="en-US" sz="2800" dirty="0"/>
+                    </a:p>
+                  </a:txBody>
+                  <a:tcPr marL="45720" marR="45720"/>
+                </a:tc>
+              </a:tr>
+              <a:tr h="557561">
+                <a:tc>
+                  <a:txBody>
+                    <a:bodyPr/>
+                    <a:lstStyle/>
+                    <a:p>
+                      <a:r>
+                        <a:rPr lang="en-US" sz="2800" dirty="0" smtClean="0"/>
+                        <a:t>Output</a:t>
+                      </a:r>
+                      <a:endParaRPr lang="en-US" sz="2800" dirty="0"/>
+                    </a:p>
+                  </a:txBody>
+                  <a:tcPr marL="45720" marR="45720"/>
+                </a:tc>
+                <a:tc>
+                  <a:txBody>
+                    <a:bodyPr/>
+                    <a:lstStyle/>
+                    <a:p>
+                      <a:r>
+                        <a:rPr lang="en-US" sz="2800" dirty="0" smtClean="0"/>
+                        <a:t>-</a:t>
+                      </a:r>
+                    </a:p>
+                  </a:txBody>
+                  <a:tcPr marL="45720" marR="45720"/>
+                </a:tc>
+                <a:tc>
+                  <a:txBody>
+                    <a:bodyPr/>
+                    <a:lstStyle/>
+                    <a:p>
+                      <a:r>
+                        <a:rPr lang="en-US" sz="2800" dirty="0" smtClean="0"/>
+                        <a:t>-</a:t>
+                      </a:r>
+                      <a:endParaRPr lang="en-US" sz="2800" dirty="0"/>
+                    </a:p>
+                  </a:txBody>
+                  <a:tcPr marL="45720" marR="45720"/>
+                </a:tc>
+              </a:tr>
+              <a:tr h="720570">
+                <a:tc>
+                  <a:txBody>
+                    <a:bodyPr/>
+                    <a:lstStyle/>
+                    <a:p>
+                      <a:r>
+                        <a:rPr lang="en-US" sz="2800" dirty="0" smtClean="0"/>
+                        <a:t>Purpose/Consequence</a:t>
+                      </a:r>
+                      <a:endParaRPr lang="en-US" sz="2800" dirty="0"/>
+                    </a:p>
+                  </a:txBody>
+                  <a:tcPr marL="45720" marR="45720"/>
+                </a:tc>
+                <a:tc>
+                  <a:txBody>
+                    <a:bodyPr/>
+                    <a:lstStyle/>
+                    <a:p>
+                      <a:r>
+                        <a:rPr lang="en-US" sz="2800" dirty="0" smtClean="0"/>
+                        <a:t>-</a:t>
+                      </a:r>
+                    </a:p>
+                  </a:txBody>
+                  <a:tcPr marL="45720" marR="45720"/>
+                </a:tc>
+                <a:tc>
+                  <a:txBody>
+                    <a:bodyPr/>
+                    <a:lstStyle/>
+                    <a:p>
+                      <a:r>
+                        <a:rPr lang="en-US" sz="2800" dirty="0" smtClean="0"/>
+                        <a:t>maintain</a:t>
+                      </a:r>
+                      <a:r>
+                        <a:rPr lang="en-US" sz="2800" baseline="0" dirty="0" smtClean="0"/>
+                        <a:t> temperature, …</a:t>
+                      </a:r>
+                      <a:endParaRPr lang="en-US" sz="2800" dirty="0"/>
+                    </a:p>
+                  </a:txBody>
+                  <a:tcPr marL="45720" marR="45720"/>
+                </a:tc>
+              </a:tr>
+              <a:tr h="714375">
+                <a:tc>
+                  <a:txBody>
+                    <a:bodyPr/>
+                    <a:lstStyle/>
+                    <a:p>
+                      <a:r>
+                        <a:rPr lang="en-US" sz="2800" dirty="0" smtClean="0"/>
+                        <a:t>Benefactive</a:t>
+                      </a:r>
+                    </a:p>
+                  </a:txBody>
+                  <a:tcPr marL="45720" marR="45720"/>
+                </a:tc>
+                <a:tc>
+                  <a:txBody>
+                    <a:bodyPr/>
+                    <a:lstStyle/>
+                    <a:p>
+                      <a:r>
+                        <a:rPr lang="en-US" sz="2800" dirty="0" smtClean="0"/>
+                        <a:t>-</a:t>
+                      </a:r>
+                      <a:endParaRPr lang="en-US" sz="2800" dirty="0"/>
+                    </a:p>
+                  </a:txBody>
+                  <a:tcPr marL="45720" marR="45720"/>
+                </a:tc>
+                <a:tc>
+                  <a:txBody>
+                    <a:bodyPr/>
+                    <a:lstStyle/>
+                    <a:p>
+                      <a:r>
+                        <a:rPr lang="en-US" sz="2800" dirty="0" smtClean="0"/>
+                        <a:t>-</a:t>
+                      </a:r>
+                      <a:endParaRPr lang="en-US" sz="2800" dirty="0"/>
+                    </a:p>
+                  </a:txBody>
+                  <a:tcPr marL="45720" marR="45720"/>
+                </a:tc>
+              </a:tr>
+              <a:tr h="730250">
+                <a:tc>
+                  <a:txBody>
+                    <a:bodyPr/>
+                    <a:lstStyle/>
+                    <a:p>
+                      <a:r>
+                        <a:rPr lang="en-US" sz="2800" dirty="0" smtClean="0"/>
+                        <a:t>Source</a:t>
+                      </a:r>
+                      <a:endParaRPr lang="en-US" sz="2800" dirty="0"/>
+                    </a:p>
+                  </a:txBody>
+                  <a:tcPr marL="45720" marR="45720"/>
+                </a:tc>
+                <a:tc>
+                  <a:txBody>
+                    <a:bodyPr/>
+                    <a:lstStyle/>
+                    <a:p>
+                      <a:r>
+                        <a:rPr lang="en-US" sz="2800" dirty="0" smtClean="0"/>
+                        <a:t>Physical Object</a:t>
+                      </a:r>
+                    </a:p>
+                  </a:txBody>
+                  <a:tcPr marL="45720" marR="45720"/>
+                </a:tc>
+                <a:tc>
+                  <a:txBody>
+                    <a:bodyPr/>
+                    <a:lstStyle/>
+                    <a:p>
+                      <a:r>
+                        <a:rPr lang="en-US" sz="2800" dirty="0" smtClean="0"/>
+                        <a:t>solid, pot, …</a:t>
+                      </a:r>
+                      <a:endParaRPr lang="en-US" sz="2800" dirty="0"/>
+                    </a:p>
+                  </a:txBody>
+                  <a:tcPr marL="45720" marR="45720"/>
+                </a:tc>
+              </a:tr>
+              <a:tr h="682625">
+                <a:tc>
+                  <a:txBody>
+                    <a:bodyPr/>
+                    <a:lstStyle/>
+                    <a:p>
+                      <a:r>
+                        <a:rPr lang="en-US" sz="2800" dirty="0" smtClean="0"/>
+                        <a:t>Target</a:t>
+                      </a:r>
+                      <a:endParaRPr lang="en-US" sz="2800" dirty="0"/>
+                    </a:p>
+                  </a:txBody>
+                  <a:tcPr marL="45720" marR="45720"/>
+                </a:tc>
+                <a:tc>
+                  <a:txBody>
+                    <a:bodyPr/>
+                    <a:lstStyle/>
+                    <a:p>
+                      <a:r>
+                        <a:rPr lang="en-US" sz="2800" dirty="0" smtClean="0"/>
+                        <a:t>Physical</a:t>
+                      </a:r>
+                      <a:r>
+                        <a:rPr lang="en-US" sz="2800" baseline="0" dirty="0" smtClean="0"/>
+                        <a:t> Object</a:t>
+                      </a:r>
+                      <a:endParaRPr lang="en-US" sz="2800" dirty="0" smtClean="0"/>
+                    </a:p>
+                  </a:txBody>
+                  <a:tcPr marL="45720" marR="45720"/>
+                </a:tc>
+                <a:tc>
+                  <a:txBody>
+                    <a:bodyPr/>
+                    <a:lstStyle/>
+                    <a:p>
+                      <a:r>
+                        <a:rPr lang="en-US" sz="2800" dirty="0" smtClean="0"/>
+                        <a:t>handle, vessel, …</a:t>
+                      </a:r>
+                      <a:endParaRPr lang="en-US" sz="2800" dirty="0"/>
+                    </a:p>
+                  </a:txBody>
+                  <a:tcPr marL="45720" marR="45720"/>
+                </a:tc>
+              </a:tr>
+              <a:tr h="557561">
+                <a:tc>
+                  <a:txBody>
+                    <a:bodyPr/>
+                    <a:lstStyle/>
+                    <a:p>
+                      <a:r>
+                        <a:rPr lang="en-US" sz="2800" dirty="0" smtClean="0"/>
+                        <a:t>Medium</a:t>
+                      </a:r>
+                      <a:endParaRPr lang="en-US" sz="2800" dirty="0"/>
+                    </a:p>
+                  </a:txBody>
+                  <a:tcPr marL="45720" marR="45720"/>
+                </a:tc>
+                <a:tc>
+                  <a:txBody>
+                    <a:bodyPr/>
+                    <a:lstStyle/>
+                    <a:p>
+                      <a:r>
+                        <a:rPr lang="en-US" sz="2800" dirty="0" smtClean="0"/>
+                        <a:t>solid</a:t>
+                      </a:r>
+                      <a:r>
+                        <a:rPr lang="en-US" sz="2800" baseline="0" dirty="0" smtClean="0"/>
+                        <a:t>, contact</a:t>
+                      </a:r>
+                      <a:endParaRPr lang="en-US" sz="2800" dirty="0"/>
+                    </a:p>
+                  </a:txBody>
+                  <a:tcPr marL="45720" marR="45720"/>
+                </a:tc>
+                <a:tc>
+                  <a:txBody>
+                    <a:bodyPr/>
+                    <a:lstStyle/>
+                    <a:p>
+                      <a:r>
+                        <a:rPr lang="en-US" sz="2800" dirty="0" smtClean="0"/>
+                        <a:t>solid, contact,</a:t>
+                      </a:r>
+                      <a:r>
+                        <a:rPr lang="en-US" sz="2800" baseline="0" dirty="0" smtClean="0"/>
+                        <a:t> …</a:t>
+                      </a:r>
+                    </a:p>
+                  </a:txBody>
+                  <a:tcPr marL="45720" marR="45720"/>
+                </a:tc>
+              </a:tr>
+            </a:tbl>
+          </a:graphicData>
+        </a:graphic>
+      </p:graphicFrame>
+    </p:spTree>
+    <p:extLst>
+      <p:ext uri="{BB962C8B-B14F-4D97-AF65-F5344CB8AC3E}">
+        <p14:creationId xmlns:p14="http://schemas.microsoft.com/office/powerpoint/2010/main" val="1058179636"/>
+      </p:ext>
+    </p:extLst>
+  </p:cSld>
+  <p:clrMapOvr>
+    <a:masterClrMapping/>
+  </p:clrMapOvr>
+</p:sld>
+</file>
+
+<file path=ppt/slides/slide2.xml><?xml version="1.0" encoding="utf-8"?>
+<p:sld xmlns:a="http://schemas.openxmlformats.org/drawingml/2006/main" xmlns:r="http://schemas.openxmlformats.org/officeDocument/2006/relationships" xmlns:p="http://schemas.openxmlformats.org/presentationml/2006/main">
+  <p:cSld>
+    <p:spTree>
+      <p:nvGrpSpPr>
+        <p:cNvPr id="1" name=""/>
+        <p:cNvGrpSpPr/>
+        <p:nvPr/>
+      </p:nvGrpSpPr>
+      <p:grpSpPr>
+        <a:xfrm>
+          <a:off x="0" y="0"/>
+          <a:ext cx="0" cy="0"/>
+          <a:chOff x="0" y="0"/>
+          <a:chExt cx="0" cy="0"/>
+        </a:xfrm>
+      </p:grpSpPr>
+      <p:sp>
+        <p:nvSpPr>
+          <p:cNvPr id="2" name="Title 1"/>
+          <p:cNvSpPr>
+            <a:spLocks noGrp="1"/>
+          </p:cNvSpPr>
+          <p:nvPr>
+            <p:ph type="ctrTitle"/>
+          </p:nvPr>
+        </p:nvSpPr>
+        <p:spPr/>
+        <p:txBody>
+          <a:bodyPr/>
+          <a:lstStyle/>
+          <a:p>
+            <a:endParaRPr lang="en-US"/>
+          </a:p>
+        </p:txBody>
+      </p:sp>
+      <p:sp>
+        <p:nvSpPr>
+          <p:cNvPr id="3" name="Subtitle 2"/>
+          <p:cNvSpPr>
+            <a:spLocks noGrp="1"/>
+          </p:cNvSpPr>
+          <p:nvPr>
+            <p:ph type="subTitle" idx="1"/>
+          </p:nvPr>
+        </p:nvSpPr>
+        <p:spPr/>
+        <p:txBody>
+          <a:bodyPr/>
+          <a:lstStyle/>
+          <a:p>
+            <a:endParaRPr lang="en-US"/>
+          </a:p>
+        </p:txBody>
+      </p:sp>
+      <p:graphicFrame>
+        <p:nvGraphicFramePr>
+          <p:cNvPr id="5" name="Table 4"/>
+          <p:cNvGraphicFramePr>
+            <a:graphicFrameLocks noGrp="1"/>
+          </p:cNvGraphicFramePr>
+          <p:nvPr>
+            <p:extLst>
+              <p:ext uri="{D42A27DB-BD31-4B8C-83A1-F6EECF244321}">
+                <p14:modId xmlns:p14="http://schemas.microsoft.com/office/powerpoint/2010/main" val="934284539"/>
+              </p:ext>
+            </p:extLst>
+          </p:nvPr>
+        </p:nvGraphicFramePr>
+        <p:xfrm>
+          <a:off x="-3143250" y="79375"/>
+          <a:ext cx="13644988" cy="6193186"/>
+        </p:xfrm>
+        <a:graphic>
+          <a:graphicData uri="http://schemas.openxmlformats.org/drawingml/2006/table">
+            <a:tbl>
+              <a:tblPr firstRow="1" bandRow="1">
+                <a:tableStyleId>{2A488322-F2BA-4B5B-9748-0D474271808F}</a:tableStyleId>
+              </a:tblPr>
+              <a:tblGrid>
+                <a:gridCol w="3880473"/>
+                <a:gridCol w="4286172"/>
+                <a:gridCol w="5478343"/>
+              </a:tblGrid>
+              <a:tr h="557561">
+                <a:tc>
+                  <a:txBody>
+                    <a:bodyPr/>
+                    <a:lstStyle/>
+                    <a:p>
+                      <a:r>
+                        <a:rPr lang="en-US" sz="2800" u="sng" dirty="0" smtClean="0"/>
+                        <a:t>Role</a:t>
+                      </a:r>
+                      <a:endParaRPr lang="en-US" sz="2800" b="1" u="sng" dirty="0">
+                        <a:solidFill>
+                          <a:schemeClr val="tx1"/>
+                        </a:solidFill>
+                      </a:endParaRPr>
+                    </a:p>
+                  </a:txBody>
+                  <a:tcPr anchor="ctr"/>
+                </a:tc>
+                <a:tc>
+                  <a:txBody>
+                    <a:bodyPr/>
+                    <a:lstStyle/>
+                    <a:p>
+                      <a:r>
+                        <a:rPr lang="en-US" sz="2800" u="sng" baseline="0" dirty="0" smtClean="0"/>
+                        <a:t>Types</a:t>
+                      </a:r>
+                      <a:endParaRPr lang="en-US" sz="2800" b="1" u="sng" dirty="0">
+                        <a:solidFill>
+                          <a:schemeClr val="tx1"/>
+                        </a:solidFill>
+                      </a:endParaRPr>
+                    </a:p>
+                  </a:txBody>
+                  <a:tcPr anchor="ctr"/>
+                </a:tc>
+                <a:tc>
+                  <a:txBody>
+                    <a:bodyPr/>
+                    <a:lstStyle/>
+                    <a:p>
+                      <a:r>
+                        <a:rPr lang="en-US" sz="2800" u="sng" dirty="0" smtClean="0"/>
+                        <a:t>Instances</a:t>
+                      </a:r>
+                      <a:endParaRPr lang="en-US" sz="2800" b="1" u="sng" dirty="0">
+                        <a:solidFill>
+                          <a:schemeClr val="tx1"/>
+                        </a:solidFill>
+                      </a:endParaRPr>
+                    </a:p>
+                  </a:txBody>
+                  <a:tcPr anchor="ctr"/>
+                </a:tc>
+              </a:tr>
+              <a:tr h="557561">
+                <a:tc>
+                  <a:txBody>
+                    <a:bodyPr/>
+                    <a:lstStyle/>
+                    <a:p>
+                      <a:r>
+                        <a:rPr lang="en-US" sz="2800" dirty="0" smtClean="0"/>
+                        <a:t>Undergoer</a:t>
+                      </a:r>
+                      <a:endParaRPr lang="en-US" sz="2800" b="0" dirty="0"/>
+                    </a:p>
+                  </a:txBody>
+                  <a:tcPr marL="45720" marR="45720"/>
+                </a:tc>
+                <a:tc>
+                  <a:txBody>
+                    <a:bodyPr/>
+                    <a:lstStyle/>
+                    <a:p>
+                      <a:r>
+                        <a:rPr lang="en-US" sz="2800" dirty="0" smtClean="0"/>
+                        <a:t>Liquid,</a:t>
+                      </a:r>
+                      <a:endParaRPr lang="en-US" sz="2800" dirty="0"/>
+                    </a:p>
+                  </a:txBody>
+                  <a:tcPr marL="45720" marR="45720"/>
+                </a:tc>
+                <a:tc>
+                  <a:txBody>
+                    <a:bodyPr/>
+                    <a:lstStyle/>
+                    <a:p>
+                      <a:r>
+                        <a:rPr lang="en-US" sz="2800" baseline="0" dirty="0" smtClean="0"/>
+                        <a:t>water, water from oceans, …</a:t>
+                      </a:r>
+                      <a:endParaRPr lang="en-US" sz="2800" dirty="0"/>
+                    </a:p>
+                  </a:txBody>
+                  <a:tcPr marL="45720" marR="45720"/>
+                </a:tc>
+              </a:tr>
+              <a:tr h="557561">
+                <a:tc>
+                  <a:txBody>
+                    <a:bodyPr/>
+                    <a:lstStyle/>
+                    <a:p>
+                      <a:r>
+                        <a:rPr lang="en-US" sz="2800" dirty="0" smtClean="0"/>
+                        <a:t>Enabler/Enabling Event</a:t>
+                      </a:r>
+                      <a:endParaRPr lang="en-US" sz="2800" dirty="0"/>
+                    </a:p>
+                  </a:txBody>
+                  <a:tcPr marL="45720" marR="45720"/>
+                </a:tc>
+                <a:tc>
+                  <a:txBody>
+                    <a:bodyPr/>
+                    <a:lstStyle/>
+                    <a:p>
+                      <a:r>
+                        <a:rPr lang="en-US" sz="2800" baseline="0" dirty="0" smtClean="0"/>
+                        <a:t>Heat Source,</a:t>
+                      </a:r>
+                      <a:endParaRPr lang="en-US" sz="2800" dirty="0"/>
+                    </a:p>
+                  </a:txBody>
+                  <a:tcPr marL="45720" marR="45720"/>
+                </a:tc>
+                <a:tc>
+                  <a:txBody>
+                    <a:bodyPr/>
+                    <a:lstStyle/>
+                    <a:p>
+                      <a:r>
+                        <a:rPr lang="en-US" sz="2800" baseline="0" dirty="0" smtClean="0"/>
+                        <a:t>sun, drying …</a:t>
+                      </a:r>
+                      <a:endParaRPr lang="en-US" sz="2800" dirty="0"/>
+                    </a:p>
+                  </a:txBody>
+                  <a:tcPr marL="45720" marR="45720"/>
+                </a:tc>
+              </a:tr>
+              <a:tr h="557561">
+                <a:tc>
+                  <a:txBody>
+                    <a:bodyPr/>
+                    <a:lstStyle/>
+                    <a:p>
+                      <a:r>
+                        <a:rPr lang="en-US" sz="2800" dirty="0" smtClean="0"/>
+                        <a:t>Theme</a:t>
+                      </a:r>
+                      <a:endParaRPr lang="en-US" sz="2800" dirty="0"/>
+                    </a:p>
+                  </a:txBody>
+                  <a:tcPr marL="45720" marR="45720"/>
+                </a:tc>
+                <a:tc>
+                  <a:txBody>
+                    <a:bodyPr/>
+                    <a:lstStyle/>
+                    <a:p>
+                      <a:r>
+                        <a:rPr lang="en-US" sz="2800" baseline="0" dirty="0" smtClean="0"/>
+                        <a:t>-</a:t>
+                      </a:r>
+                      <a:endParaRPr lang="en-US" sz="2800" dirty="0"/>
+                    </a:p>
+                  </a:txBody>
+                  <a:tcPr marL="45720" marR="45720"/>
+                </a:tc>
+                <a:tc>
+                  <a:txBody>
+                    <a:bodyPr/>
+                    <a:lstStyle/>
+                    <a:p>
+                      <a:r>
+                        <a:rPr lang="en-US" sz="2800" dirty="0" smtClean="0"/>
+                        <a:t>-</a:t>
+                      </a:r>
+                      <a:endParaRPr lang="en-US" sz="2800" dirty="0"/>
+                    </a:p>
+                  </a:txBody>
+                  <a:tcPr marL="45720" marR="45720"/>
+                </a:tc>
+              </a:tr>
+              <a:tr h="557561">
+                <a:tc>
+                  <a:txBody>
+                    <a:bodyPr/>
+                    <a:lstStyle/>
+                    <a:p>
+                      <a:r>
+                        <a:rPr lang="en-US" sz="2800" dirty="0" smtClean="0"/>
+                        <a:t>Output</a:t>
+                      </a:r>
+                      <a:endParaRPr lang="en-US" sz="2800" dirty="0"/>
+                    </a:p>
+                  </a:txBody>
+                  <a:tcPr marL="45720" marR="45720"/>
+                </a:tc>
+                <a:tc>
+                  <a:txBody>
+                    <a:bodyPr/>
+                    <a:lstStyle/>
+                    <a:p>
+                      <a:r>
+                        <a:rPr lang="en-US" sz="2800" dirty="0" smtClean="0"/>
+                        <a:t>Vapor,</a:t>
+                      </a:r>
+                      <a:r>
+                        <a:rPr lang="en-US" sz="2800" baseline="0" dirty="0" smtClean="0"/>
+                        <a:t> Gas</a:t>
+                      </a:r>
+                      <a:endParaRPr lang="en-US" sz="2800" dirty="0" smtClean="0"/>
+                    </a:p>
+                  </a:txBody>
+                  <a:tcPr marL="45720" marR="45720"/>
+                </a:tc>
+                <a:tc>
+                  <a:txBody>
+                    <a:bodyPr/>
+                    <a:lstStyle/>
+                    <a:p>
+                      <a:r>
+                        <a:rPr lang="en-US" sz="2800" dirty="0" smtClean="0"/>
+                        <a:t>water</a:t>
+                      </a:r>
+                      <a:r>
+                        <a:rPr lang="en-US" sz="2800" baseline="0" dirty="0" smtClean="0"/>
+                        <a:t> vapor, gas, vapor, …</a:t>
+                      </a:r>
+                      <a:endParaRPr lang="en-US" sz="2800" dirty="0"/>
+                    </a:p>
+                  </a:txBody>
+                  <a:tcPr marL="45720" marR="45720"/>
+                </a:tc>
+              </a:tr>
+              <a:tr h="720570">
+                <a:tc>
+                  <a:txBody>
+                    <a:bodyPr/>
+                    <a:lstStyle/>
+                    <a:p>
+                      <a:r>
+                        <a:rPr lang="en-US" sz="2800" dirty="0" smtClean="0"/>
+                        <a:t>Purpose/Consequence</a:t>
+                      </a:r>
+                      <a:endParaRPr lang="en-US" sz="2800" dirty="0"/>
+                    </a:p>
+                  </a:txBody>
+                  <a:tcPr marL="45720" marR="45720"/>
+                </a:tc>
+                <a:tc>
+                  <a:txBody>
+                    <a:bodyPr/>
+                    <a:lstStyle/>
+                    <a:p>
+                      <a:r>
+                        <a:rPr lang="en-US" sz="2800" dirty="0" smtClean="0"/>
+                        <a:t>-</a:t>
+                      </a:r>
+                    </a:p>
+                  </a:txBody>
+                  <a:tcPr marL="45720" marR="45720"/>
+                </a:tc>
+                <a:tc>
+                  <a:txBody>
+                    <a:bodyPr/>
+                    <a:lstStyle/>
+                    <a:p>
+                      <a:r>
+                        <a:rPr lang="en-US" sz="2800" dirty="0" smtClean="0"/>
+                        <a:t>cooling</a:t>
+                      </a:r>
+                      <a:r>
+                        <a:rPr lang="en-US" sz="2800" baseline="0" dirty="0" smtClean="0"/>
+                        <a:t>, vapor rises in the air, …</a:t>
+                      </a:r>
+                      <a:endParaRPr lang="en-US" sz="2800" dirty="0"/>
+                    </a:p>
+                  </a:txBody>
+                  <a:tcPr marL="45720" marR="45720"/>
+                </a:tc>
+              </a:tr>
+              <a:tr h="714375">
+                <a:tc>
+                  <a:txBody>
+                    <a:bodyPr/>
+                    <a:lstStyle/>
+                    <a:p>
+                      <a:r>
+                        <a:rPr lang="en-US" sz="2800" dirty="0" smtClean="0"/>
+                        <a:t>Benefactive</a:t>
+                      </a:r>
+                    </a:p>
+                  </a:txBody>
+                  <a:tcPr marL="45720" marR="45720"/>
+                </a:tc>
+                <a:tc>
+                  <a:txBody>
+                    <a:bodyPr/>
+                    <a:lstStyle/>
+                    <a:p>
+                      <a:r>
+                        <a:rPr lang="en-US" sz="2800" dirty="0" smtClean="0"/>
+                        <a:t>-</a:t>
+                      </a:r>
+                      <a:endParaRPr lang="en-US" sz="2800" dirty="0"/>
+                    </a:p>
+                  </a:txBody>
+                  <a:tcPr marL="45720" marR="45720"/>
+                </a:tc>
+                <a:tc>
+                  <a:txBody>
+                    <a:bodyPr/>
+                    <a:lstStyle/>
+                    <a:p>
+                      <a:r>
+                        <a:rPr lang="en-US" sz="2800" dirty="0" smtClean="0"/>
+                        <a:t>-</a:t>
+                      </a:r>
+                      <a:endParaRPr lang="en-US" sz="2800" dirty="0"/>
+                    </a:p>
+                  </a:txBody>
+                  <a:tcPr marL="45720" marR="45720"/>
+                </a:tc>
+              </a:tr>
+              <a:tr h="730250">
+                <a:tc>
+                  <a:txBody>
+                    <a:bodyPr/>
+                    <a:lstStyle/>
+                    <a:p>
+                      <a:r>
+                        <a:rPr lang="en-US" sz="2800" dirty="0" smtClean="0"/>
+                        <a:t>Source</a:t>
+                      </a:r>
+                      <a:endParaRPr lang="en-US" sz="2800" dirty="0"/>
+                    </a:p>
+                  </a:txBody>
+                  <a:tcPr marL="45720" marR="45720"/>
+                </a:tc>
+                <a:tc>
+                  <a:txBody>
+                    <a:bodyPr/>
+                    <a:lstStyle/>
+                    <a:p>
+                      <a:r>
+                        <a:rPr lang="en-US" sz="2800" dirty="0" smtClean="0"/>
+                        <a:t>-</a:t>
+                      </a:r>
+                    </a:p>
+                  </a:txBody>
+                  <a:tcPr marL="45720" marR="45720"/>
+                </a:tc>
+                <a:tc>
+                  <a:txBody>
+                    <a:bodyPr/>
+                    <a:lstStyle/>
+                    <a:p>
+                      <a:r>
+                        <a:rPr lang="en-US" sz="2800" dirty="0" smtClean="0"/>
+                        <a:t>-</a:t>
+                      </a:r>
+                      <a:endParaRPr lang="en-US" sz="2800" dirty="0"/>
+                    </a:p>
+                  </a:txBody>
+                  <a:tcPr marL="45720" marR="45720"/>
+                </a:tc>
+              </a:tr>
+              <a:tr h="682625">
+                <a:tc>
+                  <a:txBody>
+                    <a:bodyPr/>
+                    <a:lstStyle/>
+                    <a:p>
+                      <a:r>
+                        <a:rPr lang="en-US" sz="2800" dirty="0" smtClean="0"/>
+                        <a:t>Target</a:t>
+                      </a:r>
+                      <a:endParaRPr lang="en-US" sz="2800" dirty="0"/>
+                    </a:p>
+                  </a:txBody>
+                  <a:tcPr marL="45720" marR="45720"/>
+                </a:tc>
+                <a:tc>
+                  <a:txBody>
+                    <a:bodyPr/>
+                    <a:lstStyle/>
+                    <a:p>
+                      <a:r>
+                        <a:rPr lang="en-US" sz="2800" dirty="0" smtClean="0"/>
+                        <a:t>-</a:t>
+                      </a:r>
+                    </a:p>
+                  </a:txBody>
+                  <a:tcPr marL="45720" marR="45720"/>
+                </a:tc>
+                <a:tc>
+                  <a:txBody>
+                    <a:bodyPr/>
+                    <a:lstStyle/>
+                    <a:p>
+                      <a:r>
+                        <a:rPr lang="en-US" sz="2800" dirty="0" smtClean="0"/>
+                        <a:t>-</a:t>
+                      </a:r>
+                      <a:endParaRPr lang="en-US" sz="2800" dirty="0"/>
+                    </a:p>
+                  </a:txBody>
+                  <a:tcPr marL="45720" marR="45720"/>
+                </a:tc>
+              </a:tr>
+              <a:tr h="557561">
+                <a:tc>
+                  <a:txBody>
+                    <a:bodyPr/>
+                    <a:lstStyle/>
+                    <a:p>
+                      <a:r>
+                        <a:rPr lang="en-US" sz="2800" dirty="0" smtClean="0"/>
+                        <a:t>Medium</a:t>
+                      </a:r>
+                      <a:endParaRPr lang="en-US" sz="2800" dirty="0"/>
+                    </a:p>
+                  </a:txBody>
+                  <a:tcPr marL="45720" marR="45720"/>
+                </a:tc>
+                <a:tc>
+                  <a:txBody>
+                    <a:bodyPr/>
+                    <a:lstStyle/>
+                    <a:p>
+                      <a:r>
+                        <a:rPr lang="en-US" sz="2800" dirty="0" smtClean="0"/>
+                        <a:t>-</a:t>
+                      </a:r>
+                      <a:endParaRPr lang="en-US" sz="2800" dirty="0"/>
+                    </a:p>
+                  </a:txBody>
+                  <a:tcPr marL="45720" marR="45720"/>
+                </a:tc>
+                <a:tc>
+                  <a:txBody>
+                    <a:bodyPr/>
+                    <a:lstStyle/>
+                    <a:p>
+                      <a:r>
+                        <a:rPr lang="en-US" sz="2800" baseline="0" dirty="0" smtClean="0"/>
+                        <a:t>-</a:t>
+                      </a:r>
+                    </a:p>
+                  </a:txBody>
+                  <a:tcPr marL="45720" marR="45720"/>
+                </a:tc>
+              </a:tr>
+            </a:tbl>
+          </a:graphicData>
+        </a:graphic>
+      </p:graphicFrame>
+    </p:spTree>
+    <p:extLst>
+      <p:ext uri="{BB962C8B-B14F-4D97-AF65-F5344CB8AC3E}">
+        <p14:creationId xmlns:p14="http://schemas.microsoft.com/office/powerpoint/2010/main" val="2848973656"/>
+      </p:ext>
+    </p:extLst>
+  </p:cSld>
+  <p:clrMapOvr>
+    <a:masterClrMapping/>
+  </p:clrMapOvr>
+</p:sld>
+</file>
+
+<file path=ppt/slides/slide3.xml><?xml version="1.0" encoding="utf-8"?>
+<p:sld xmlns:a="http://schemas.openxmlformats.org/drawingml/2006/main" xmlns:r="http://schemas.openxmlformats.org/officeDocument/2006/relationships" xmlns:p="http://schemas.openxmlformats.org/presentationml/2006/main">
+  <p:cSld>
+    <p:spTree>
+      <p:nvGrpSpPr>
+        <p:cNvPr id="1" name=""/>
+        <p:cNvGrpSpPr/>
+        <p:nvPr/>
+      </p:nvGrpSpPr>
+      <p:grpSpPr>
+        <a:xfrm>
+          <a:off x="0" y="0"/>
+          <a:ext cx="0" cy="0"/>
+          <a:chOff x="0" y="0"/>
+          <a:chExt cx="0" cy="0"/>
+        </a:xfrm>
+      </p:grpSpPr>
+      <p:sp>
+        <p:nvSpPr>
+          <p:cNvPr id="2" name="Title 1"/>
+          <p:cNvSpPr>
+            <a:spLocks noGrp="1"/>
+          </p:cNvSpPr>
+          <p:nvPr>
+            <p:ph type="ctrTitle"/>
+          </p:nvPr>
+        </p:nvSpPr>
+        <p:spPr/>
+        <p:txBody>
+          <a:bodyPr/>
+          <a:lstStyle/>
+          <a:p>
+            <a:endParaRPr lang="en-US"/>
+          </a:p>
+        </p:txBody>
+      </p:sp>
+      <p:sp>
+        <p:nvSpPr>
+          <p:cNvPr id="3" name="Subtitle 2"/>
+          <p:cNvSpPr>
+            <a:spLocks noGrp="1"/>
+          </p:cNvSpPr>
+          <p:nvPr>
+            <p:ph type="subTitle" idx="1"/>
+          </p:nvPr>
+        </p:nvSpPr>
+        <p:spPr/>
+        <p:txBody>
+          <a:bodyPr/>
+          <a:lstStyle/>
+          <a:p>
+            <a:endParaRPr lang="en-US"/>
+          </a:p>
+        </p:txBody>
+      </p:sp>
+      <p:graphicFrame>
+        <p:nvGraphicFramePr>
+          <p:cNvPr id="5" name="Table 4"/>
+          <p:cNvGraphicFramePr>
+            <a:graphicFrameLocks noGrp="1"/>
+          </p:cNvGraphicFramePr>
+          <p:nvPr>
+            <p:extLst>
+              <p:ext uri="{D42A27DB-BD31-4B8C-83A1-F6EECF244321}">
+                <p14:modId xmlns:p14="http://schemas.microsoft.com/office/powerpoint/2010/main" val="1032151260"/>
               </p:ext>
             </p:extLst>
           </p:nvPr>
@@ -7711,10 +9479,9 @@
                     <a:lstStyle/>
                     <a:p>
                       <a:r>
-                        <a:rPr lang="en-US" sz="2800" dirty="0" err="1" smtClean="0"/>
+                        <a:rPr lang="en-US" sz="2800" dirty="0" smtClean="0"/>
                         <a:t>Benefactive</a:t>
                       </a:r>
-                      <a:endParaRPr lang="en-US" sz="2800" dirty="0" smtClean="0"/>
                     </a:p>
                   </a:txBody>
                   <a:tcPr marL="45720" marR="45720"/>
@@ -7964,7 +9731,4204 @@
     </p:spTree>
     <p:extLst>
       <p:ext uri="{BB962C8B-B14F-4D97-AF65-F5344CB8AC3E}">
-        <p14:creationId xmlns:p14="http://schemas.microsoft.com/office/powerpoint/2010/main" val="1058179636"/>
+        <p14:creationId xmlns:p14="http://schemas.microsoft.com/office/powerpoint/2010/main" val="4141281241"/>
+      </p:ext>
+    </p:extLst>
+  </p:cSld>
+  <p:clrMapOvr>
+    <a:masterClrMapping/>
+  </p:clrMapOvr>
+</p:sld>
+</file>
+
+<file path=ppt/slides/slide4.xml><?xml version="1.0" encoding="utf-8"?>
+<p:sld xmlns:a="http://schemas.openxmlformats.org/drawingml/2006/main" xmlns:r="http://schemas.openxmlformats.org/officeDocument/2006/relationships" xmlns:p="http://schemas.openxmlformats.org/presentationml/2006/main">
+  <p:cSld>
+    <p:spTree>
+      <p:nvGrpSpPr>
+        <p:cNvPr id="1" name=""/>
+        <p:cNvGrpSpPr/>
+        <p:nvPr/>
+      </p:nvGrpSpPr>
+      <p:grpSpPr>
+        <a:xfrm>
+          <a:off x="0" y="0"/>
+          <a:ext cx="0" cy="0"/>
+          <a:chOff x="0" y="0"/>
+          <a:chExt cx="0" cy="0"/>
+        </a:xfrm>
+      </p:grpSpPr>
+      <p:sp>
+        <p:nvSpPr>
+          <p:cNvPr id="2" name="Title 1"/>
+          <p:cNvSpPr>
+            <a:spLocks noGrp="1"/>
+          </p:cNvSpPr>
+          <p:nvPr>
+            <p:ph type="title"/>
+          </p:nvPr>
+        </p:nvSpPr>
+        <p:spPr/>
+        <p:txBody>
+          <a:bodyPr/>
+          <a:lstStyle/>
+          <a:p>
+            <a:endParaRPr lang="en-US"/>
+          </a:p>
+        </p:txBody>
+      </p:sp>
+      <p:sp>
+        <p:nvSpPr>
+          <p:cNvPr id="3" name="Content Placeholder 2"/>
+          <p:cNvSpPr>
+            <a:spLocks noGrp="1"/>
+          </p:cNvSpPr>
+          <p:nvPr>
+            <p:ph idx="1"/>
+          </p:nvPr>
+        </p:nvSpPr>
+        <p:spPr/>
+        <p:txBody>
+          <a:bodyPr/>
+          <a:lstStyle/>
+          <a:p>
+            <a:endParaRPr lang="en-US" dirty="0"/>
+          </a:p>
+        </p:txBody>
+      </p:sp>
+      <p:grpSp>
+        <p:nvGrpSpPr>
+          <p:cNvPr id="4" name="Group 3"/>
+          <p:cNvGrpSpPr/>
+          <p:nvPr/>
+        </p:nvGrpSpPr>
+        <p:grpSpPr>
+          <a:xfrm>
+            <a:off x="844547" y="571493"/>
+            <a:ext cx="5877668" cy="3614745"/>
+            <a:chOff x="844547" y="571493"/>
+            <a:chExt cx="5877668" cy="3614745"/>
+          </a:xfrm>
+        </p:grpSpPr>
+        <p:sp>
+          <p:nvSpPr>
+            <p:cNvPr id="5" name="Rounded Rectangle 4"/>
+            <p:cNvSpPr/>
+            <p:nvPr/>
+          </p:nvSpPr>
+          <p:spPr>
+            <a:xfrm>
+              <a:off x="844547" y="571493"/>
+              <a:ext cx="1460500" cy="809625"/>
+            </a:xfrm>
+            <a:prstGeom prst="roundRect">
+              <a:avLst/>
+            </a:prstGeom>
+          </p:spPr>
+          <p:style>
+            <a:lnRef idx="1">
+              <a:schemeClr val="accent6"/>
+            </a:lnRef>
+            <a:fillRef idx="2">
+              <a:schemeClr val="accent6"/>
+            </a:fillRef>
+            <a:effectRef idx="1">
+              <a:schemeClr val="accent6"/>
+            </a:effectRef>
+            <a:fontRef idx="minor">
+              <a:schemeClr val="dk1"/>
+            </a:fontRef>
+          </p:style>
+          <p:txBody>
+            <a:bodyPr rtlCol="0" anchor="ctr"/>
+            <a:lstStyle/>
+            <a:p>
+              <a:pPr algn="ctr"/>
+              <a:r>
+                <a:rPr lang="en-US" b="1" dirty="0"/>
+                <a:t>Role Query Generator</a:t>
+              </a:r>
+              <a:endParaRPr lang="en-US" b="1" dirty="0"/>
+            </a:p>
+          </p:txBody>
+        </p:sp>
+        <p:sp>
+          <p:nvSpPr>
+            <p:cNvPr id="6" name="Rounded Rectangle 5"/>
+            <p:cNvSpPr/>
+            <p:nvPr/>
+          </p:nvSpPr>
+          <p:spPr>
+            <a:xfrm>
+              <a:off x="3051173" y="571493"/>
+              <a:ext cx="1460500" cy="809625"/>
+            </a:xfrm>
+            <a:prstGeom prst="roundRect">
+              <a:avLst/>
+            </a:prstGeom>
+          </p:spPr>
+          <p:style>
+            <a:lnRef idx="1">
+              <a:schemeClr val="accent6"/>
+            </a:lnRef>
+            <a:fillRef idx="2">
+              <a:schemeClr val="accent6"/>
+            </a:fillRef>
+            <a:effectRef idx="1">
+              <a:schemeClr val="accent6"/>
+            </a:effectRef>
+            <a:fontRef idx="minor">
+              <a:schemeClr val="dk1"/>
+            </a:fontRef>
+          </p:style>
+          <p:txBody>
+            <a:bodyPr rtlCol="0" anchor="ctr"/>
+            <a:lstStyle/>
+            <a:p>
+              <a:pPr algn="ctr"/>
+              <a:r>
+                <a:rPr lang="en-US" b="1" dirty="0"/>
+                <a:t>Web Search</a:t>
+              </a:r>
+              <a:endParaRPr lang="en-US" b="1" dirty="0"/>
+            </a:p>
+          </p:txBody>
+        </p:sp>
+        <p:sp>
+          <p:nvSpPr>
+            <p:cNvPr id="7" name="Rounded Rectangle 6"/>
+            <p:cNvSpPr/>
+            <p:nvPr/>
+          </p:nvSpPr>
+          <p:spPr>
+            <a:xfrm>
+              <a:off x="5261715" y="3376613"/>
+              <a:ext cx="1460500" cy="809625"/>
+            </a:xfrm>
+            <a:prstGeom prst="roundRect">
+              <a:avLst/>
+            </a:prstGeom>
+          </p:spPr>
+          <p:style>
+            <a:lnRef idx="1">
+              <a:schemeClr val="accent6"/>
+            </a:lnRef>
+            <a:fillRef idx="2">
+              <a:schemeClr val="accent6"/>
+            </a:fillRef>
+            <a:effectRef idx="1">
+              <a:schemeClr val="accent6"/>
+            </a:effectRef>
+            <a:fontRef idx="minor">
+              <a:schemeClr val="dk1"/>
+            </a:fontRef>
+          </p:style>
+          <p:txBody>
+            <a:bodyPr rtlCol="0" anchor="ctr"/>
+            <a:lstStyle/>
+            <a:p>
+              <a:pPr algn="ctr"/>
+              <a:r>
+                <a:rPr lang="en-US" b="1" dirty="0" smtClean="0"/>
+                <a:t>Local Role</a:t>
+              </a:r>
+            </a:p>
+            <a:p>
+              <a:pPr algn="ctr"/>
+              <a:r>
+                <a:rPr lang="en-US" b="1" dirty="0" smtClean="0"/>
+                <a:t>Extractor</a:t>
+              </a:r>
+              <a:endParaRPr lang="en-US" b="1" dirty="0"/>
+            </a:p>
+          </p:txBody>
+        </p:sp>
+        <p:sp>
+          <p:nvSpPr>
+            <p:cNvPr id="8" name="Rounded Rectangle 7"/>
+            <p:cNvSpPr/>
+            <p:nvPr/>
+          </p:nvSpPr>
+          <p:spPr>
+            <a:xfrm>
+              <a:off x="5261715" y="571493"/>
+              <a:ext cx="1460500" cy="809625"/>
+            </a:xfrm>
+            <a:prstGeom prst="roundRect">
+              <a:avLst/>
+            </a:prstGeom>
+          </p:spPr>
+          <p:style>
+            <a:lnRef idx="1">
+              <a:schemeClr val="accent6"/>
+            </a:lnRef>
+            <a:fillRef idx="2">
+              <a:schemeClr val="accent6"/>
+            </a:fillRef>
+            <a:effectRef idx="1">
+              <a:schemeClr val="accent6"/>
+            </a:effectRef>
+            <a:fontRef idx="minor">
+              <a:schemeClr val="dk1"/>
+            </a:fontRef>
+          </p:style>
+          <p:txBody>
+            <a:bodyPr rtlCol="0" anchor="ctr"/>
+            <a:lstStyle/>
+            <a:p>
+              <a:pPr algn="ctr"/>
+              <a:r>
+                <a:rPr lang="en-US" b="1" dirty="0"/>
+                <a:t>Sentence Classifier</a:t>
+              </a:r>
+              <a:endParaRPr lang="en-US" b="1" dirty="0"/>
+            </a:p>
+          </p:txBody>
+        </p:sp>
+        <p:sp>
+          <p:nvSpPr>
+            <p:cNvPr id="9" name="Rounded Rectangle 8"/>
+            <p:cNvSpPr/>
+            <p:nvPr/>
+          </p:nvSpPr>
+          <p:spPr>
+            <a:xfrm>
+              <a:off x="3051173" y="3376613"/>
+              <a:ext cx="1460500" cy="809625"/>
+            </a:xfrm>
+            <a:prstGeom prst="roundRect">
+              <a:avLst/>
+            </a:prstGeom>
+          </p:spPr>
+          <p:style>
+            <a:lnRef idx="1">
+              <a:schemeClr val="accent6"/>
+            </a:lnRef>
+            <a:fillRef idx="2">
+              <a:schemeClr val="accent6"/>
+            </a:fillRef>
+            <a:effectRef idx="1">
+              <a:schemeClr val="accent6"/>
+            </a:effectRef>
+            <a:fontRef idx="minor">
+              <a:schemeClr val="dk1"/>
+            </a:fontRef>
+          </p:style>
+          <p:txBody>
+            <a:bodyPr rtlCol="0" anchor="ctr"/>
+            <a:lstStyle/>
+            <a:p>
+              <a:pPr algn="ctr"/>
+              <a:r>
+                <a:rPr lang="en-US" b="1" dirty="0" smtClean="0"/>
+                <a:t>Joint Role</a:t>
+              </a:r>
+            </a:p>
+            <a:p>
+              <a:pPr algn="ctr"/>
+              <a:r>
+                <a:rPr lang="en-US" b="1" dirty="0"/>
+                <a:t>Inference</a:t>
+              </a:r>
+              <a:endParaRPr lang="en-US" b="1" dirty="0"/>
+            </a:p>
+          </p:txBody>
+        </p:sp>
+        <p:sp>
+          <p:nvSpPr>
+            <p:cNvPr id="10" name="Rounded Rectangle 9"/>
+            <p:cNvSpPr/>
+            <p:nvPr/>
+          </p:nvSpPr>
+          <p:spPr>
+            <a:xfrm>
+              <a:off x="844547" y="3376613"/>
+              <a:ext cx="1460500" cy="809625"/>
+            </a:xfrm>
+            <a:prstGeom prst="roundRect">
+              <a:avLst/>
+            </a:prstGeom>
+          </p:spPr>
+          <p:style>
+            <a:lnRef idx="1">
+              <a:schemeClr val="accent6"/>
+            </a:lnRef>
+            <a:fillRef idx="2">
+              <a:schemeClr val="accent6"/>
+            </a:fillRef>
+            <a:effectRef idx="1">
+              <a:schemeClr val="accent6"/>
+            </a:effectRef>
+            <a:fontRef idx="minor">
+              <a:schemeClr val="dk1"/>
+            </a:fontRef>
+          </p:style>
+          <p:txBody>
+            <a:bodyPr rtlCol="0" anchor="ctr"/>
+            <a:lstStyle/>
+            <a:p>
+              <a:pPr algn="ctr"/>
+              <a:r>
+                <a:rPr lang="en-US" b="1" dirty="0"/>
+                <a:t>Role</a:t>
+              </a:r>
+            </a:p>
+            <a:p>
+              <a:pPr algn="ctr"/>
+              <a:r>
+                <a:rPr lang="en-US" b="1" dirty="0"/>
+                <a:t>Assessor</a:t>
+              </a:r>
+              <a:endParaRPr lang="en-US" b="1" dirty="0"/>
+            </a:p>
+          </p:txBody>
+        </p:sp>
+        <p:sp>
+          <p:nvSpPr>
+            <p:cNvPr id="11" name="Can 10"/>
+            <p:cNvSpPr/>
+            <p:nvPr/>
+          </p:nvSpPr>
+          <p:spPr>
+            <a:xfrm>
+              <a:off x="3051173" y="1995488"/>
+              <a:ext cx="1460502" cy="806795"/>
+            </a:xfrm>
+            <a:prstGeom prst="can">
+              <a:avLst/>
+            </a:prstGeom>
+          </p:spPr>
+          <p:style>
+            <a:lnRef idx="1">
+              <a:schemeClr val="accent6"/>
+            </a:lnRef>
+            <a:fillRef idx="2">
+              <a:schemeClr val="accent6"/>
+            </a:fillRef>
+            <a:effectRef idx="1">
+              <a:schemeClr val="accent6"/>
+            </a:effectRef>
+            <a:fontRef idx="minor">
+              <a:schemeClr val="dk1"/>
+            </a:fontRef>
+          </p:style>
+          <p:txBody>
+            <a:bodyPr rtlCol="0" anchor="ctr"/>
+            <a:lstStyle/>
+            <a:p>
+              <a:pPr algn="ctr"/>
+              <a:r>
+                <a:rPr lang="en-US" b="1" dirty="0" smtClean="0"/>
+                <a:t>Process KB</a:t>
+              </a:r>
+              <a:endParaRPr lang="en-US" b="1" dirty="0"/>
+            </a:p>
+          </p:txBody>
+        </p:sp>
+        <p:cxnSp>
+          <p:nvCxnSpPr>
+            <p:cNvPr id="12" name="Straight Arrow Connector 11"/>
+            <p:cNvCxnSpPr>
+              <a:stCxn id="5" idx="3"/>
+              <a:endCxn id="6" idx="1"/>
+            </p:cNvCxnSpPr>
+            <p:nvPr/>
+          </p:nvCxnSpPr>
+          <p:spPr>
+            <a:xfrm>
+              <a:off x="2305047" y="976306"/>
+              <a:ext cx="746126" cy="0"/>
+            </a:xfrm>
+            <a:prstGeom prst="straightConnector1">
+              <a:avLst/>
+            </a:prstGeom>
+            <a:ln>
+              <a:tailEnd type="arrow"/>
+            </a:ln>
+          </p:spPr>
+          <p:style>
+            <a:lnRef idx="1">
+              <a:schemeClr val="accent6"/>
+            </a:lnRef>
+            <a:fillRef idx="2">
+              <a:schemeClr val="accent6"/>
+            </a:fillRef>
+            <a:effectRef idx="1">
+              <a:schemeClr val="accent6"/>
+            </a:effectRef>
+            <a:fontRef idx="minor">
+              <a:schemeClr val="dk1"/>
+            </a:fontRef>
+          </p:style>
+        </p:cxnSp>
+        <p:cxnSp>
+          <p:nvCxnSpPr>
+            <p:cNvPr id="13" name="Straight Arrow Connector 12"/>
+            <p:cNvCxnSpPr/>
+            <p:nvPr/>
+          </p:nvCxnSpPr>
+          <p:spPr>
+            <a:xfrm>
+              <a:off x="4515589" y="976306"/>
+              <a:ext cx="746126" cy="0"/>
+            </a:xfrm>
+            <a:prstGeom prst="straightConnector1">
+              <a:avLst/>
+            </a:prstGeom>
+            <a:ln>
+              <a:tailEnd type="arrow"/>
+            </a:ln>
+          </p:spPr>
+          <p:style>
+            <a:lnRef idx="1">
+              <a:schemeClr val="accent6"/>
+            </a:lnRef>
+            <a:fillRef idx="2">
+              <a:schemeClr val="accent6"/>
+            </a:fillRef>
+            <a:effectRef idx="1">
+              <a:schemeClr val="accent6"/>
+            </a:effectRef>
+            <a:fontRef idx="minor">
+              <a:schemeClr val="dk1"/>
+            </a:fontRef>
+          </p:style>
+        </p:cxnSp>
+        <p:cxnSp>
+          <p:nvCxnSpPr>
+            <p:cNvPr id="14" name="Straight Arrow Connector 13"/>
+            <p:cNvCxnSpPr/>
+            <p:nvPr/>
+          </p:nvCxnSpPr>
+          <p:spPr>
+            <a:xfrm flipH="1" flipV="1">
+              <a:off x="2273297" y="1365243"/>
+              <a:ext cx="746126" cy="730257"/>
+            </a:xfrm>
+            <a:prstGeom prst="straightConnector1">
+              <a:avLst/>
+            </a:prstGeom>
+            <a:ln>
+              <a:tailEnd type="arrow"/>
+            </a:ln>
+          </p:spPr>
+          <p:style>
+            <a:lnRef idx="1">
+              <a:schemeClr val="accent6"/>
+            </a:lnRef>
+            <a:fillRef idx="2">
+              <a:schemeClr val="accent6"/>
+            </a:fillRef>
+            <a:effectRef idx="1">
+              <a:schemeClr val="accent6"/>
+            </a:effectRef>
+            <a:fontRef idx="minor">
+              <a:schemeClr val="dk1"/>
+            </a:fontRef>
+          </p:style>
+        </p:cxnSp>
+        <p:cxnSp>
+          <p:nvCxnSpPr>
+            <p:cNvPr id="15" name="Straight Arrow Connector 14"/>
+            <p:cNvCxnSpPr/>
+            <p:nvPr/>
+          </p:nvCxnSpPr>
+          <p:spPr>
+            <a:xfrm flipV="1">
+              <a:off x="2273297" y="2646356"/>
+              <a:ext cx="746126" cy="730257"/>
+            </a:xfrm>
+            <a:prstGeom prst="straightConnector1">
+              <a:avLst/>
+            </a:prstGeom>
+            <a:ln>
+              <a:tailEnd type="arrow"/>
+            </a:ln>
+          </p:spPr>
+          <p:style>
+            <a:lnRef idx="1">
+              <a:schemeClr val="accent6"/>
+            </a:lnRef>
+            <a:fillRef idx="2">
+              <a:schemeClr val="accent6"/>
+            </a:fillRef>
+            <a:effectRef idx="1">
+              <a:schemeClr val="accent6"/>
+            </a:effectRef>
+            <a:fontRef idx="minor">
+              <a:schemeClr val="dk1"/>
+            </a:fontRef>
+          </p:style>
+        </p:cxnSp>
+        <p:cxnSp>
+          <p:nvCxnSpPr>
+            <p:cNvPr id="16" name="Straight Arrow Connector 15"/>
+            <p:cNvCxnSpPr>
+              <a:stCxn id="10" idx="0"/>
+              <a:endCxn id="5" idx="2"/>
+            </p:cNvCxnSpPr>
+            <p:nvPr/>
+          </p:nvCxnSpPr>
+          <p:spPr>
+            <a:xfrm flipV="1">
+              <a:off x="1574797" y="1381118"/>
+              <a:ext cx="0" cy="1995495"/>
+            </a:xfrm>
+            <a:prstGeom prst="straightConnector1">
+              <a:avLst/>
+            </a:prstGeom>
+            <a:ln>
+              <a:tailEnd type="arrow"/>
+            </a:ln>
+          </p:spPr>
+          <p:style>
+            <a:lnRef idx="1">
+              <a:schemeClr val="accent6"/>
+            </a:lnRef>
+            <a:fillRef idx="2">
+              <a:schemeClr val="accent6"/>
+            </a:fillRef>
+            <a:effectRef idx="1">
+              <a:schemeClr val="accent6"/>
+            </a:effectRef>
+            <a:fontRef idx="minor">
+              <a:schemeClr val="dk1"/>
+            </a:fontRef>
+          </p:style>
+        </p:cxnSp>
+        <p:cxnSp>
+          <p:nvCxnSpPr>
+            <p:cNvPr id="17" name="Straight Arrow Connector 16"/>
+            <p:cNvCxnSpPr/>
+            <p:nvPr/>
+          </p:nvCxnSpPr>
+          <p:spPr>
+            <a:xfrm>
+              <a:off x="5991965" y="1381118"/>
+              <a:ext cx="0" cy="1995495"/>
+            </a:xfrm>
+            <a:prstGeom prst="straightConnector1">
+              <a:avLst/>
+            </a:prstGeom>
+            <a:ln>
+              <a:tailEnd type="arrow"/>
+            </a:ln>
+          </p:spPr>
+          <p:style>
+            <a:lnRef idx="1">
+              <a:schemeClr val="accent6"/>
+            </a:lnRef>
+            <a:fillRef idx="2">
+              <a:schemeClr val="accent6"/>
+            </a:fillRef>
+            <a:effectRef idx="1">
+              <a:schemeClr val="accent6"/>
+            </a:effectRef>
+            <a:fontRef idx="minor">
+              <a:schemeClr val="dk1"/>
+            </a:fontRef>
+          </p:style>
+        </p:cxnSp>
+        <p:cxnSp>
+          <p:nvCxnSpPr>
+            <p:cNvPr id="18" name="Straight Arrow Connector 17"/>
+            <p:cNvCxnSpPr/>
+            <p:nvPr/>
+          </p:nvCxnSpPr>
+          <p:spPr>
+            <a:xfrm flipH="1">
+              <a:off x="2305047" y="3827456"/>
+              <a:ext cx="746126" cy="0"/>
+            </a:xfrm>
+            <a:prstGeom prst="straightConnector1">
+              <a:avLst/>
+            </a:prstGeom>
+            <a:ln>
+              <a:tailEnd type="arrow"/>
+            </a:ln>
+          </p:spPr>
+          <p:style>
+            <a:lnRef idx="1">
+              <a:schemeClr val="accent6"/>
+            </a:lnRef>
+            <a:fillRef idx="2">
+              <a:schemeClr val="accent6"/>
+            </a:fillRef>
+            <a:effectRef idx="1">
+              <a:schemeClr val="accent6"/>
+            </a:effectRef>
+            <a:fontRef idx="minor">
+              <a:schemeClr val="dk1"/>
+            </a:fontRef>
+          </p:style>
+        </p:cxnSp>
+        <p:cxnSp>
+          <p:nvCxnSpPr>
+            <p:cNvPr id="19" name="Straight Arrow Connector 18"/>
+            <p:cNvCxnSpPr/>
+            <p:nvPr/>
+          </p:nvCxnSpPr>
+          <p:spPr>
+            <a:xfrm flipH="1">
+              <a:off x="4515589" y="3822687"/>
+              <a:ext cx="746126" cy="0"/>
+            </a:xfrm>
+            <a:prstGeom prst="straightConnector1">
+              <a:avLst/>
+            </a:prstGeom>
+            <a:ln>
+              <a:tailEnd type="arrow"/>
+            </a:ln>
+          </p:spPr>
+          <p:style>
+            <a:lnRef idx="1">
+              <a:schemeClr val="accent6"/>
+            </a:lnRef>
+            <a:fillRef idx="2">
+              <a:schemeClr val="accent6"/>
+            </a:fillRef>
+            <a:effectRef idx="1">
+              <a:schemeClr val="accent6"/>
+            </a:effectRef>
+            <a:fontRef idx="minor">
+              <a:schemeClr val="dk1"/>
+            </a:fontRef>
+          </p:style>
+        </p:cxnSp>
+      </p:grpSp>
+    </p:spTree>
+    <p:extLst>
+      <p:ext uri="{BB962C8B-B14F-4D97-AF65-F5344CB8AC3E}">
+        <p14:creationId xmlns:p14="http://schemas.microsoft.com/office/powerpoint/2010/main" val="3344663260"/>
+      </p:ext>
+    </p:extLst>
+  </p:cSld>
+  <p:clrMapOvr>
+    <a:masterClrMapping/>
+  </p:clrMapOvr>
+</p:sld>
+</file>
+
+<file path=ppt/slides/slide5.xml><?xml version="1.0" encoding="utf-8"?>
+<p:sld xmlns:a="http://schemas.openxmlformats.org/drawingml/2006/main" xmlns:r="http://schemas.openxmlformats.org/officeDocument/2006/relationships" xmlns:p="http://schemas.openxmlformats.org/presentationml/2006/main">
+  <p:cSld>
+    <p:spTree>
+      <p:nvGrpSpPr>
+        <p:cNvPr id="1" name=""/>
+        <p:cNvGrpSpPr/>
+        <p:nvPr/>
+      </p:nvGrpSpPr>
+      <p:grpSpPr>
+        <a:xfrm>
+          <a:off x="0" y="0"/>
+          <a:ext cx="0" cy="0"/>
+          <a:chOff x="0" y="0"/>
+          <a:chExt cx="0" cy="0"/>
+        </a:xfrm>
+      </p:grpSpPr>
+      <p:grpSp>
+        <p:nvGrpSpPr>
+          <p:cNvPr id="97" name="Group 96"/>
+          <p:cNvGrpSpPr/>
+          <p:nvPr/>
+        </p:nvGrpSpPr>
+        <p:grpSpPr>
+          <a:xfrm>
+            <a:off x="-2443337" y="681335"/>
+            <a:ext cx="10371766" cy="4939290"/>
+            <a:chOff x="-2443337" y="681335"/>
+            <a:chExt cx="10371766" cy="4939290"/>
+          </a:xfrm>
+        </p:grpSpPr>
+        <p:grpSp>
+          <p:nvGrpSpPr>
+            <p:cNvPr id="96" name="Group 95"/>
+            <p:cNvGrpSpPr/>
+            <p:nvPr/>
+          </p:nvGrpSpPr>
+          <p:grpSpPr>
+            <a:xfrm>
+              <a:off x="-725714" y="681335"/>
+              <a:ext cx="8654143" cy="4939290"/>
+              <a:chOff x="-725714" y="681335"/>
+              <a:chExt cx="8654143" cy="4939290"/>
+            </a:xfrm>
+          </p:grpSpPr>
+          <p:sp>
+            <p:nvSpPr>
+              <p:cNvPr id="48" name="Rectangle 47"/>
+              <p:cNvSpPr/>
+              <p:nvPr/>
+            </p:nvSpPr>
+            <p:spPr>
+              <a:xfrm>
+                <a:off x="-725714" y="2685143"/>
+                <a:ext cx="3897072" cy="2504596"/>
+              </a:xfrm>
+              <a:prstGeom prst="rect">
+                <a:avLst/>
+              </a:prstGeom>
+              <a:pattFill prst="pct5">
+                <a:fgClr>
+                  <a:prstClr val="black"/>
+                </a:fgClr>
+                <a:bgClr>
+                  <a:schemeClr val="accent6">
+                    <a:lumMod val="20000"/>
+                    <a:lumOff val="80000"/>
+                  </a:schemeClr>
+                </a:bgClr>
+              </a:pattFill>
+            </p:spPr>
+            <p:style>
+              <a:lnRef idx="2">
+                <a:schemeClr val="dk1"/>
+              </a:lnRef>
+              <a:fillRef idx="1">
+                <a:schemeClr val="lt1"/>
+              </a:fillRef>
+              <a:effectRef idx="0">
+                <a:schemeClr val="dk1"/>
+              </a:effectRef>
+              <a:fontRef idx="minor">
+                <a:schemeClr val="dk1"/>
+              </a:fontRef>
+            </p:style>
+            <p:txBody>
+              <a:bodyPr rtlCol="0" anchor="ctr"/>
+              <a:lstStyle/>
+              <a:p>
+                <a:pPr algn="ctr"/>
+                <a:endParaRPr lang="en-US"/>
+              </a:p>
+            </p:txBody>
+          </p:sp>
+          <p:grpSp>
+            <p:nvGrpSpPr>
+              <p:cNvPr id="95" name="Group 94"/>
+              <p:cNvGrpSpPr/>
+              <p:nvPr/>
+            </p:nvGrpSpPr>
+            <p:grpSpPr>
+              <a:xfrm>
+                <a:off x="-725714" y="681335"/>
+                <a:ext cx="8654143" cy="4939290"/>
+                <a:chOff x="-725714" y="681335"/>
+                <a:chExt cx="8654143" cy="4939290"/>
+              </a:xfrm>
+            </p:grpSpPr>
+            <p:grpSp>
+              <p:nvGrpSpPr>
+                <p:cNvPr id="94" name="Group 93"/>
+                <p:cNvGrpSpPr/>
+                <p:nvPr/>
+              </p:nvGrpSpPr>
+              <p:grpSpPr>
+                <a:xfrm>
+                  <a:off x="-725714" y="681335"/>
+                  <a:ext cx="8654143" cy="4931198"/>
+                  <a:chOff x="-725714" y="681335"/>
+                  <a:chExt cx="8654143" cy="4931198"/>
+                </a:xfrm>
+              </p:grpSpPr>
+              <p:sp>
+                <p:nvSpPr>
+                  <p:cNvPr id="19" name="Rectangle 18"/>
+                  <p:cNvSpPr/>
+                  <p:nvPr/>
+                </p:nvSpPr>
+                <p:spPr>
+                  <a:xfrm>
+                    <a:off x="3498319" y="4002360"/>
+                    <a:ext cx="4430110" cy="1179286"/>
+                  </a:xfrm>
+                  <a:prstGeom prst="rect">
+                    <a:avLst/>
+                  </a:prstGeom>
+                  <a:pattFill prst="pct5">
+                    <a:fgClr>
+                      <a:prstClr val="black"/>
+                    </a:fgClr>
+                    <a:bgClr>
+                      <a:schemeClr val="accent6">
+                        <a:lumMod val="20000"/>
+                        <a:lumOff val="80000"/>
+                      </a:schemeClr>
+                    </a:bgClr>
+                  </a:pattFill>
+                </p:spPr>
+                <p:style>
+                  <a:lnRef idx="2">
+                    <a:schemeClr val="dk1"/>
+                  </a:lnRef>
+                  <a:fillRef idx="1">
+                    <a:schemeClr val="lt1"/>
+                  </a:fillRef>
+                  <a:effectRef idx="0">
+                    <a:schemeClr val="dk1"/>
+                  </a:effectRef>
+                  <a:fontRef idx="minor">
+                    <a:schemeClr val="dk1"/>
+                  </a:fontRef>
+                </p:style>
+                <p:txBody>
+                  <a:bodyPr rtlCol="0" anchor="ctr"/>
+                  <a:lstStyle/>
+                  <a:p>
+                    <a:pPr algn="ctr"/>
+                    <a:endParaRPr lang="en-US"/>
+                  </a:p>
+                </p:txBody>
+              </p:sp>
+              <p:sp>
+                <p:nvSpPr>
+                  <p:cNvPr id="18" name="Rectangle 17"/>
+                  <p:cNvSpPr/>
+                  <p:nvPr/>
+                </p:nvSpPr>
+                <p:spPr>
+                  <a:xfrm>
+                    <a:off x="-725714" y="1243765"/>
+                    <a:ext cx="8654143" cy="1179286"/>
+                  </a:xfrm>
+                  <a:prstGeom prst="rect">
+                    <a:avLst/>
+                  </a:prstGeom>
+                  <a:pattFill prst="pct5">
+                    <a:fgClr>
+                      <a:prstClr val="black"/>
+                    </a:fgClr>
+                    <a:bgClr>
+                      <a:schemeClr val="accent6">
+                        <a:lumMod val="20000"/>
+                        <a:lumOff val="80000"/>
+                      </a:schemeClr>
+                    </a:bgClr>
+                  </a:pattFill>
+                </p:spPr>
+                <p:style>
+                  <a:lnRef idx="2">
+                    <a:schemeClr val="dk1"/>
+                  </a:lnRef>
+                  <a:fillRef idx="1">
+                    <a:schemeClr val="lt1"/>
+                  </a:fillRef>
+                  <a:effectRef idx="0">
+                    <a:schemeClr val="dk1"/>
+                  </a:effectRef>
+                  <a:fontRef idx="minor">
+                    <a:schemeClr val="dk1"/>
+                  </a:fontRef>
+                </p:style>
+                <p:txBody>
+                  <a:bodyPr rtlCol="0" anchor="ctr"/>
+                  <a:lstStyle/>
+                  <a:p>
+                    <a:pPr algn="ctr"/>
+                    <a:endParaRPr lang="en-US"/>
+                  </a:p>
+                </p:txBody>
+              </p:sp>
+              <p:grpSp>
+                <p:nvGrpSpPr>
+                  <p:cNvPr id="2" name="Group 1"/>
+                  <p:cNvGrpSpPr/>
+                  <p:nvPr/>
+                </p:nvGrpSpPr>
+                <p:grpSpPr>
+                  <a:xfrm>
+                    <a:off x="-434001" y="1373026"/>
+                    <a:ext cx="8027073" cy="3637992"/>
+                    <a:chOff x="-1304858" y="571493"/>
+                    <a:chExt cx="8027073" cy="3637992"/>
+                  </a:xfrm>
+                </p:grpSpPr>
+                <p:sp>
+                  <p:nvSpPr>
+                    <p:cNvPr id="3" name="Rounded Rectangle 2"/>
+                    <p:cNvSpPr/>
+                    <p:nvPr/>
+                  </p:nvSpPr>
+                  <p:spPr>
+                    <a:xfrm>
+                      <a:off x="-378285" y="571493"/>
+                      <a:ext cx="1460500" cy="809625"/>
+                    </a:xfrm>
+                    <a:prstGeom prst="roundRect">
+                      <a:avLst/>
+                    </a:prstGeom>
+                  </p:spPr>
+                  <p:style>
+                    <a:lnRef idx="1">
+                      <a:schemeClr val="accent6"/>
+                    </a:lnRef>
+                    <a:fillRef idx="2">
+                      <a:schemeClr val="accent6"/>
+                    </a:fillRef>
+                    <a:effectRef idx="1">
+                      <a:schemeClr val="accent6"/>
+                    </a:effectRef>
+                    <a:fontRef idx="minor">
+                      <a:schemeClr val="dk1"/>
+                    </a:fontRef>
+                  </p:style>
+                  <p:txBody>
+                    <a:bodyPr rtlCol="0" anchor="ctr"/>
+                    <a:lstStyle/>
+                    <a:p>
+                      <a:pPr algn="ctr"/>
+                      <a:r>
+                        <a:rPr lang="en-US" b="1" dirty="0"/>
+                        <a:t>Role Query Generator</a:t>
+                      </a:r>
+                      <a:endParaRPr lang="en-US" b="1" dirty="0"/>
+                    </a:p>
+                  </p:txBody>
+                </p:sp>
+                <p:sp>
+                  <p:nvSpPr>
+                    <p:cNvPr id="4" name="Rounded Rectangle 3"/>
+                    <p:cNvSpPr/>
+                    <p:nvPr/>
+                  </p:nvSpPr>
+                  <p:spPr>
+                    <a:xfrm>
+                      <a:off x="2320923" y="571493"/>
+                      <a:ext cx="1460500" cy="809625"/>
+                    </a:xfrm>
+                    <a:prstGeom prst="roundRect">
+                      <a:avLst/>
+                    </a:prstGeom>
+                  </p:spPr>
+                  <p:style>
+                    <a:lnRef idx="1">
+                      <a:schemeClr val="accent6"/>
+                    </a:lnRef>
+                    <a:fillRef idx="2">
+                      <a:schemeClr val="accent6"/>
+                    </a:fillRef>
+                    <a:effectRef idx="1">
+                      <a:schemeClr val="accent6"/>
+                    </a:effectRef>
+                    <a:fontRef idx="minor">
+                      <a:schemeClr val="dk1"/>
+                    </a:fontRef>
+                  </p:style>
+                  <p:txBody>
+                    <a:bodyPr rtlCol="0" anchor="ctr"/>
+                    <a:lstStyle/>
+                    <a:p>
+                      <a:pPr algn="ctr"/>
+                      <a:r>
+                        <a:rPr lang="en-US" b="1" dirty="0"/>
+                        <a:t>Web Search</a:t>
+                      </a:r>
+                      <a:endParaRPr lang="en-US" b="1" dirty="0"/>
+                    </a:p>
+                  </p:txBody>
+                </p:sp>
+                <p:sp>
+                  <p:nvSpPr>
+                    <p:cNvPr id="5" name="Rounded Rectangle 4"/>
+                    <p:cNvSpPr/>
+                    <p:nvPr/>
+                  </p:nvSpPr>
+                  <p:spPr>
+                    <a:xfrm>
+                      <a:off x="5261715" y="3376613"/>
+                      <a:ext cx="1460500" cy="809625"/>
+                    </a:xfrm>
+                    <a:prstGeom prst="roundRect">
+                      <a:avLst/>
+                    </a:prstGeom>
+                  </p:spPr>
+                  <p:style>
+                    <a:lnRef idx="1">
+                      <a:schemeClr val="accent6"/>
+                    </a:lnRef>
+                    <a:fillRef idx="2">
+                      <a:schemeClr val="accent6"/>
+                    </a:fillRef>
+                    <a:effectRef idx="1">
+                      <a:schemeClr val="accent6"/>
+                    </a:effectRef>
+                    <a:fontRef idx="minor">
+                      <a:schemeClr val="dk1"/>
+                    </a:fontRef>
+                  </p:style>
+                  <p:txBody>
+                    <a:bodyPr rtlCol="0" anchor="ctr"/>
+                    <a:lstStyle/>
+                    <a:p>
+                      <a:pPr algn="ctr"/>
+                      <a:r>
+                        <a:rPr lang="en-US" b="1" dirty="0" smtClean="0"/>
+                        <a:t>Pattern </a:t>
+                      </a:r>
+                      <a:r>
+                        <a:rPr lang="en-US" b="1" dirty="0" smtClean="0"/>
+                        <a:t>Extractor</a:t>
+                      </a:r>
+                      <a:endParaRPr lang="en-US" b="1" dirty="0"/>
+                    </a:p>
+                  </p:txBody>
+                </p:sp>
+                <p:sp>
+                  <p:nvSpPr>
+                    <p:cNvPr id="6" name="Rounded Rectangle 5"/>
+                    <p:cNvSpPr/>
+                    <p:nvPr/>
+                  </p:nvSpPr>
+                  <p:spPr>
+                    <a:xfrm>
+                      <a:off x="5261715" y="571493"/>
+                      <a:ext cx="1460500" cy="809625"/>
+                    </a:xfrm>
+                    <a:prstGeom prst="roundRect">
+                      <a:avLst/>
+                    </a:prstGeom>
+                  </p:spPr>
+                  <p:style>
+                    <a:lnRef idx="1">
+                      <a:schemeClr val="accent6"/>
+                    </a:lnRef>
+                    <a:fillRef idx="2">
+                      <a:schemeClr val="accent6"/>
+                    </a:fillRef>
+                    <a:effectRef idx="1">
+                      <a:schemeClr val="accent6"/>
+                    </a:effectRef>
+                    <a:fontRef idx="minor">
+                      <a:schemeClr val="dk1"/>
+                    </a:fontRef>
+                  </p:style>
+                  <p:txBody>
+                    <a:bodyPr rtlCol="0" anchor="ctr"/>
+                    <a:lstStyle/>
+                    <a:p>
+                      <a:pPr algn="ctr"/>
+                      <a:r>
+                        <a:rPr lang="en-US" b="1" dirty="0"/>
+                        <a:t>Sentence Classifier</a:t>
+                      </a:r>
+                      <a:endParaRPr lang="en-US" b="1" dirty="0"/>
+                    </a:p>
+                  </p:txBody>
+                </p:sp>
+                <p:sp>
+                  <p:nvSpPr>
+                    <p:cNvPr id="7" name="Rounded Rectangle 6"/>
+                    <p:cNvSpPr/>
+                    <p:nvPr/>
+                  </p:nvSpPr>
+                  <p:spPr>
+                    <a:xfrm>
+                      <a:off x="3051173" y="3376613"/>
+                      <a:ext cx="1460500" cy="809625"/>
+                    </a:xfrm>
+                    <a:prstGeom prst="roundRect">
+                      <a:avLst/>
+                    </a:prstGeom>
+                  </p:spPr>
+                  <p:style>
+                    <a:lnRef idx="1">
+                      <a:schemeClr val="accent6"/>
+                    </a:lnRef>
+                    <a:fillRef idx="2">
+                      <a:schemeClr val="accent6"/>
+                    </a:fillRef>
+                    <a:effectRef idx="1">
+                      <a:schemeClr val="accent6"/>
+                    </a:effectRef>
+                    <a:fontRef idx="minor">
+                      <a:schemeClr val="dk1"/>
+                    </a:fontRef>
+                  </p:style>
+                  <p:txBody>
+                    <a:bodyPr rtlCol="0" anchor="ctr"/>
+                    <a:lstStyle/>
+                    <a:p>
+                      <a:pPr algn="ctr"/>
+                      <a:r>
+                        <a:rPr lang="en-US" b="1" dirty="0" smtClean="0"/>
+                        <a:t>Joint</a:t>
+                      </a:r>
+                      <a:endParaRPr lang="en-US" b="1" dirty="0" smtClean="0"/>
+                    </a:p>
+                    <a:p>
+                      <a:pPr algn="ctr"/>
+                      <a:r>
+                        <a:rPr lang="en-US" b="1" dirty="0"/>
+                        <a:t>Inference</a:t>
+                      </a:r>
+                      <a:endParaRPr lang="en-US" b="1" dirty="0"/>
+                    </a:p>
+                  </p:txBody>
+                </p:sp>
+                <p:sp>
+                  <p:nvSpPr>
+                    <p:cNvPr id="8" name="Rounded Rectangle 7"/>
+                    <p:cNvSpPr/>
+                    <p:nvPr/>
+                  </p:nvSpPr>
+                  <p:spPr>
+                    <a:xfrm>
+                      <a:off x="682619" y="2096024"/>
+                      <a:ext cx="1460500" cy="809625"/>
+                    </a:xfrm>
+                    <a:prstGeom prst="roundRect">
+                      <a:avLst/>
+                    </a:prstGeom>
+                  </p:spPr>
+                  <p:style>
+                    <a:lnRef idx="1">
+                      <a:schemeClr val="accent6"/>
+                    </a:lnRef>
+                    <a:fillRef idx="2">
+                      <a:schemeClr val="accent6"/>
+                    </a:fillRef>
+                    <a:effectRef idx="1">
+                      <a:schemeClr val="accent6"/>
+                    </a:effectRef>
+                    <a:fontRef idx="minor">
+                      <a:schemeClr val="dk1"/>
+                    </a:fontRef>
+                  </p:style>
+                  <p:txBody>
+                    <a:bodyPr rtlCol="0" anchor="ctr"/>
+                    <a:lstStyle/>
+                    <a:p>
+                      <a:pPr algn="ctr"/>
+                      <a:r>
+                        <a:rPr lang="en-US" b="1" dirty="0" smtClean="0"/>
+                        <a:t>Pattern Expansion</a:t>
+                      </a:r>
+                      <a:endParaRPr lang="en-US" b="1" dirty="0"/>
+                    </a:p>
+                  </p:txBody>
+                </p:sp>
+                <p:sp>
+                  <p:nvSpPr>
+                    <p:cNvPr id="9" name="Can 8"/>
+                    <p:cNvSpPr/>
+                    <p:nvPr/>
+                  </p:nvSpPr>
+                  <p:spPr>
+                    <a:xfrm>
+                      <a:off x="-1304858" y="3402690"/>
+                      <a:ext cx="1460502" cy="806795"/>
+                    </a:xfrm>
+                    <a:prstGeom prst="can">
+                      <a:avLst/>
+                    </a:prstGeom>
+                  </p:spPr>
+                  <p:style>
+                    <a:lnRef idx="1">
+                      <a:schemeClr val="dk1"/>
+                    </a:lnRef>
+                    <a:fillRef idx="2">
+                      <a:schemeClr val="dk1"/>
+                    </a:fillRef>
+                    <a:effectRef idx="1">
+                      <a:schemeClr val="dk1"/>
+                    </a:effectRef>
+                    <a:fontRef idx="minor">
+                      <a:schemeClr val="dk1"/>
+                    </a:fontRef>
+                  </p:style>
+                  <p:txBody>
+                    <a:bodyPr rtlCol="0" anchor="ctr"/>
+                    <a:lstStyle/>
+                    <a:p>
+                      <a:pPr algn="ctr"/>
+                      <a:r>
+                        <a:rPr lang="en-US" b="1" dirty="0" smtClean="0"/>
+                        <a:t>Process KB</a:t>
+                      </a:r>
+                      <a:endParaRPr lang="en-US" b="1" dirty="0"/>
+                    </a:p>
+                  </p:txBody>
+                </p:sp>
+                <p:cxnSp>
+                  <p:nvCxnSpPr>
+                    <p:cNvPr id="10" name="Straight Arrow Connector 9"/>
+                    <p:cNvCxnSpPr>
+                      <a:stCxn id="3" idx="3"/>
+                      <a:endCxn id="4" idx="1"/>
+                    </p:cNvCxnSpPr>
+                    <p:nvPr/>
+                  </p:nvCxnSpPr>
+                  <p:spPr>
+                    <a:xfrm>
+                      <a:off x="1082215" y="976306"/>
+                      <a:ext cx="1238708" cy="0"/>
+                    </a:xfrm>
+                    <a:prstGeom prst="straightConnector1">
+                      <a:avLst/>
+                    </a:prstGeom>
+                    <a:ln w="38100" cmpd="sng">
+                      <a:tailEnd type="arrow"/>
+                    </a:ln>
+                  </p:spPr>
+                  <p:style>
+                    <a:lnRef idx="1">
+                      <a:schemeClr val="accent6"/>
+                    </a:lnRef>
+                    <a:fillRef idx="2">
+                      <a:schemeClr val="accent6"/>
+                    </a:fillRef>
+                    <a:effectRef idx="1">
+                      <a:schemeClr val="accent6"/>
+                    </a:effectRef>
+                    <a:fontRef idx="minor">
+                      <a:schemeClr val="dk1"/>
+                    </a:fontRef>
+                  </p:style>
+                </p:cxnSp>
+                <p:cxnSp>
+                  <p:nvCxnSpPr>
+                    <p:cNvPr id="11" name="Straight Arrow Connector 10"/>
+                    <p:cNvCxnSpPr/>
+                    <p:nvPr/>
+                  </p:nvCxnSpPr>
+                  <p:spPr>
+                    <a:xfrm>
+                      <a:off x="3781423" y="976306"/>
+                      <a:ext cx="1480292" cy="0"/>
+                    </a:xfrm>
+                    <a:prstGeom prst="straightConnector1">
+                      <a:avLst/>
+                    </a:prstGeom>
+                    <a:ln w="38100" cmpd="sng">
+                      <a:tailEnd type="arrow"/>
+                    </a:ln>
+                  </p:spPr>
+                  <p:style>
+                    <a:lnRef idx="1">
+                      <a:schemeClr val="accent6"/>
+                    </a:lnRef>
+                    <a:fillRef idx="2">
+                      <a:schemeClr val="accent6"/>
+                    </a:fillRef>
+                    <a:effectRef idx="1">
+                      <a:schemeClr val="accent6"/>
+                    </a:effectRef>
+                    <a:fontRef idx="minor">
+                      <a:schemeClr val="dk1"/>
+                    </a:fontRef>
+                  </p:style>
+                </p:cxnSp>
+                <p:cxnSp>
+                  <p:nvCxnSpPr>
+                    <p:cNvPr id="14" name="Straight Arrow Connector 13"/>
+                    <p:cNvCxnSpPr>
+                      <a:stCxn id="50" idx="0"/>
+                      <a:endCxn id="3" idx="2"/>
+                    </p:cNvCxnSpPr>
+                    <p:nvPr/>
+                  </p:nvCxnSpPr>
+                  <p:spPr>
+                    <a:xfrm flipV="1">
+                      <a:off x="-555630" y="1381118"/>
+                      <a:ext cx="907595" cy="703289"/>
+                    </a:xfrm>
+                    <a:prstGeom prst="straightConnector1">
+                      <a:avLst/>
+                    </a:prstGeom>
+                    <a:ln w="38100" cmpd="sng">
+                      <a:tailEnd type="arrow"/>
+                    </a:ln>
+                  </p:spPr>
+                  <p:style>
+                    <a:lnRef idx="1">
+                      <a:schemeClr val="accent6"/>
+                    </a:lnRef>
+                    <a:fillRef idx="2">
+                      <a:schemeClr val="accent6"/>
+                    </a:fillRef>
+                    <a:effectRef idx="1">
+                      <a:schemeClr val="accent6"/>
+                    </a:effectRef>
+                    <a:fontRef idx="minor">
+                      <a:schemeClr val="dk1"/>
+                    </a:fontRef>
+                  </p:style>
+                </p:cxnSp>
+                <p:cxnSp>
+                  <p:nvCxnSpPr>
+                    <p:cNvPr id="15" name="Straight Arrow Connector 14"/>
+                    <p:cNvCxnSpPr/>
+                    <p:nvPr/>
+                  </p:nvCxnSpPr>
+                  <p:spPr>
+                    <a:xfrm>
+                      <a:off x="5991965" y="1381118"/>
+                      <a:ext cx="0" cy="1995495"/>
+                    </a:xfrm>
+                    <a:prstGeom prst="straightConnector1">
+                      <a:avLst/>
+                    </a:prstGeom>
+                    <a:ln w="38100" cmpd="sng">
+                      <a:tailEnd type="arrow"/>
+                    </a:ln>
+                  </p:spPr>
+                  <p:style>
+                    <a:lnRef idx="1">
+                      <a:schemeClr val="accent6"/>
+                    </a:lnRef>
+                    <a:fillRef idx="2">
+                      <a:schemeClr val="accent6"/>
+                    </a:fillRef>
+                    <a:effectRef idx="1">
+                      <a:schemeClr val="accent6"/>
+                    </a:effectRef>
+                    <a:fontRef idx="minor">
+                      <a:schemeClr val="dk1"/>
+                    </a:fontRef>
+                  </p:style>
+                </p:cxnSp>
+                <p:cxnSp>
+                  <p:nvCxnSpPr>
+                    <p:cNvPr id="16" name="Straight Arrow Connector 15"/>
+                    <p:cNvCxnSpPr>
+                      <a:stCxn id="7" idx="1"/>
+                      <a:endCxn id="65" idx="3"/>
+                    </p:cNvCxnSpPr>
+                    <p:nvPr/>
+                  </p:nvCxnSpPr>
+                  <p:spPr>
+                    <a:xfrm flipH="1">
+                      <a:off x="2105839" y="3781426"/>
+                      <a:ext cx="945334" cy="8092"/>
+                    </a:xfrm>
+                    <a:prstGeom prst="straightConnector1">
+                      <a:avLst/>
+                    </a:prstGeom>
+                    <a:ln w="38100" cmpd="sng">
+                      <a:tailEnd type="arrow"/>
+                    </a:ln>
+                  </p:spPr>
+                  <p:style>
+                    <a:lnRef idx="1">
+                      <a:schemeClr val="accent6"/>
+                    </a:lnRef>
+                    <a:fillRef idx="2">
+                      <a:schemeClr val="accent6"/>
+                    </a:fillRef>
+                    <a:effectRef idx="1">
+                      <a:schemeClr val="accent6"/>
+                    </a:effectRef>
+                    <a:fontRef idx="minor">
+                      <a:schemeClr val="dk1"/>
+                    </a:fontRef>
+                  </p:style>
+                </p:cxnSp>
+                <p:cxnSp>
+                  <p:nvCxnSpPr>
+                    <p:cNvPr id="17" name="Straight Arrow Connector 16"/>
+                    <p:cNvCxnSpPr/>
+                    <p:nvPr/>
+                  </p:nvCxnSpPr>
+                  <p:spPr>
+                    <a:xfrm flipH="1">
+                      <a:off x="4515589" y="3822687"/>
+                      <a:ext cx="746126" cy="0"/>
+                    </a:xfrm>
+                    <a:prstGeom prst="straightConnector1">
+                      <a:avLst/>
+                    </a:prstGeom>
+                    <a:ln w="38100" cmpd="sng">
+                      <a:tailEnd type="arrow"/>
+                    </a:ln>
+                  </p:spPr>
+                  <p:style>
+                    <a:lnRef idx="1">
+                      <a:schemeClr val="accent6"/>
+                    </a:lnRef>
+                    <a:fillRef idx="2">
+                      <a:schemeClr val="accent6"/>
+                    </a:fillRef>
+                    <a:effectRef idx="1">
+                      <a:schemeClr val="accent6"/>
+                    </a:effectRef>
+                    <a:fontRef idx="minor">
+                      <a:schemeClr val="dk1"/>
+                    </a:fontRef>
+                  </p:style>
+                </p:cxnSp>
+              </p:grpSp>
+              <p:sp>
+                <p:nvSpPr>
+                  <p:cNvPr id="21" name="TextBox 20"/>
+                  <p:cNvSpPr txBox="1"/>
+                  <p:nvPr/>
+                </p:nvSpPr>
+                <p:spPr>
+                  <a:xfrm>
+                    <a:off x="3755571" y="681335"/>
+                    <a:ext cx="4027715" cy="430887"/>
+                  </a:xfrm>
+                  <a:prstGeom prst="rect">
+                    <a:avLst/>
+                  </a:prstGeom>
+                  <a:noFill/>
+                </p:spPr>
+                <p:txBody>
+                  <a:bodyPr wrap="square" rtlCol="0">
+                    <a:spAutoFit/>
+                  </a:bodyPr>
+                  <a:lstStyle/>
+                  <a:p>
+                    <a:pPr algn="r"/>
+                    <a:r>
+                      <a:rPr lang="en-US" sz="2200" b="1" dirty="0" smtClean="0"/>
+                      <a:t>Sentence Gathering</a:t>
+                    </a:r>
+                    <a:endParaRPr lang="en-US" sz="2200" b="1" dirty="0"/>
+                  </a:p>
+                </p:txBody>
+              </p:sp>
+              <p:sp>
+                <p:nvSpPr>
+                  <p:cNvPr id="22" name="TextBox 21"/>
+                  <p:cNvSpPr txBox="1"/>
+                  <p:nvPr/>
+                </p:nvSpPr>
+                <p:spPr>
+                  <a:xfrm>
+                    <a:off x="3755571" y="5181646"/>
+                    <a:ext cx="4027715" cy="430887"/>
+                  </a:xfrm>
+                  <a:prstGeom prst="rect">
+                    <a:avLst/>
+                  </a:prstGeom>
+                  <a:noFill/>
+                </p:spPr>
+                <p:txBody>
+                  <a:bodyPr wrap="square" rtlCol="0">
+                    <a:spAutoFit/>
+                  </a:bodyPr>
+                  <a:lstStyle/>
+                  <a:p>
+                    <a:pPr algn="r"/>
+                    <a:r>
+                      <a:rPr lang="en-US" sz="2200" b="1" dirty="0" smtClean="0"/>
+                      <a:t>Extraction</a:t>
+                    </a:r>
+                    <a:endParaRPr lang="en-US" sz="2200" b="1" dirty="0"/>
+                  </a:p>
+                </p:txBody>
+              </p:sp>
+            </p:grpSp>
+            <p:sp>
+              <p:nvSpPr>
+                <p:cNvPr id="25" name="TextBox 24"/>
+                <p:cNvSpPr txBox="1"/>
+                <p:nvPr/>
+              </p:nvSpPr>
+              <p:spPr>
+                <a:xfrm>
+                  <a:off x="1505857" y="5189738"/>
+                  <a:ext cx="4118429" cy="430887"/>
+                </a:xfrm>
+                <a:prstGeom prst="rect">
+                  <a:avLst/>
+                </a:prstGeom>
+                <a:noFill/>
+              </p:spPr>
+              <p:txBody>
+                <a:bodyPr wrap="square" rtlCol="0">
+                  <a:spAutoFit/>
+                </a:bodyPr>
+                <a:lstStyle/>
+                <a:p>
+                  <a:r>
+                    <a:rPr lang="en-US" sz="2200" b="1" dirty="0" smtClean="0"/>
+                    <a:t>Iterative Expansion</a:t>
+                  </a:r>
+                  <a:endParaRPr lang="en-US" sz="2200" b="1" dirty="0"/>
+                </a:p>
+              </p:txBody>
+            </p:sp>
+          </p:grpSp>
+          <p:sp>
+            <p:nvSpPr>
+              <p:cNvPr id="50" name="Rounded Rectangle 49"/>
+              <p:cNvSpPr/>
+              <p:nvPr/>
+            </p:nvSpPr>
+            <p:spPr>
+              <a:xfrm>
+                <a:off x="-415023" y="2885940"/>
+                <a:ext cx="1460500" cy="809625"/>
+              </a:xfrm>
+              <a:prstGeom prst="roundRect">
+                <a:avLst/>
+              </a:prstGeom>
+            </p:spPr>
+            <p:style>
+              <a:lnRef idx="1">
+                <a:schemeClr val="accent6"/>
+              </a:lnRef>
+              <a:fillRef idx="2">
+                <a:schemeClr val="accent6"/>
+              </a:fillRef>
+              <a:effectRef idx="1">
+                <a:schemeClr val="accent6"/>
+              </a:effectRef>
+              <a:fontRef idx="minor">
+                <a:schemeClr val="dk1"/>
+              </a:fontRef>
+            </p:style>
+            <p:txBody>
+              <a:bodyPr rtlCol="0" anchor="ctr"/>
+              <a:lstStyle/>
+              <a:p>
+                <a:pPr algn="ctr"/>
+                <a:r>
+                  <a:rPr lang="en-US" b="1" dirty="0"/>
+                  <a:t>Role</a:t>
+                </a:r>
+              </a:p>
+              <a:p>
+                <a:pPr algn="ctr"/>
+                <a:r>
+                  <a:rPr lang="en-US" b="1" dirty="0" smtClean="0"/>
+                  <a:t>Expansion</a:t>
+                </a:r>
+                <a:endParaRPr lang="en-US" b="1" dirty="0"/>
+              </a:p>
+            </p:txBody>
+          </p:sp>
+          <p:cxnSp>
+            <p:nvCxnSpPr>
+              <p:cNvPr id="52" name="Straight Arrow Connector 51"/>
+              <p:cNvCxnSpPr>
+                <a:stCxn id="65" idx="1"/>
+                <a:endCxn id="9" idx="4"/>
+              </p:cNvCxnSpPr>
+              <p:nvPr/>
+            </p:nvCxnSpPr>
+            <p:spPr>
+              <a:xfrm flipH="1">
+                <a:off x="1026501" y="4591051"/>
+                <a:ext cx="489695" cy="16570"/>
+              </a:xfrm>
+              <a:prstGeom prst="straightConnector1">
+                <a:avLst/>
+              </a:prstGeom>
+              <a:ln w="38100" cmpd="sng">
+                <a:headEnd type="arrow"/>
+                <a:tailEnd type="arrow"/>
+              </a:ln>
+            </p:spPr>
+            <p:style>
+              <a:lnRef idx="1">
+                <a:schemeClr val="accent6"/>
+              </a:lnRef>
+              <a:fillRef idx="2">
+                <a:schemeClr val="accent6"/>
+              </a:fillRef>
+              <a:effectRef idx="1">
+                <a:schemeClr val="accent6"/>
+              </a:effectRef>
+              <a:fontRef idx="minor">
+                <a:schemeClr val="dk1"/>
+              </a:fontRef>
+            </p:style>
+          </p:cxnSp>
+          <p:sp>
+            <p:nvSpPr>
+              <p:cNvPr id="65" name="Rounded Rectangle 64"/>
+              <p:cNvSpPr/>
+              <p:nvPr/>
+            </p:nvSpPr>
+            <p:spPr>
+              <a:xfrm>
+                <a:off x="1516196" y="4186238"/>
+                <a:ext cx="1460500" cy="809625"/>
+              </a:xfrm>
+              <a:prstGeom prst="roundRect">
+                <a:avLst/>
+              </a:prstGeom>
+            </p:spPr>
+            <p:style>
+              <a:lnRef idx="1">
+                <a:schemeClr val="accent6"/>
+              </a:lnRef>
+              <a:fillRef idx="2">
+                <a:schemeClr val="accent6"/>
+              </a:fillRef>
+              <a:effectRef idx="1">
+                <a:schemeClr val="accent6"/>
+              </a:effectRef>
+              <a:fontRef idx="minor">
+                <a:schemeClr val="dk1"/>
+              </a:fontRef>
+            </p:style>
+            <p:txBody>
+              <a:bodyPr rtlCol="0" anchor="ctr"/>
+              <a:lstStyle/>
+              <a:p>
+                <a:pPr algn="ctr"/>
+                <a:r>
+                  <a:rPr lang="en-US" b="1" dirty="0" smtClean="0"/>
+                  <a:t>Aggregation</a:t>
+                </a:r>
+                <a:endParaRPr lang="en-US" b="1" dirty="0"/>
+              </a:p>
+            </p:txBody>
+          </p:sp>
+          <p:cxnSp>
+            <p:nvCxnSpPr>
+              <p:cNvPr id="87" name="Straight Arrow Connector 86"/>
+              <p:cNvCxnSpPr>
+                <a:stCxn id="8" idx="0"/>
+                <a:endCxn id="3" idx="2"/>
+              </p:cNvCxnSpPr>
+              <p:nvPr/>
+            </p:nvCxnSpPr>
+            <p:spPr>
+              <a:xfrm flipH="1" flipV="1">
+                <a:off x="1222822" y="2182651"/>
+                <a:ext cx="1060904" cy="714906"/>
+              </a:xfrm>
+              <a:prstGeom prst="straightConnector1">
+                <a:avLst/>
+              </a:prstGeom>
+              <a:ln w="38100" cmpd="sng">
+                <a:tailEnd type="arrow"/>
+              </a:ln>
+            </p:spPr>
+            <p:style>
+              <a:lnRef idx="1">
+                <a:schemeClr val="accent6"/>
+              </a:lnRef>
+              <a:fillRef idx="2">
+                <a:schemeClr val="accent6"/>
+              </a:fillRef>
+              <a:effectRef idx="1">
+                <a:schemeClr val="accent6"/>
+              </a:effectRef>
+              <a:fontRef idx="minor">
+                <a:schemeClr val="dk1"/>
+              </a:fontRef>
+            </p:style>
+          </p:cxnSp>
+        </p:grpSp>
+        <p:sp>
+          <p:nvSpPr>
+            <p:cNvPr id="91" name="Can 90"/>
+            <p:cNvSpPr/>
+            <p:nvPr/>
+          </p:nvSpPr>
+          <p:spPr>
+            <a:xfrm>
+              <a:off x="-2443337" y="1375856"/>
+              <a:ext cx="1460502" cy="806795"/>
+            </a:xfrm>
+            <a:prstGeom prst="can">
+              <a:avLst/>
+            </a:prstGeom>
+          </p:spPr>
+          <p:style>
+            <a:lnRef idx="1">
+              <a:schemeClr val="dk1"/>
+            </a:lnRef>
+            <a:fillRef idx="2">
+              <a:schemeClr val="dk1"/>
+            </a:fillRef>
+            <a:effectRef idx="1">
+              <a:schemeClr val="dk1"/>
+            </a:effectRef>
+            <a:fontRef idx="minor">
+              <a:schemeClr val="dk1"/>
+            </a:fontRef>
+          </p:style>
+          <p:txBody>
+            <a:bodyPr rtlCol="0" anchor="ctr"/>
+            <a:lstStyle/>
+            <a:p>
+              <a:pPr algn="ctr"/>
+              <a:r>
+                <a:rPr lang="en-US" b="1" dirty="0" smtClean="0"/>
+                <a:t>Target</a:t>
+              </a:r>
+            </a:p>
+            <a:p>
+              <a:pPr algn="ctr"/>
+              <a:r>
+                <a:rPr lang="en-US" b="1" dirty="0" smtClean="0"/>
+                <a:t>Processes</a:t>
+              </a:r>
+              <a:endParaRPr lang="en-US" b="1" dirty="0"/>
+            </a:p>
+          </p:txBody>
+        </p:sp>
+        <p:cxnSp>
+          <p:nvCxnSpPr>
+            <p:cNvPr id="92" name="Straight Arrow Connector 91"/>
+            <p:cNvCxnSpPr>
+              <a:endCxn id="3" idx="1"/>
+            </p:cNvCxnSpPr>
+            <p:nvPr/>
+          </p:nvCxnSpPr>
+          <p:spPr>
+            <a:xfrm>
+              <a:off x="-1034377" y="1777839"/>
+              <a:ext cx="1526949" cy="0"/>
+            </a:xfrm>
+            <a:prstGeom prst="straightConnector1">
+              <a:avLst/>
+            </a:prstGeom>
+            <a:ln w="38100" cmpd="sng">
+              <a:tailEnd type="arrow"/>
+            </a:ln>
+          </p:spPr>
+          <p:style>
+            <a:lnRef idx="1">
+              <a:schemeClr val="accent6"/>
+            </a:lnRef>
+            <a:fillRef idx="2">
+              <a:schemeClr val="accent6"/>
+            </a:fillRef>
+            <a:effectRef idx="1">
+              <a:schemeClr val="accent6"/>
+            </a:effectRef>
+            <a:fontRef idx="minor">
+              <a:schemeClr val="dk1"/>
+            </a:fontRef>
+          </p:style>
+        </p:cxnSp>
+      </p:grpSp>
+      <p:cxnSp>
+        <p:nvCxnSpPr>
+          <p:cNvPr id="98" name="Straight Arrow Connector 97"/>
+          <p:cNvCxnSpPr>
+            <a:stCxn id="9" idx="1"/>
+            <a:endCxn id="50" idx="2"/>
+          </p:cNvCxnSpPr>
+          <p:nvPr/>
+        </p:nvCxnSpPr>
+        <p:spPr>
+          <a:xfrm flipV="1">
+            <a:off x="296250" y="3695565"/>
+            <a:ext cx="18977" cy="508658"/>
+          </a:xfrm>
+          <a:prstGeom prst="straightConnector1">
+            <a:avLst/>
+          </a:prstGeom>
+          <a:ln w="38100" cmpd="sng">
+            <a:tailEnd type="arrow"/>
+          </a:ln>
+        </p:spPr>
+        <p:style>
+          <a:lnRef idx="1">
+            <a:schemeClr val="accent6"/>
+          </a:lnRef>
+          <a:fillRef idx="2">
+            <a:schemeClr val="accent6"/>
+          </a:fillRef>
+          <a:effectRef idx="1">
+            <a:schemeClr val="accent6"/>
+          </a:effectRef>
+          <a:fontRef idx="minor">
+            <a:schemeClr val="dk1"/>
+          </a:fontRef>
+        </p:style>
+      </p:cxnSp>
+      <p:cxnSp>
+        <p:nvCxnSpPr>
+          <p:cNvPr id="103" name="Straight Arrow Connector 102"/>
+          <p:cNvCxnSpPr>
+            <a:stCxn id="9" idx="1"/>
+          </p:cNvCxnSpPr>
+          <p:nvPr/>
+        </p:nvCxnSpPr>
+        <p:spPr>
+          <a:xfrm flipV="1">
+            <a:off x="296250" y="3707184"/>
+            <a:ext cx="1987476" cy="497039"/>
+          </a:xfrm>
+          <a:prstGeom prst="straightConnector1">
+            <a:avLst/>
+          </a:prstGeom>
+          <a:ln w="38100" cmpd="sng">
+            <a:tailEnd type="arrow"/>
+          </a:ln>
+        </p:spPr>
+        <p:style>
+          <a:lnRef idx="1">
+            <a:schemeClr val="accent6"/>
+          </a:lnRef>
+          <a:fillRef idx="2">
+            <a:schemeClr val="accent6"/>
+          </a:fillRef>
+          <a:effectRef idx="1">
+            <a:schemeClr val="accent6"/>
+          </a:effectRef>
+          <a:fontRef idx="minor">
+            <a:schemeClr val="dk1"/>
+          </a:fontRef>
+        </p:style>
+      </p:cxnSp>
+    </p:spTree>
+    <p:extLst>
+      <p:ext uri="{BB962C8B-B14F-4D97-AF65-F5344CB8AC3E}">
+        <p14:creationId xmlns:p14="http://schemas.microsoft.com/office/powerpoint/2010/main" val="2176077055"/>
+      </p:ext>
+    </p:extLst>
+  </p:cSld>
+  <p:clrMapOvr>
+    <a:masterClrMapping/>
+  </p:clrMapOvr>
+</p:sld>
+</file>
+
+<file path=ppt/slides/slide6.xml><?xml version="1.0" encoding="utf-8"?>
+<p:sld xmlns:a="http://schemas.openxmlformats.org/drawingml/2006/main" xmlns:r="http://schemas.openxmlformats.org/officeDocument/2006/relationships" xmlns:p="http://schemas.openxmlformats.org/presentationml/2006/main">
+  <p:cSld>
+    <p:spTree>
+      <p:nvGrpSpPr>
+        <p:cNvPr id="1" name=""/>
+        <p:cNvGrpSpPr/>
+        <p:nvPr/>
+      </p:nvGrpSpPr>
+      <p:grpSpPr>
+        <a:xfrm>
+          <a:off x="0" y="0"/>
+          <a:ext cx="0" cy="0"/>
+          <a:chOff x="0" y="0"/>
+          <a:chExt cx="0" cy="0"/>
+        </a:xfrm>
+      </p:grpSpPr>
+      <p:grpSp>
+        <p:nvGrpSpPr>
+          <p:cNvPr id="97" name="Group 96"/>
+          <p:cNvGrpSpPr/>
+          <p:nvPr/>
+        </p:nvGrpSpPr>
+        <p:grpSpPr>
+          <a:xfrm>
+            <a:off x="-2443337" y="681335"/>
+            <a:ext cx="10371766" cy="4939290"/>
+            <a:chOff x="-2443337" y="681335"/>
+            <a:chExt cx="10371766" cy="4939290"/>
+          </a:xfrm>
+        </p:grpSpPr>
+        <p:grpSp>
+          <p:nvGrpSpPr>
+            <p:cNvPr id="96" name="Group 95"/>
+            <p:cNvGrpSpPr/>
+            <p:nvPr/>
+          </p:nvGrpSpPr>
+          <p:grpSpPr>
+            <a:xfrm>
+              <a:off x="-2443337" y="681335"/>
+              <a:ext cx="10371766" cy="4939290"/>
+              <a:chOff x="-2443337" y="681335"/>
+              <a:chExt cx="10371766" cy="4939290"/>
+            </a:xfrm>
+          </p:grpSpPr>
+          <p:sp>
+            <p:nvSpPr>
+              <p:cNvPr id="48" name="Rectangle 47"/>
+              <p:cNvSpPr/>
+              <p:nvPr/>
+            </p:nvSpPr>
+            <p:spPr>
+              <a:xfrm>
+                <a:off x="-725714" y="2685143"/>
+                <a:ext cx="3897072" cy="2504596"/>
+              </a:xfrm>
+              <a:prstGeom prst="rect">
+                <a:avLst/>
+              </a:prstGeom>
+              <a:pattFill prst="pct5">
+                <a:fgClr>
+                  <a:prstClr val="black"/>
+                </a:fgClr>
+                <a:bgClr>
+                  <a:schemeClr val="accent6">
+                    <a:lumMod val="20000"/>
+                    <a:lumOff val="80000"/>
+                  </a:schemeClr>
+                </a:bgClr>
+              </a:pattFill>
+            </p:spPr>
+            <p:style>
+              <a:lnRef idx="2">
+                <a:schemeClr val="dk1"/>
+              </a:lnRef>
+              <a:fillRef idx="1">
+                <a:schemeClr val="lt1"/>
+              </a:fillRef>
+              <a:effectRef idx="0">
+                <a:schemeClr val="dk1"/>
+              </a:effectRef>
+              <a:fontRef idx="minor">
+                <a:schemeClr val="dk1"/>
+              </a:fontRef>
+            </p:style>
+            <p:txBody>
+              <a:bodyPr rtlCol="0" anchor="ctr"/>
+              <a:lstStyle/>
+              <a:p>
+                <a:pPr algn="ctr"/>
+                <a:endParaRPr lang="en-US"/>
+              </a:p>
+            </p:txBody>
+          </p:sp>
+          <p:grpSp>
+            <p:nvGrpSpPr>
+              <p:cNvPr id="95" name="Group 94"/>
+              <p:cNvGrpSpPr/>
+              <p:nvPr/>
+            </p:nvGrpSpPr>
+            <p:grpSpPr>
+              <a:xfrm>
+                <a:off x="-2443337" y="681335"/>
+                <a:ext cx="10371766" cy="4939290"/>
+                <a:chOff x="-2443337" y="681335"/>
+                <a:chExt cx="10371766" cy="4939290"/>
+              </a:xfrm>
+            </p:grpSpPr>
+            <p:grpSp>
+              <p:nvGrpSpPr>
+                <p:cNvPr id="94" name="Group 93"/>
+                <p:cNvGrpSpPr/>
+                <p:nvPr/>
+              </p:nvGrpSpPr>
+              <p:grpSpPr>
+                <a:xfrm>
+                  <a:off x="-2443337" y="681335"/>
+                  <a:ext cx="10371766" cy="4931198"/>
+                  <a:chOff x="-2443337" y="681335"/>
+                  <a:chExt cx="10371766" cy="4931198"/>
+                </a:xfrm>
+              </p:grpSpPr>
+              <p:sp>
+                <p:nvSpPr>
+                  <p:cNvPr id="19" name="Rectangle 18"/>
+                  <p:cNvSpPr/>
+                  <p:nvPr/>
+                </p:nvSpPr>
+                <p:spPr>
+                  <a:xfrm>
+                    <a:off x="3498319" y="4002360"/>
+                    <a:ext cx="4430110" cy="1179286"/>
+                  </a:xfrm>
+                  <a:prstGeom prst="rect">
+                    <a:avLst/>
+                  </a:prstGeom>
+                  <a:pattFill prst="pct5">
+                    <a:fgClr>
+                      <a:prstClr val="black"/>
+                    </a:fgClr>
+                    <a:bgClr>
+                      <a:schemeClr val="accent6">
+                        <a:lumMod val="20000"/>
+                        <a:lumOff val="80000"/>
+                      </a:schemeClr>
+                    </a:bgClr>
+                  </a:pattFill>
+                </p:spPr>
+                <p:style>
+                  <a:lnRef idx="2">
+                    <a:schemeClr val="dk1"/>
+                  </a:lnRef>
+                  <a:fillRef idx="1">
+                    <a:schemeClr val="lt1"/>
+                  </a:fillRef>
+                  <a:effectRef idx="0">
+                    <a:schemeClr val="dk1"/>
+                  </a:effectRef>
+                  <a:fontRef idx="minor">
+                    <a:schemeClr val="dk1"/>
+                  </a:fontRef>
+                </p:style>
+                <p:txBody>
+                  <a:bodyPr rtlCol="0" anchor="ctr"/>
+                  <a:lstStyle/>
+                  <a:p>
+                    <a:pPr algn="ctr"/>
+                    <a:endParaRPr lang="en-US"/>
+                  </a:p>
+                </p:txBody>
+              </p:sp>
+              <p:sp>
+                <p:nvSpPr>
+                  <p:cNvPr id="18" name="Rectangle 17"/>
+                  <p:cNvSpPr/>
+                  <p:nvPr/>
+                </p:nvSpPr>
+                <p:spPr>
+                  <a:xfrm>
+                    <a:off x="-725714" y="1243765"/>
+                    <a:ext cx="8654143" cy="1179286"/>
+                  </a:xfrm>
+                  <a:prstGeom prst="rect">
+                    <a:avLst/>
+                  </a:prstGeom>
+                  <a:pattFill prst="pct5">
+                    <a:fgClr>
+                      <a:prstClr val="black"/>
+                    </a:fgClr>
+                    <a:bgClr>
+                      <a:schemeClr val="accent6">
+                        <a:lumMod val="20000"/>
+                        <a:lumOff val="80000"/>
+                      </a:schemeClr>
+                    </a:bgClr>
+                  </a:pattFill>
+                </p:spPr>
+                <p:style>
+                  <a:lnRef idx="2">
+                    <a:schemeClr val="dk1"/>
+                  </a:lnRef>
+                  <a:fillRef idx="1">
+                    <a:schemeClr val="lt1"/>
+                  </a:fillRef>
+                  <a:effectRef idx="0">
+                    <a:schemeClr val="dk1"/>
+                  </a:effectRef>
+                  <a:fontRef idx="minor">
+                    <a:schemeClr val="dk1"/>
+                  </a:fontRef>
+                </p:style>
+                <p:txBody>
+                  <a:bodyPr rtlCol="0" anchor="ctr"/>
+                  <a:lstStyle/>
+                  <a:p>
+                    <a:pPr algn="ctr"/>
+                    <a:endParaRPr lang="en-US"/>
+                  </a:p>
+                </p:txBody>
+              </p:sp>
+              <p:grpSp>
+                <p:nvGrpSpPr>
+                  <p:cNvPr id="2" name="Group 1"/>
+                  <p:cNvGrpSpPr/>
+                  <p:nvPr/>
+                </p:nvGrpSpPr>
+                <p:grpSpPr>
+                  <a:xfrm>
+                    <a:off x="-2443337" y="1373026"/>
+                    <a:ext cx="10036409" cy="3656950"/>
+                    <a:chOff x="-3314194" y="571493"/>
+                    <a:chExt cx="10036409" cy="3656950"/>
+                  </a:xfrm>
+                </p:grpSpPr>
+                <p:sp>
+                  <p:nvSpPr>
+                    <p:cNvPr id="3" name="Rounded Rectangle 2"/>
+                    <p:cNvSpPr/>
+                    <p:nvPr/>
+                  </p:nvSpPr>
+                  <p:spPr>
+                    <a:xfrm>
+                      <a:off x="-378285" y="571493"/>
+                      <a:ext cx="1460500" cy="809625"/>
+                    </a:xfrm>
+                    <a:prstGeom prst="roundRect">
+                      <a:avLst/>
+                    </a:prstGeom>
+                  </p:spPr>
+                  <p:style>
+                    <a:lnRef idx="1">
+                      <a:schemeClr val="accent6"/>
+                    </a:lnRef>
+                    <a:fillRef idx="2">
+                      <a:schemeClr val="accent6"/>
+                    </a:fillRef>
+                    <a:effectRef idx="1">
+                      <a:schemeClr val="accent6"/>
+                    </a:effectRef>
+                    <a:fontRef idx="minor">
+                      <a:schemeClr val="dk1"/>
+                    </a:fontRef>
+                  </p:style>
+                  <p:txBody>
+                    <a:bodyPr rtlCol="0" anchor="ctr"/>
+                    <a:lstStyle/>
+                    <a:p>
+                      <a:pPr algn="ctr"/>
+                      <a:r>
+                        <a:rPr lang="en-US" b="1" dirty="0"/>
+                        <a:t>Role Query Generator</a:t>
+                      </a:r>
+                      <a:endParaRPr lang="en-US" b="1" dirty="0"/>
+                    </a:p>
+                  </p:txBody>
+                </p:sp>
+                <p:sp>
+                  <p:nvSpPr>
+                    <p:cNvPr id="4" name="Rounded Rectangle 3"/>
+                    <p:cNvSpPr/>
+                    <p:nvPr/>
+                  </p:nvSpPr>
+                  <p:spPr>
+                    <a:xfrm>
+                      <a:off x="2320923" y="571493"/>
+                      <a:ext cx="1460500" cy="809625"/>
+                    </a:xfrm>
+                    <a:prstGeom prst="roundRect">
+                      <a:avLst/>
+                    </a:prstGeom>
+                  </p:spPr>
+                  <p:style>
+                    <a:lnRef idx="1">
+                      <a:schemeClr val="accent6"/>
+                    </a:lnRef>
+                    <a:fillRef idx="2">
+                      <a:schemeClr val="accent6"/>
+                    </a:fillRef>
+                    <a:effectRef idx="1">
+                      <a:schemeClr val="accent6"/>
+                    </a:effectRef>
+                    <a:fontRef idx="minor">
+                      <a:schemeClr val="dk1"/>
+                    </a:fontRef>
+                  </p:style>
+                  <p:txBody>
+                    <a:bodyPr rtlCol="0" anchor="ctr"/>
+                    <a:lstStyle/>
+                    <a:p>
+                      <a:pPr algn="ctr"/>
+                      <a:r>
+                        <a:rPr lang="en-US" b="1" dirty="0"/>
+                        <a:t>Web Search</a:t>
+                      </a:r>
+                      <a:endParaRPr lang="en-US" b="1" dirty="0"/>
+                    </a:p>
+                  </p:txBody>
+                </p:sp>
+                <p:sp>
+                  <p:nvSpPr>
+                    <p:cNvPr id="5" name="Rounded Rectangle 4"/>
+                    <p:cNvSpPr/>
+                    <p:nvPr/>
+                  </p:nvSpPr>
+                  <p:spPr>
+                    <a:xfrm>
+                      <a:off x="5261715" y="3376613"/>
+                      <a:ext cx="1460500" cy="809625"/>
+                    </a:xfrm>
+                    <a:prstGeom prst="roundRect">
+                      <a:avLst/>
+                    </a:prstGeom>
+                  </p:spPr>
+                  <p:style>
+                    <a:lnRef idx="1">
+                      <a:schemeClr val="accent6"/>
+                    </a:lnRef>
+                    <a:fillRef idx="2">
+                      <a:schemeClr val="accent6"/>
+                    </a:fillRef>
+                    <a:effectRef idx="1">
+                      <a:schemeClr val="accent6"/>
+                    </a:effectRef>
+                    <a:fontRef idx="minor">
+                      <a:schemeClr val="dk1"/>
+                    </a:fontRef>
+                  </p:style>
+                  <p:txBody>
+                    <a:bodyPr rtlCol="0" anchor="ctr"/>
+                    <a:lstStyle/>
+                    <a:p>
+                      <a:pPr algn="ctr"/>
+                      <a:r>
+                        <a:rPr lang="en-US" b="1" dirty="0" smtClean="0"/>
+                        <a:t>Pattern </a:t>
+                      </a:r>
+                      <a:r>
+                        <a:rPr lang="en-US" b="1" dirty="0" smtClean="0"/>
+                        <a:t>Extractor</a:t>
+                      </a:r>
+                      <a:endParaRPr lang="en-US" b="1" dirty="0"/>
+                    </a:p>
+                  </p:txBody>
+                </p:sp>
+                <p:sp>
+                  <p:nvSpPr>
+                    <p:cNvPr id="6" name="Rounded Rectangle 5"/>
+                    <p:cNvSpPr/>
+                    <p:nvPr/>
+                  </p:nvSpPr>
+                  <p:spPr>
+                    <a:xfrm>
+                      <a:off x="5261715" y="571493"/>
+                      <a:ext cx="1460500" cy="809625"/>
+                    </a:xfrm>
+                    <a:prstGeom prst="roundRect">
+                      <a:avLst/>
+                    </a:prstGeom>
+                  </p:spPr>
+                  <p:style>
+                    <a:lnRef idx="1">
+                      <a:schemeClr val="accent6"/>
+                    </a:lnRef>
+                    <a:fillRef idx="2">
+                      <a:schemeClr val="accent6"/>
+                    </a:fillRef>
+                    <a:effectRef idx="1">
+                      <a:schemeClr val="accent6"/>
+                    </a:effectRef>
+                    <a:fontRef idx="minor">
+                      <a:schemeClr val="dk1"/>
+                    </a:fontRef>
+                  </p:style>
+                  <p:txBody>
+                    <a:bodyPr rtlCol="0" anchor="ctr"/>
+                    <a:lstStyle/>
+                    <a:p>
+                      <a:pPr algn="ctr"/>
+                      <a:r>
+                        <a:rPr lang="en-US" b="1" dirty="0"/>
+                        <a:t>Sentence Classifier</a:t>
+                      </a:r>
+                      <a:endParaRPr lang="en-US" b="1" dirty="0"/>
+                    </a:p>
+                  </p:txBody>
+                </p:sp>
+                <p:sp>
+                  <p:nvSpPr>
+                    <p:cNvPr id="7" name="Rounded Rectangle 6"/>
+                    <p:cNvSpPr/>
+                    <p:nvPr/>
+                  </p:nvSpPr>
+                  <p:spPr>
+                    <a:xfrm>
+                      <a:off x="3051173" y="3376613"/>
+                      <a:ext cx="1460500" cy="809625"/>
+                    </a:xfrm>
+                    <a:prstGeom prst="roundRect">
+                      <a:avLst/>
+                    </a:prstGeom>
+                  </p:spPr>
+                  <p:style>
+                    <a:lnRef idx="1">
+                      <a:schemeClr val="accent6"/>
+                    </a:lnRef>
+                    <a:fillRef idx="2">
+                      <a:schemeClr val="accent6"/>
+                    </a:fillRef>
+                    <a:effectRef idx="1">
+                      <a:schemeClr val="accent6"/>
+                    </a:effectRef>
+                    <a:fontRef idx="minor">
+                      <a:schemeClr val="dk1"/>
+                    </a:fontRef>
+                  </p:style>
+                  <p:txBody>
+                    <a:bodyPr rtlCol="0" anchor="ctr"/>
+                    <a:lstStyle/>
+                    <a:p>
+                      <a:pPr algn="ctr"/>
+                      <a:r>
+                        <a:rPr lang="en-US" b="1" dirty="0" smtClean="0"/>
+                        <a:t>Joint</a:t>
+                      </a:r>
+                      <a:endParaRPr lang="en-US" b="1" dirty="0" smtClean="0"/>
+                    </a:p>
+                    <a:p>
+                      <a:pPr algn="ctr"/>
+                      <a:r>
+                        <a:rPr lang="en-US" b="1" dirty="0"/>
+                        <a:t>Inference</a:t>
+                      </a:r>
+                      <a:endParaRPr lang="en-US" b="1" dirty="0"/>
+                    </a:p>
+                  </p:txBody>
+                </p:sp>
+                <p:sp>
+                  <p:nvSpPr>
+                    <p:cNvPr id="8" name="Rounded Rectangle 7"/>
+                    <p:cNvSpPr/>
+                    <p:nvPr/>
+                  </p:nvSpPr>
+                  <p:spPr>
+                    <a:xfrm>
+                      <a:off x="682619" y="2096024"/>
+                      <a:ext cx="1460500" cy="809625"/>
+                    </a:xfrm>
+                    <a:prstGeom prst="roundRect">
+                      <a:avLst/>
+                    </a:prstGeom>
+                  </p:spPr>
+                  <p:style>
+                    <a:lnRef idx="1">
+                      <a:schemeClr val="accent6"/>
+                    </a:lnRef>
+                    <a:fillRef idx="2">
+                      <a:schemeClr val="accent6"/>
+                    </a:fillRef>
+                    <a:effectRef idx="1">
+                      <a:schemeClr val="accent6"/>
+                    </a:effectRef>
+                    <a:fontRef idx="minor">
+                      <a:schemeClr val="dk1"/>
+                    </a:fontRef>
+                  </p:style>
+                  <p:txBody>
+                    <a:bodyPr rtlCol="0" anchor="ctr"/>
+                    <a:lstStyle/>
+                    <a:p>
+                      <a:pPr algn="ctr"/>
+                      <a:r>
+                        <a:rPr lang="en-US" b="1" dirty="0" smtClean="0"/>
+                        <a:t>Pattern Expansion</a:t>
+                      </a:r>
+                      <a:endParaRPr lang="en-US" b="1" dirty="0"/>
+                    </a:p>
+                  </p:txBody>
+                </p:sp>
+                <p:sp>
+                  <p:nvSpPr>
+                    <p:cNvPr id="9" name="Can 8"/>
+                    <p:cNvSpPr/>
+                    <p:nvPr/>
+                  </p:nvSpPr>
+                  <p:spPr>
+                    <a:xfrm>
+                      <a:off x="-3314194" y="3421648"/>
+                      <a:ext cx="1460502" cy="806795"/>
+                    </a:xfrm>
+                    <a:prstGeom prst="can">
+                      <a:avLst/>
+                    </a:prstGeom>
+                  </p:spPr>
+                  <p:style>
+                    <a:lnRef idx="1">
+                      <a:schemeClr val="dk1"/>
+                    </a:lnRef>
+                    <a:fillRef idx="2">
+                      <a:schemeClr val="dk1"/>
+                    </a:fillRef>
+                    <a:effectRef idx="1">
+                      <a:schemeClr val="dk1"/>
+                    </a:effectRef>
+                    <a:fontRef idx="minor">
+                      <a:schemeClr val="dk1"/>
+                    </a:fontRef>
+                  </p:style>
+                  <p:txBody>
+                    <a:bodyPr rtlCol="0" anchor="ctr"/>
+                    <a:lstStyle/>
+                    <a:p>
+                      <a:pPr algn="ctr"/>
+                      <a:r>
+                        <a:rPr lang="en-US" b="1" dirty="0" smtClean="0"/>
+                        <a:t>Process KB</a:t>
+                      </a:r>
+                      <a:endParaRPr lang="en-US" b="1" dirty="0"/>
+                    </a:p>
+                  </p:txBody>
+                </p:sp>
+                <p:cxnSp>
+                  <p:nvCxnSpPr>
+                    <p:cNvPr id="10" name="Straight Arrow Connector 9"/>
+                    <p:cNvCxnSpPr>
+                      <a:stCxn id="3" idx="3"/>
+                      <a:endCxn id="4" idx="1"/>
+                    </p:cNvCxnSpPr>
+                    <p:nvPr/>
+                  </p:nvCxnSpPr>
+                  <p:spPr>
+                    <a:xfrm>
+                      <a:off x="1082215" y="976306"/>
+                      <a:ext cx="1238708" cy="0"/>
+                    </a:xfrm>
+                    <a:prstGeom prst="straightConnector1">
+                      <a:avLst/>
+                    </a:prstGeom>
+                    <a:ln w="38100" cmpd="sng">
+                      <a:tailEnd type="arrow"/>
+                    </a:ln>
+                  </p:spPr>
+                  <p:style>
+                    <a:lnRef idx="1">
+                      <a:schemeClr val="accent6"/>
+                    </a:lnRef>
+                    <a:fillRef idx="2">
+                      <a:schemeClr val="accent6"/>
+                    </a:fillRef>
+                    <a:effectRef idx="1">
+                      <a:schemeClr val="accent6"/>
+                    </a:effectRef>
+                    <a:fontRef idx="minor">
+                      <a:schemeClr val="dk1"/>
+                    </a:fontRef>
+                  </p:style>
+                </p:cxnSp>
+                <p:cxnSp>
+                  <p:nvCxnSpPr>
+                    <p:cNvPr id="11" name="Straight Arrow Connector 10"/>
+                    <p:cNvCxnSpPr/>
+                    <p:nvPr/>
+                  </p:nvCxnSpPr>
+                  <p:spPr>
+                    <a:xfrm>
+                      <a:off x="3781423" y="976306"/>
+                      <a:ext cx="1480292" cy="0"/>
+                    </a:xfrm>
+                    <a:prstGeom prst="straightConnector1">
+                      <a:avLst/>
+                    </a:prstGeom>
+                    <a:ln w="38100" cmpd="sng">
+                      <a:tailEnd type="arrow"/>
+                    </a:ln>
+                  </p:spPr>
+                  <p:style>
+                    <a:lnRef idx="1">
+                      <a:schemeClr val="accent6"/>
+                    </a:lnRef>
+                    <a:fillRef idx="2">
+                      <a:schemeClr val="accent6"/>
+                    </a:fillRef>
+                    <a:effectRef idx="1">
+                      <a:schemeClr val="accent6"/>
+                    </a:effectRef>
+                    <a:fontRef idx="minor">
+                      <a:schemeClr val="dk1"/>
+                    </a:fontRef>
+                  </p:style>
+                </p:cxnSp>
+                <p:cxnSp>
+                  <p:nvCxnSpPr>
+                    <p:cNvPr id="14" name="Straight Arrow Connector 13"/>
+                    <p:cNvCxnSpPr>
+                      <a:stCxn id="50" idx="0"/>
+                      <a:endCxn id="3" idx="2"/>
+                    </p:cNvCxnSpPr>
+                    <p:nvPr/>
+                  </p:nvCxnSpPr>
+                  <p:spPr>
+                    <a:xfrm flipV="1">
+                      <a:off x="-555630" y="1381118"/>
+                      <a:ext cx="907595" cy="695197"/>
+                    </a:xfrm>
+                    <a:prstGeom prst="straightConnector1">
+                      <a:avLst/>
+                    </a:prstGeom>
+                    <a:ln w="38100" cmpd="sng">
+                      <a:tailEnd type="arrow"/>
+                    </a:ln>
+                  </p:spPr>
+                  <p:style>
+                    <a:lnRef idx="1">
+                      <a:schemeClr val="accent6"/>
+                    </a:lnRef>
+                    <a:fillRef idx="2">
+                      <a:schemeClr val="accent6"/>
+                    </a:fillRef>
+                    <a:effectRef idx="1">
+                      <a:schemeClr val="accent6"/>
+                    </a:effectRef>
+                    <a:fontRef idx="minor">
+                      <a:schemeClr val="dk1"/>
+                    </a:fontRef>
+                  </p:style>
+                </p:cxnSp>
+                <p:cxnSp>
+                  <p:nvCxnSpPr>
+                    <p:cNvPr id="15" name="Straight Arrow Connector 14"/>
+                    <p:cNvCxnSpPr/>
+                    <p:nvPr/>
+                  </p:nvCxnSpPr>
+                  <p:spPr>
+                    <a:xfrm>
+                      <a:off x="5991965" y="1381118"/>
+                      <a:ext cx="0" cy="1995495"/>
+                    </a:xfrm>
+                    <a:prstGeom prst="straightConnector1">
+                      <a:avLst/>
+                    </a:prstGeom>
+                    <a:ln w="38100" cmpd="sng">
+                      <a:tailEnd type="arrow"/>
+                    </a:ln>
+                  </p:spPr>
+                  <p:style>
+                    <a:lnRef idx="1">
+                      <a:schemeClr val="accent6"/>
+                    </a:lnRef>
+                    <a:fillRef idx="2">
+                      <a:schemeClr val="accent6"/>
+                    </a:fillRef>
+                    <a:effectRef idx="1">
+                      <a:schemeClr val="accent6"/>
+                    </a:effectRef>
+                    <a:fontRef idx="minor">
+                      <a:schemeClr val="dk1"/>
+                    </a:fontRef>
+                  </p:style>
+                </p:cxnSp>
+                <p:cxnSp>
+                  <p:nvCxnSpPr>
+                    <p:cNvPr id="16" name="Straight Arrow Connector 15"/>
+                    <p:cNvCxnSpPr>
+                      <a:stCxn id="7" idx="1"/>
+                      <a:endCxn id="65" idx="3"/>
+                    </p:cNvCxnSpPr>
+                    <p:nvPr/>
+                  </p:nvCxnSpPr>
+                  <p:spPr>
+                    <a:xfrm flipH="1">
+                      <a:off x="1082215" y="3781426"/>
+                      <a:ext cx="1968958" cy="0"/>
+                    </a:xfrm>
+                    <a:prstGeom prst="straightConnector1">
+                      <a:avLst/>
+                    </a:prstGeom>
+                    <a:ln w="38100" cmpd="sng">
+                      <a:tailEnd type="arrow"/>
+                    </a:ln>
+                  </p:spPr>
+                  <p:style>
+                    <a:lnRef idx="1">
+                      <a:schemeClr val="accent6"/>
+                    </a:lnRef>
+                    <a:fillRef idx="2">
+                      <a:schemeClr val="accent6"/>
+                    </a:fillRef>
+                    <a:effectRef idx="1">
+                      <a:schemeClr val="accent6"/>
+                    </a:effectRef>
+                    <a:fontRef idx="minor">
+                      <a:schemeClr val="dk1"/>
+                    </a:fontRef>
+                  </p:style>
+                </p:cxnSp>
+                <p:cxnSp>
+                  <p:nvCxnSpPr>
+                    <p:cNvPr id="17" name="Straight Arrow Connector 16"/>
+                    <p:cNvCxnSpPr/>
+                    <p:nvPr/>
+                  </p:nvCxnSpPr>
+                  <p:spPr>
+                    <a:xfrm flipH="1">
+                      <a:off x="4515589" y="3822687"/>
+                      <a:ext cx="746126" cy="0"/>
+                    </a:xfrm>
+                    <a:prstGeom prst="straightConnector1">
+                      <a:avLst/>
+                    </a:prstGeom>
+                    <a:ln w="38100" cmpd="sng">
+                      <a:tailEnd type="arrow"/>
+                    </a:ln>
+                  </p:spPr>
+                  <p:style>
+                    <a:lnRef idx="1">
+                      <a:schemeClr val="accent6"/>
+                    </a:lnRef>
+                    <a:fillRef idx="2">
+                      <a:schemeClr val="accent6"/>
+                    </a:fillRef>
+                    <a:effectRef idx="1">
+                      <a:schemeClr val="accent6"/>
+                    </a:effectRef>
+                    <a:fontRef idx="minor">
+                      <a:schemeClr val="dk1"/>
+                    </a:fontRef>
+                  </p:style>
+                </p:cxnSp>
+              </p:grpSp>
+              <p:sp>
+                <p:nvSpPr>
+                  <p:cNvPr id="21" name="TextBox 20"/>
+                  <p:cNvSpPr txBox="1"/>
+                  <p:nvPr/>
+                </p:nvSpPr>
+                <p:spPr>
+                  <a:xfrm>
+                    <a:off x="3755571" y="681335"/>
+                    <a:ext cx="4027715" cy="430887"/>
+                  </a:xfrm>
+                  <a:prstGeom prst="rect">
+                    <a:avLst/>
+                  </a:prstGeom>
+                  <a:noFill/>
+                </p:spPr>
+                <p:txBody>
+                  <a:bodyPr wrap="square" rtlCol="0">
+                    <a:spAutoFit/>
+                  </a:bodyPr>
+                  <a:lstStyle/>
+                  <a:p>
+                    <a:pPr algn="r"/>
+                    <a:r>
+                      <a:rPr lang="en-US" sz="2200" b="1" dirty="0" smtClean="0"/>
+                      <a:t>Sentence Gathering</a:t>
+                    </a:r>
+                    <a:endParaRPr lang="en-US" sz="2200" b="1" dirty="0"/>
+                  </a:p>
+                </p:txBody>
+              </p:sp>
+              <p:sp>
+                <p:nvSpPr>
+                  <p:cNvPr id="22" name="TextBox 21"/>
+                  <p:cNvSpPr txBox="1"/>
+                  <p:nvPr/>
+                </p:nvSpPr>
+                <p:spPr>
+                  <a:xfrm>
+                    <a:off x="3755571" y="5181646"/>
+                    <a:ext cx="4027715" cy="430887"/>
+                  </a:xfrm>
+                  <a:prstGeom prst="rect">
+                    <a:avLst/>
+                  </a:prstGeom>
+                  <a:noFill/>
+                </p:spPr>
+                <p:txBody>
+                  <a:bodyPr wrap="square" rtlCol="0">
+                    <a:spAutoFit/>
+                  </a:bodyPr>
+                  <a:lstStyle/>
+                  <a:p>
+                    <a:pPr algn="r"/>
+                    <a:r>
+                      <a:rPr lang="en-US" sz="2200" b="1" dirty="0" smtClean="0"/>
+                      <a:t>Extraction</a:t>
+                    </a:r>
+                    <a:endParaRPr lang="en-US" sz="2200" b="1" dirty="0"/>
+                  </a:p>
+                </p:txBody>
+              </p:sp>
+            </p:grpSp>
+            <p:sp>
+              <p:nvSpPr>
+                <p:cNvPr id="25" name="TextBox 24"/>
+                <p:cNvSpPr txBox="1"/>
+                <p:nvPr/>
+              </p:nvSpPr>
+              <p:spPr>
+                <a:xfrm>
+                  <a:off x="1505857" y="5189738"/>
+                  <a:ext cx="4118429" cy="430887"/>
+                </a:xfrm>
+                <a:prstGeom prst="rect">
+                  <a:avLst/>
+                </a:prstGeom>
+                <a:noFill/>
+              </p:spPr>
+              <p:txBody>
+                <a:bodyPr wrap="square" rtlCol="0">
+                  <a:spAutoFit/>
+                </a:bodyPr>
+                <a:lstStyle/>
+                <a:p>
+                  <a:r>
+                    <a:rPr lang="en-US" sz="2200" b="1" dirty="0" smtClean="0"/>
+                    <a:t>Iterative Expansion</a:t>
+                  </a:r>
+                  <a:endParaRPr lang="en-US" sz="2200" b="1" dirty="0"/>
+                </a:p>
+              </p:txBody>
+            </p:sp>
+          </p:grpSp>
+          <p:sp>
+            <p:nvSpPr>
+              <p:cNvPr id="50" name="Rounded Rectangle 49"/>
+              <p:cNvSpPr/>
+              <p:nvPr/>
+            </p:nvSpPr>
+            <p:spPr>
+              <a:xfrm>
+                <a:off x="-415023" y="2885940"/>
+                <a:ext cx="1460500" cy="809625"/>
+              </a:xfrm>
+              <a:prstGeom prst="roundRect">
+                <a:avLst/>
+              </a:prstGeom>
+            </p:spPr>
+            <p:style>
+              <a:lnRef idx="1">
+                <a:schemeClr val="accent6"/>
+              </a:lnRef>
+              <a:fillRef idx="2">
+                <a:schemeClr val="accent6"/>
+              </a:fillRef>
+              <a:effectRef idx="1">
+                <a:schemeClr val="accent6"/>
+              </a:effectRef>
+              <a:fontRef idx="minor">
+                <a:schemeClr val="dk1"/>
+              </a:fontRef>
+            </p:style>
+            <p:txBody>
+              <a:bodyPr rtlCol="0" anchor="ctr"/>
+              <a:lstStyle/>
+              <a:p>
+                <a:pPr algn="ctr"/>
+                <a:r>
+                  <a:rPr lang="en-US" b="1" dirty="0"/>
+                  <a:t>Role</a:t>
+                </a:r>
+              </a:p>
+              <a:p>
+                <a:pPr algn="ctr"/>
+                <a:r>
+                  <a:rPr lang="en-US" b="1" dirty="0" smtClean="0"/>
+                  <a:t>Expansion</a:t>
+                </a:r>
+                <a:endParaRPr lang="en-US" b="1" dirty="0"/>
+              </a:p>
+            </p:txBody>
+          </p:sp>
+          <p:cxnSp>
+            <p:nvCxnSpPr>
+              <p:cNvPr id="52" name="Straight Arrow Connector 51"/>
+              <p:cNvCxnSpPr>
+                <a:stCxn id="65" idx="1"/>
+                <a:endCxn id="9" idx="4"/>
+              </p:cNvCxnSpPr>
+              <p:nvPr/>
+            </p:nvCxnSpPr>
+            <p:spPr>
+              <a:xfrm flipH="1">
+                <a:off x="-982835" y="4591051"/>
+                <a:ext cx="1475407" cy="35528"/>
+              </a:xfrm>
+              <a:prstGeom prst="straightConnector1">
+                <a:avLst/>
+              </a:prstGeom>
+              <a:ln w="38100" cmpd="sng">
+                <a:headEnd type="arrow"/>
+                <a:tailEnd type="arrow"/>
+              </a:ln>
+            </p:spPr>
+            <p:style>
+              <a:lnRef idx="1">
+                <a:schemeClr val="accent6"/>
+              </a:lnRef>
+              <a:fillRef idx="2">
+                <a:schemeClr val="accent6"/>
+              </a:fillRef>
+              <a:effectRef idx="1">
+                <a:schemeClr val="accent6"/>
+              </a:effectRef>
+              <a:fontRef idx="minor">
+                <a:schemeClr val="dk1"/>
+              </a:fontRef>
+            </p:style>
+          </p:cxnSp>
+          <p:sp>
+            <p:nvSpPr>
+              <p:cNvPr id="65" name="Rounded Rectangle 64"/>
+              <p:cNvSpPr/>
+              <p:nvPr/>
+            </p:nvSpPr>
+            <p:spPr>
+              <a:xfrm>
+                <a:off x="492572" y="4186238"/>
+                <a:ext cx="1460500" cy="809625"/>
+              </a:xfrm>
+              <a:prstGeom prst="roundRect">
+                <a:avLst/>
+              </a:prstGeom>
+            </p:spPr>
+            <p:style>
+              <a:lnRef idx="1">
+                <a:schemeClr val="accent6"/>
+              </a:lnRef>
+              <a:fillRef idx="2">
+                <a:schemeClr val="accent6"/>
+              </a:fillRef>
+              <a:effectRef idx="1">
+                <a:schemeClr val="accent6"/>
+              </a:effectRef>
+              <a:fontRef idx="minor">
+                <a:schemeClr val="dk1"/>
+              </a:fontRef>
+            </p:style>
+            <p:txBody>
+              <a:bodyPr rtlCol="0" anchor="ctr"/>
+              <a:lstStyle/>
+              <a:p>
+                <a:pPr algn="ctr"/>
+                <a:r>
+                  <a:rPr lang="en-US" b="1" dirty="0" smtClean="0"/>
+                  <a:t>Assessment</a:t>
+                </a:r>
+                <a:endParaRPr lang="en-US" b="1" dirty="0"/>
+              </a:p>
+            </p:txBody>
+          </p:sp>
+          <p:cxnSp>
+            <p:nvCxnSpPr>
+              <p:cNvPr id="77" name="Straight Arrow Connector 76"/>
+              <p:cNvCxnSpPr>
+                <a:stCxn id="65" idx="0"/>
+              </p:cNvCxnSpPr>
+              <p:nvPr/>
+            </p:nvCxnSpPr>
+            <p:spPr>
+              <a:xfrm flipH="1" flipV="1">
+                <a:off x="284343" y="3715274"/>
+                <a:ext cx="938479" cy="470964"/>
+              </a:xfrm>
+              <a:prstGeom prst="straightConnector1">
+                <a:avLst/>
+              </a:prstGeom>
+              <a:ln w="38100" cmpd="sng">
+                <a:tailEnd type="arrow"/>
+              </a:ln>
+            </p:spPr>
+            <p:style>
+              <a:lnRef idx="1">
+                <a:schemeClr val="accent6"/>
+              </a:lnRef>
+              <a:fillRef idx="2">
+                <a:schemeClr val="accent6"/>
+              </a:fillRef>
+              <a:effectRef idx="1">
+                <a:schemeClr val="accent6"/>
+              </a:effectRef>
+              <a:fontRef idx="minor">
+                <a:schemeClr val="dk1"/>
+              </a:fontRef>
+            </p:style>
+          </p:cxnSp>
+          <p:cxnSp>
+            <p:nvCxnSpPr>
+              <p:cNvPr id="83" name="Straight Arrow Connector 82"/>
+              <p:cNvCxnSpPr>
+                <a:endCxn id="8" idx="2"/>
+              </p:cNvCxnSpPr>
+              <p:nvPr/>
+            </p:nvCxnSpPr>
+            <p:spPr>
+              <a:xfrm flipV="1">
+                <a:off x="1375223" y="3707182"/>
+                <a:ext cx="908503" cy="470964"/>
+              </a:xfrm>
+              <a:prstGeom prst="straightConnector1">
+                <a:avLst/>
+              </a:prstGeom>
+              <a:ln w="38100" cmpd="sng">
+                <a:tailEnd type="arrow"/>
+              </a:ln>
+            </p:spPr>
+            <p:style>
+              <a:lnRef idx="1">
+                <a:schemeClr val="accent6"/>
+              </a:lnRef>
+              <a:fillRef idx="2">
+                <a:schemeClr val="accent6"/>
+              </a:fillRef>
+              <a:effectRef idx="1">
+                <a:schemeClr val="accent6"/>
+              </a:effectRef>
+              <a:fontRef idx="minor">
+                <a:schemeClr val="dk1"/>
+              </a:fontRef>
+            </p:style>
+          </p:cxnSp>
+          <p:cxnSp>
+            <p:nvCxnSpPr>
+              <p:cNvPr id="87" name="Straight Arrow Connector 86"/>
+              <p:cNvCxnSpPr>
+                <a:stCxn id="8" idx="0"/>
+                <a:endCxn id="3" idx="2"/>
+              </p:cNvCxnSpPr>
+              <p:nvPr/>
+            </p:nvCxnSpPr>
+            <p:spPr>
+              <a:xfrm flipH="1" flipV="1">
+                <a:off x="1222822" y="2182651"/>
+                <a:ext cx="1060904" cy="714906"/>
+              </a:xfrm>
+              <a:prstGeom prst="straightConnector1">
+                <a:avLst/>
+              </a:prstGeom>
+              <a:ln w="38100" cmpd="sng">
+                <a:tailEnd type="arrow"/>
+              </a:ln>
+            </p:spPr>
+            <p:style>
+              <a:lnRef idx="1">
+                <a:schemeClr val="accent6"/>
+              </a:lnRef>
+              <a:fillRef idx="2">
+                <a:schemeClr val="accent6"/>
+              </a:fillRef>
+              <a:effectRef idx="1">
+                <a:schemeClr val="accent6"/>
+              </a:effectRef>
+              <a:fontRef idx="minor">
+                <a:schemeClr val="dk1"/>
+              </a:fontRef>
+            </p:style>
+          </p:cxnSp>
+        </p:grpSp>
+        <p:sp>
+          <p:nvSpPr>
+            <p:cNvPr id="91" name="Can 90"/>
+            <p:cNvSpPr/>
+            <p:nvPr/>
+          </p:nvSpPr>
+          <p:spPr>
+            <a:xfrm>
+              <a:off x="-2443337" y="1375856"/>
+              <a:ext cx="1460502" cy="806795"/>
+            </a:xfrm>
+            <a:prstGeom prst="can">
+              <a:avLst/>
+            </a:prstGeom>
+          </p:spPr>
+          <p:style>
+            <a:lnRef idx="1">
+              <a:schemeClr val="dk1"/>
+            </a:lnRef>
+            <a:fillRef idx="2">
+              <a:schemeClr val="dk1"/>
+            </a:fillRef>
+            <a:effectRef idx="1">
+              <a:schemeClr val="dk1"/>
+            </a:effectRef>
+            <a:fontRef idx="minor">
+              <a:schemeClr val="dk1"/>
+            </a:fontRef>
+          </p:style>
+          <p:txBody>
+            <a:bodyPr rtlCol="0" anchor="ctr"/>
+            <a:lstStyle/>
+            <a:p>
+              <a:pPr algn="ctr"/>
+              <a:r>
+                <a:rPr lang="en-US" b="1" dirty="0" smtClean="0"/>
+                <a:t>Target</a:t>
+              </a:r>
+            </a:p>
+            <a:p>
+              <a:pPr algn="ctr"/>
+              <a:r>
+                <a:rPr lang="en-US" b="1" dirty="0" smtClean="0"/>
+                <a:t>Processes</a:t>
+              </a:r>
+              <a:endParaRPr lang="en-US" b="1" dirty="0"/>
+            </a:p>
+          </p:txBody>
+        </p:sp>
+        <p:cxnSp>
+          <p:nvCxnSpPr>
+            <p:cNvPr id="92" name="Straight Arrow Connector 91"/>
+            <p:cNvCxnSpPr>
+              <a:endCxn id="3" idx="1"/>
+            </p:cNvCxnSpPr>
+            <p:nvPr/>
+          </p:nvCxnSpPr>
+          <p:spPr>
+            <a:xfrm>
+              <a:off x="-1034377" y="1777839"/>
+              <a:ext cx="1526949" cy="0"/>
+            </a:xfrm>
+            <a:prstGeom prst="straightConnector1">
+              <a:avLst/>
+            </a:prstGeom>
+            <a:ln w="38100" cmpd="sng">
+              <a:tailEnd type="arrow"/>
+            </a:ln>
+          </p:spPr>
+          <p:style>
+            <a:lnRef idx="1">
+              <a:schemeClr val="accent6"/>
+            </a:lnRef>
+            <a:fillRef idx="2">
+              <a:schemeClr val="accent6"/>
+            </a:fillRef>
+            <a:effectRef idx="1">
+              <a:schemeClr val="accent6"/>
+            </a:effectRef>
+            <a:fontRef idx="minor">
+              <a:schemeClr val="dk1"/>
+            </a:fontRef>
+          </p:style>
+        </p:cxnSp>
+      </p:grpSp>
+    </p:spTree>
+    <p:extLst>
+      <p:ext uri="{BB962C8B-B14F-4D97-AF65-F5344CB8AC3E}">
+        <p14:creationId xmlns:p14="http://schemas.microsoft.com/office/powerpoint/2010/main" val="1839708943"/>
+      </p:ext>
+    </p:extLst>
+  </p:cSld>
+  <p:clrMapOvr>
+    <a:masterClrMapping/>
+  </p:clrMapOvr>
+</p:sld>
+</file>
+
+<file path=ppt/slides/slide7.xml><?xml version="1.0" encoding="utf-8"?>
+<p:sld xmlns:a="http://schemas.openxmlformats.org/drawingml/2006/main" xmlns:r="http://schemas.openxmlformats.org/officeDocument/2006/relationships" xmlns:p="http://schemas.openxmlformats.org/presentationml/2006/main">
+  <p:cSld>
+    <p:spTree>
+      <p:nvGrpSpPr>
+        <p:cNvPr id="1" name=""/>
+        <p:cNvGrpSpPr/>
+        <p:nvPr/>
+      </p:nvGrpSpPr>
+      <p:grpSpPr>
+        <a:xfrm>
+          <a:off x="0" y="0"/>
+          <a:ext cx="0" cy="0"/>
+          <a:chOff x="0" y="0"/>
+          <a:chExt cx="0" cy="0"/>
+        </a:xfrm>
+      </p:grpSpPr>
+      <p:grpSp>
+        <p:nvGrpSpPr>
+          <p:cNvPr id="26" name="Group 25"/>
+          <p:cNvGrpSpPr/>
+          <p:nvPr/>
+        </p:nvGrpSpPr>
+        <p:grpSpPr>
+          <a:xfrm>
+            <a:off x="1505857" y="689427"/>
+            <a:ext cx="6277429" cy="4939290"/>
+            <a:chOff x="1505857" y="689427"/>
+            <a:chExt cx="6277429" cy="4939290"/>
+          </a:xfrm>
+        </p:grpSpPr>
+        <p:grpSp>
+          <p:nvGrpSpPr>
+            <p:cNvPr id="24" name="Group 23"/>
+            <p:cNvGrpSpPr/>
+            <p:nvPr/>
+          </p:nvGrpSpPr>
+          <p:grpSpPr>
+            <a:xfrm>
+              <a:off x="1505857" y="689427"/>
+              <a:ext cx="6277429" cy="4931198"/>
+              <a:chOff x="1505857" y="689427"/>
+              <a:chExt cx="6277429" cy="4931198"/>
+            </a:xfrm>
+          </p:grpSpPr>
+          <p:sp>
+            <p:nvSpPr>
+              <p:cNvPr id="20" name="Rectangle 19"/>
+              <p:cNvSpPr/>
+              <p:nvPr/>
+            </p:nvSpPr>
+            <p:spPr>
+              <a:xfrm>
+                <a:off x="1505857" y="1215571"/>
+                <a:ext cx="1868714" cy="3974167"/>
+              </a:xfrm>
+              <a:prstGeom prst="rect">
+                <a:avLst/>
+              </a:prstGeom>
+              <a:pattFill prst="pct5">
+                <a:fgClr>
+                  <a:prstClr val="black"/>
+                </a:fgClr>
+                <a:bgClr>
+                  <a:schemeClr val="accent6">
+                    <a:lumMod val="20000"/>
+                    <a:lumOff val="80000"/>
+                  </a:schemeClr>
+                </a:bgClr>
+              </a:pattFill>
+            </p:spPr>
+            <p:style>
+              <a:lnRef idx="2">
+                <a:schemeClr val="dk1"/>
+              </a:lnRef>
+              <a:fillRef idx="1">
+                <a:schemeClr val="lt1"/>
+              </a:fillRef>
+              <a:effectRef idx="0">
+                <a:schemeClr val="dk1"/>
+              </a:effectRef>
+              <a:fontRef idx="minor">
+                <a:schemeClr val="dk1"/>
+              </a:fontRef>
+            </p:style>
+            <p:txBody>
+              <a:bodyPr rtlCol="0" anchor="ctr"/>
+              <a:lstStyle/>
+              <a:p>
+                <a:pPr algn="ctr"/>
+                <a:endParaRPr lang="en-US"/>
+              </a:p>
+            </p:txBody>
+          </p:sp>
+          <p:sp>
+            <p:nvSpPr>
+              <p:cNvPr id="19" name="Rectangle 18"/>
+              <p:cNvSpPr/>
+              <p:nvPr/>
+            </p:nvSpPr>
+            <p:spPr>
+              <a:xfrm>
+                <a:off x="3755571" y="4010452"/>
+                <a:ext cx="4027715" cy="1179286"/>
+              </a:xfrm>
+              <a:prstGeom prst="rect">
+                <a:avLst/>
+              </a:prstGeom>
+              <a:pattFill prst="pct5">
+                <a:fgClr>
+                  <a:prstClr val="black"/>
+                </a:fgClr>
+                <a:bgClr>
+                  <a:schemeClr val="accent6">
+                    <a:lumMod val="20000"/>
+                    <a:lumOff val="80000"/>
+                  </a:schemeClr>
+                </a:bgClr>
+              </a:pattFill>
+            </p:spPr>
+            <p:style>
+              <a:lnRef idx="2">
+                <a:schemeClr val="dk1"/>
+              </a:lnRef>
+              <a:fillRef idx="1">
+                <a:schemeClr val="lt1"/>
+              </a:fillRef>
+              <a:effectRef idx="0">
+                <a:schemeClr val="dk1"/>
+              </a:effectRef>
+              <a:fontRef idx="minor">
+                <a:schemeClr val="dk1"/>
+              </a:fontRef>
+            </p:style>
+            <p:txBody>
+              <a:bodyPr rtlCol="0" anchor="ctr"/>
+              <a:lstStyle/>
+              <a:p>
+                <a:pPr algn="ctr"/>
+                <a:endParaRPr lang="en-US"/>
+              </a:p>
+            </p:txBody>
+          </p:sp>
+          <p:sp>
+            <p:nvSpPr>
+              <p:cNvPr id="18" name="Rectangle 17"/>
+              <p:cNvSpPr/>
+              <p:nvPr/>
+            </p:nvSpPr>
+            <p:spPr>
+              <a:xfrm>
+                <a:off x="3755571" y="1251857"/>
+                <a:ext cx="4027715" cy="1179286"/>
+              </a:xfrm>
+              <a:prstGeom prst="rect">
+                <a:avLst/>
+              </a:prstGeom>
+              <a:pattFill prst="pct5">
+                <a:fgClr>
+                  <a:prstClr val="black"/>
+                </a:fgClr>
+                <a:bgClr>
+                  <a:schemeClr val="accent6">
+                    <a:lumMod val="20000"/>
+                    <a:lumOff val="80000"/>
+                  </a:schemeClr>
+                </a:bgClr>
+              </a:pattFill>
+            </p:spPr>
+            <p:style>
+              <a:lnRef idx="2">
+                <a:schemeClr val="dk1"/>
+              </a:lnRef>
+              <a:fillRef idx="1">
+                <a:schemeClr val="lt1"/>
+              </a:fillRef>
+              <a:effectRef idx="0">
+                <a:schemeClr val="dk1"/>
+              </a:effectRef>
+              <a:fontRef idx="minor">
+                <a:schemeClr val="dk1"/>
+              </a:fontRef>
+            </p:style>
+            <p:txBody>
+              <a:bodyPr rtlCol="0" anchor="ctr"/>
+              <a:lstStyle/>
+              <a:p>
+                <a:pPr algn="ctr"/>
+                <a:endParaRPr lang="en-US"/>
+              </a:p>
+            </p:txBody>
+          </p:sp>
+          <p:grpSp>
+            <p:nvGrpSpPr>
+              <p:cNvPr id="2" name="Group 1"/>
+              <p:cNvGrpSpPr/>
+              <p:nvPr/>
+            </p:nvGrpSpPr>
+            <p:grpSpPr>
+              <a:xfrm>
+                <a:off x="1715404" y="1381118"/>
+                <a:ext cx="5877668" cy="3614745"/>
+                <a:chOff x="844547" y="571493"/>
+                <a:chExt cx="5877668" cy="3614745"/>
+              </a:xfrm>
+            </p:grpSpPr>
+            <p:sp>
+              <p:nvSpPr>
+                <p:cNvPr id="3" name="Rounded Rectangle 2"/>
+                <p:cNvSpPr/>
+                <p:nvPr/>
+              </p:nvSpPr>
+              <p:spPr>
+                <a:xfrm>
+                  <a:off x="844547" y="571493"/>
+                  <a:ext cx="1460500" cy="809625"/>
+                </a:xfrm>
+                <a:prstGeom prst="roundRect">
+                  <a:avLst/>
+                </a:prstGeom>
+              </p:spPr>
+              <p:style>
+                <a:lnRef idx="1">
+                  <a:schemeClr val="accent6"/>
+                </a:lnRef>
+                <a:fillRef idx="2">
+                  <a:schemeClr val="accent6"/>
+                </a:fillRef>
+                <a:effectRef idx="1">
+                  <a:schemeClr val="accent6"/>
+                </a:effectRef>
+                <a:fontRef idx="minor">
+                  <a:schemeClr val="dk1"/>
+                </a:fontRef>
+              </p:style>
+              <p:txBody>
+                <a:bodyPr rtlCol="0" anchor="ctr"/>
+                <a:lstStyle/>
+                <a:p>
+                  <a:pPr algn="ctr"/>
+                  <a:r>
+                    <a:rPr lang="en-US" b="1" dirty="0"/>
+                    <a:t>Role Query Generator</a:t>
+                  </a:r>
+                  <a:endParaRPr lang="en-US" b="1" dirty="0"/>
+                </a:p>
+              </p:txBody>
+            </p:sp>
+            <p:sp>
+              <p:nvSpPr>
+                <p:cNvPr id="4" name="Rounded Rectangle 3"/>
+                <p:cNvSpPr/>
+                <p:nvPr/>
+              </p:nvSpPr>
+              <p:spPr>
+                <a:xfrm>
+                  <a:off x="3051173" y="571493"/>
+                  <a:ext cx="1460500" cy="809625"/>
+                </a:xfrm>
+                <a:prstGeom prst="roundRect">
+                  <a:avLst/>
+                </a:prstGeom>
+              </p:spPr>
+              <p:style>
+                <a:lnRef idx="1">
+                  <a:schemeClr val="accent6"/>
+                </a:lnRef>
+                <a:fillRef idx="2">
+                  <a:schemeClr val="accent6"/>
+                </a:fillRef>
+                <a:effectRef idx="1">
+                  <a:schemeClr val="accent6"/>
+                </a:effectRef>
+                <a:fontRef idx="minor">
+                  <a:schemeClr val="dk1"/>
+                </a:fontRef>
+              </p:style>
+              <p:txBody>
+                <a:bodyPr rtlCol="0" anchor="ctr"/>
+                <a:lstStyle/>
+                <a:p>
+                  <a:pPr algn="ctr"/>
+                  <a:r>
+                    <a:rPr lang="en-US" b="1" dirty="0"/>
+                    <a:t>Web Search</a:t>
+                  </a:r>
+                  <a:endParaRPr lang="en-US" b="1" dirty="0"/>
+                </a:p>
+              </p:txBody>
+            </p:sp>
+            <p:sp>
+              <p:nvSpPr>
+                <p:cNvPr id="5" name="Rounded Rectangle 4"/>
+                <p:cNvSpPr/>
+                <p:nvPr/>
+              </p:nvSpPr>
+              <p:spPr>
+                <a:xfrm>
+                  <a:off x="5261715" y="3376613"/>
+                  <a:ext cx="1460500" cy="809625"/>
+                </a:xfrm>
+                <a:prstGeom prst="roundRect">
+                  <a:avLst/>
+                </a:prstGeom>
+              </p:spPr>
+              <p:style>
+                <a:lnRef idx="1">
+                  <a:schemeClr val="accent6"/>
+                </a:lnRef>
+                <a:fillRef idx="2">
+                  <a:schemeClr val="accent6"/>
+                </a:fillRef>
+                <a:effectRef idx="1">
+                  <a:schemeClr val="accent6"/>
+                </a:effectRef>
+                <a:fontRef idx="minor">
+                  <a:schemeClr val="dk1"/>
+                </a:fontRef>
+              </p:style>
+              <p:txBody>
+                <a:bodyPr rtlCol="0" anchor="ctr"/>
+                <a:lstStyle/>
+                <a:p>
+                  <a:pPr algn="ctr"/>
+                  <a:r>
+                    <a:rPr lang="en-US" b="1" dirty="0" smtClean="0"/>
+                    <a:t>Pattern </a:t>
+                  </a:r>
+                  <a:r>
+                    <a:rPr lang="en-US" b="1" dirty="0" smtClean="0"/>
+                    <a:t>Extractor</a:t>
+                  </a:r>
+                  <a:endParaRPr lang="en-US" b="1" dirty="0"/>
+                </a:p>
+              </p:txBody>
+            </p:sp>
+            <p:sp>
+              <p:nvSpPr>
+                <p:cNvPr id="6" name="Rounded Rectangle 5"/>
+                <p:cNvSpPr/>
+                <p:nvPr/>
+              </p:nvSpPr>
+              <p:spPr>
+                <a:xfrm>
+                  <a:off x="5261715" y="571493"/>
+                  <a:ext cx="1460500" cy="809625"/>
+                </a:xfrm>
+                <a:prstGeom prst="roundRect">
+                  <a:avLst/>
+                </a:prstGeom>
+              </p:spPr>
+              <p:style>
+                <a:lnRef idx="1">
+                  <a:schemeClr val="accent6"/>
+                </a:lnRef>
+                <a:fillRef idx="2">
+                  <a:schemeClr val="accent6"/>
+                </a:fillRef>
+                <a:effectRef idx="1">
+                  <a:schemeClr val="accent6"/>
+                </a:effectRef>
+                <a:fontRef idx="minor">
+                  <a:schemeClr val="dk1"/>
+                </a:fontRef>
+              </p:style>
+              <p:txBody>
+                <a:bodyPr rtlCol="0" anchor="ctr"/>
+                <a:lstStyle/>
+                <a:p>
+                  <a:pPr algn="ctr"/>
+                  <a:r>
+                    <a:rPr lang="en-US" b="1" dirty="0"/>
+                    <a:t>Sentence Classifier</a:t>
+                  </a:r>
+                  <a:endParaRPr lang="en-US" b="1" dirty="0"/>
+                </a:p>
+              </p:txBody>
+            </p:sp>
+            <p:sp>
+              <p:nvSpPr>
+                <p:cNvPr id="7" name="Rounded Rectangle 6"/>
+                <p:cNvSpPr/>
+                <p:nvPr/>
+              </p:nvSpPr>
+              <p:spPr>
+                <a:xfrm>
+                  <a:off x="3051173" y="3376613"/>
+                  <a:ext cx="1460500" cy="809625"/>
+                </a:xfrm>
+                <a:prstGeom prst="roundRect">
+                  <a:avLst/>
+                </a:prstGeom>
+              </p:spPr>
+              <p:style>
+                <a:lnRef idx="1">
+                  <a:schemeClr val="accent6"/>
+                </a:lnRef>
+                <a:fillRef idx="2">
+                  <a:schemeClr val="accent6"/>
+                </a:fillRef>
+                <a:effectRef idx="1">
+                  <a:schemeClr val="accent6"/>
+                </a:effectRef>
+                <a:fontRef idx="minor">
+                  <a:schemeClr val="dk1"/>
+                </a:fontRef>
+              </p:style>
+              <p:txBody>
+                <a:bodyPr rtlCol="0" anchor="ctr"/>
+                <a:lstStyle/>
+                <a:p>
+                  <a:pPr algn="ctr"/>
+                  <a:r>
+                    <a:rPr lang="en-US" b="1" dirty="0" smtClean="0"/>
+                    <a:t>Joint</a:t>
+                  </a:r>
+                  <a:endParaRPr lang="en-US" b="1" dirty="0" smtClean="0"/>
+                </a:p>
+                <a:p>
+                  <a:pPr algn="ctr"/>
+                  <a:r>
+                    <a:rPr lang="en-US" b="1" dirty="0"/>
+                    <a:t>Inference</a:t>
+                  </a:r>
+                  <a:endParaRPr lang="en-US" b="1" dirty="0"/>
+                </a:p>
+              </p:txBody>
+            </p:sp>
+            <p:sp>
+              <p:nvSpPr>
+                <p:cNvPr id="8" name="Rounded Rectangle 7"/>
+                <p:cNvSpPr/>
+                <p:nvPr/>
+              </p:nvSpPr>
+              <p:spPr>
+                <a:xfrm>
+                  <a:off x="844547" y="3376613"/>
+                  <a:ext cx="1460500" cy="809625"/>
+                </a:xfrm>
+                <a:prstGeom prst="roundRect">
+                  <a:avLst/>
+                </a:prstGeom>
+              </p:spPr>
+              <p:style>
+                <a:lnRef idx="1">
+                  <a:schemeClr val="accent6"/>
+                </a:lnRef>
+                <a:fillRef idx="2">
+                  <a:schemeClr val="accent6"/>
+                </a:fillRef>
+                <a:effectRef idx="1">
+                  <a:schemeClr val="accent6"/>
+                </a:effectRef>
+                <a:fontRef idx="minor">
+                  <a:schemeClr val="dk1"/>
+                </a:fontRef>
+              </p:style>
+              <p:txBody>
+                <a:bodyPr rtlCol="0" anchor="ctr"/>
+                <a:lstStyle/>
+                <a:p>
+                  <a:pPr algn="ctr"/>
+                  <a:r>
+                    <a:rPr lang="en-US" b="1" dirty="0"/>
+                    <a:t>Role</a:t>
+                  </a:r>
+                </a:p>
+                <a:p>
+                  <a:pPr algn="ctr"/>
+                  <a:r>
+                    <a:rPr lang="en-US" b="1" dirty="0"/>
+                    <a:t>Assessor</a:t>
+                  </a:r>
+                  <a:endParaRPr lang="en-US" b="1" dirty="0"/>
+                </a:p>
+              </p:txBody>
+            </p:sp>
+            <p:sp>
+              <p:nvSpPr>
+                <p:cNvPr id="9" name="Can 8"/>
+                <p:cNvSpPr/>
+                <p:nvPr/>
+              </p:nvSpPr>
+              <p:spPr>
+                <a:xfrm>
+                  <a:off x="3051173" y="1995488"/>
+                  <a:ext cx="1460502" cy="806795"/>
+                </a:xfrm>
+                <a:prstGeom prst="can">
+                  <a:avLst/>
+                </a:prstGeom>
+              </p:spPr>
+              <p:style>
+                <a:lnRef idx="1">
+                  <a:schemeClr val="accent6"/>
+                </a:lnRef>
+                <a:fillRef idx="2">
+                  <a:schemeClr val="accent6"/>
+                </a:fillRef>
+                <a:effectRef idx="1">
+                  <a:schemeClr val="accent6"/>
+                </a:effectRef>
+                <a:fontRef idx="minor">
+                  <a:schemeClr val="dk1"/>
+                </a:fontRef>
+              </p:style>
+              <p:txBody>
+                <a:bodyPr rtlCol="0" anchor="ctr"/>
+                <a:lstStyle/>
+                <a:p>
+                  <a:pPr algn="ctr"/>
+                  <a:r>
+                    <a:rPr lang="en-US" b="1" dirty="0" smtClean="0"/>
+                    <a:t>Process KB</a:t>
+                  </a:r>
+                  <a:endParaRPr lang="en-US" b="1" dirty="0"/>
+                </a:p>
+              </p:txBody>
+            </p:sp>
+            <p:cxnSp>
+              <p:nvCxnSpPr>
+                <p:cNvPr id="10" name="Straight Arrow Connector 9"/>
+                <p:cNvCxnSpPr>
+                  <a:stCxn id="3" idx="3"/>
+                  <a:endCxn id="4" idx="1"/>
+                </p:cNvCxnSpPr>
+                <p:nvPr/>
+              </p:nvCxnSpPr>
+              <p:spPr>
+                <a:xfrm>
+                  <a:off x="2305047" y="976306"/>
+                  <a:ext cx="746126" cy="0"/>
+                </a:xfrm>
+                <a:prstGeom prst="straightConnector1">
+                  <a:avLst/>
+                </a:prstGeom>
+                <a:ln w="38100" cmpd="sng">
+                  <a:tailEnd type="arrow"/>
+                </a:ln>
+              </p:spPr>
+              <p:style>
+                <a:lnRef idx="1">
+                  <a:schemeClr val="accent6"/>
+                </a:lnRef>
+                <a:fillRef idx="2">
+                  <a:schemeClr val="accent6"/>
+                </a:fillRef>
+                <a:effectRef idx="1">
+                  <a:schemeClr val="accent6"/>
+                </a:effectRef>
+                <a:fontRef idx="minor">
+                  <a:schemeClr val="dk1"/>
+                </a:fontRef>
+              </p:style>
+            </p:cxnSp>
+            <p:cxnSp>
+              <p:nvCxnSpPr>
+                <p:cNvPr id="11" name="Straight Arrow Connector 10"/>
+                <p:cNvCxnSpPr/>
+                <p:nvPr/>
+              </p:nvCxnSpPr>
+              <p:spPr>
+                <a:xfrm>
+                  <a:off x="4515589" y="976306"/>
+                  <a:ext cx="746126" cy="0"/>
+                </a:xfrm>
+                <a:prstGeom prst="straightConnector1">
+                  <a:avLst/>
+                </a:prstGeom>
+                <a:ln w="38100" cmpd="sng">
+                  <a:tailEnd type="arrow"/>
+                </a:ln>
+              </p:spPr>
+              <p:style>
+                <a:lnRef idx="1">
+                  <a:schemeClr val="accent6"/>
+                </a:lnRef>
+                <a:fillRef idx="2">
+                  <a:schemeClr val="accent6"/>
+                </a:fillRef>
+                <a:effectRef idx="1">
+                  <a:schemeClr val="accent6"/>
+                </a:effectRef>
+                <a:fontRef idx="minor">
+                  <a:schemeClr val="dk1"/>
+                </a:fontRef>
+              </p:style>
+            </p:cxnSp>
+            <p:cxnSp>
+              <p:nvCxnSpPr>
+                <p:cNvPr id="12" name="Straight Arrow Connector 11"/>
+                <p:cNvCxnSpPr/>
+                <p:nvPr/>
+              </p:nvCxnSpPr>
+              <p:spPr>
+                <a:xfrm flipH="1" flipV="1">
+                  <a:off x="2273297" y="1365243"/>
+                  <a:ext cx="746126" cy="730257"/>
+                </a:xfrm>
+                <a:prstGeom prst="straightConnector1">
+                  <a:avLst/>
+                </a:prstGeom>
+                <a:ln w="38100" cmpd="sng">
+                  <a:tailEnd type="arrow"/>
+                </a:ln>
+              </p:spPr>
+              <p:style>
+                <a:lnRef idx="1">
+                  <a:schemeClr val="accent6"/>
+                </a:lnRef>
+                <a:fillRef idx="2">
+                  <a:schemeClr val="accent6"/>
+                </a:fillRef>
+                <a:effectRef idx="1">
+                  <a:schemeClr val="accent6"/>
+                </a:effectRef>
+                <a:fontRef idx="minor">
+                  <a:schemeClr val="dk1"/>
+                </a:fontRef>
+              </p:style>
+            </p:cxnSp>
+            <p:cxnSp>
+              <p:nvCxnSpPr>
+                <p:cNvPr id="13" name="Straight Arrow Connector 12"/>
+                <p:cNvCxnSpPr/>
+                <p:nvPr/>
+              </p:nvCxnSpPr>
+              <p:spPr>
+                <a:xfrm flipV="1">
+                  <a:off x="2273297" y="2646356"/>
+                  <a:ext cx="746126" cy="730257"/>
+                </a:xfrm>
+                <a:prstGeom prst="straightConnector1">
+                  <a:avLst/>
+                </a:prstGeom>
+                <a:ln w="38100" cmpd="sng">
+                  <a:tailEnd type="arrow"/>
+                </a:ln>
+              </p:spPr>
+              <p:style>
+                <a:lnRef idx="1">
+                  <a:schemeClr val="accent6"/>
+                </a:lnRef>
+                <a:fillRef idx="2">
+                  <a:schemeClr val="accent6"/>
+                </a:fillRef>
+                <a:effectRef idx="1">
+                  <a:schemeClr val="accent6"/>
+                </a:effectRef>
+                <a:fontRef idx="minor">
+                  <a:schemeClr val="dk1"/>
+                </a:fontRef>
+              </p:style>
+            </p:cxnSp>
+            <p:cxnSp>
+              <p:nvCxnSpPr>
+                <p:cNvPr id="14" name="Straight Arrow Connector 13"/>
+                <p:cNvCxnSpPr>
+                  <a:stCxn id="8" idx="0"/>
+                  <a:endCxn id="3" idx="2"/>
+                </p:cNvCxnSpPr>
+                <p:nvPr/>
+              </p:nvCxnSpPr>
+              <p:spPr>
+                <a:xfrm flipV="1">
+                  <a:off x="1574797" y="1381118"/>
+                  <a:ext cx="0" cy="1995495"/>
+                </a:xfrm>
+                <a:prstGeom prst="straightConnector1">
+                  <a:avLst/>
+                </a:prstGeom>
+                <a:ln w="38100" cmpd="sng">
+                  <a:tailEnd type="arrow"/>
+                </a:ln>
+              </p:spPr>
+              <p:style>
+                <a:lnRef idx="1">
+                  <a:schemeClr val="accent6"/>
+                </a:lnRef>
+                <a:fillRef idx="2">
+                  <a:schemeClr val="accent6"/>
+                </a:fillRef>
+                <a:effectRef idx="1">
+                  <a:schemeClr val="accent6"/>
+                </a:effectRef>
+                <a:fontRef idx="minor">
+                  <a:schemeClr val="dk1"/>
+                </a:fontRef>
+              </p:style>
+            </p:cxnSp>
+            <p:cxnSp>
+              <p:nvCxnSpPr>
+                <p:cNvPr id="15" name="Straight Arrow Connector 14"/>
+                <p:cNvCxnSpPr/>
+                <p:nvPr/>
+              </p:nvCxnSpPr>
+              <p:spPr>
+                <a:xfrm>
+                  <a:off x="5991965" y="1381118"/>
+                  <a:ext cx="0" cy="1995495"/>
+                </a:xfrm>
+                <a:prstGeom prst="straightConnector1">
+                  <a:avLst/>
+                </a:prstGeom>
+                <a:ln w="38100" cmpd="sng">
+                  <a:tailEnd type="arrow"/>
+                </a:ln>
+              </p:spPr>
+              <p:style>
+                <a:lnRef idx="1">
+                  <a:schemeClr val="accent6"/>
+                </a:lnRef>
+                <a:fillRef idx="2">
+                  <a:schemeClr val="accent6"/>
+                </a:fillRef>
+                <a:effectRef idx="1">
+                  <a:schemeClr val="accent6"/>
+                </a:effectRef>
+                <a:fontRef idx="minor">
+                  <a:schemeClr val="dk1"/>
+                </a:fontRef>
+              </p:style>
+            </p:cxnSp>
+            <p:cxnSp>
+              <p:nvCxnSpPr>
+                <p:cNvPr id="16" name="Straight Arrow Connector 15"/>
+                <p:cNvCxnSpPr/>
+                <p:nvPr/>
+              </p:nvCxnSpPr>
+              <p:spPr>
+                <a:xfrm flipH="1">
+                  <a:off x="2305047" y="3827456"/>
+                  <a:ext cx="746126" cy="0"/>
+                </a:xfrm>
+                <a:prstGeom prst="straightConnector1">
+                  <a:avLst/>
+                </a:prstGeom>
+                <a:ln w="38100" cmpd="sng">
+                  <a:tailEnd type="arrow"/>
+                </a:ln>
+              </p:spPr>
+              <p:style>
+                <a:lnRef idx="1">
+                  <a:schemeClr val="accent6"/>
+                </a:lnRef>
+                <a:fillRef idx="2">
+                  <a:schemeClr val="accent6"/>
+                </a:fillRef>
+                <a:effectRef idx="1">
+                  <a:schemeClr val="accent6"/>
+                </a:effectRef>
+                <a:fontRef idx="minor">
+                  <a:schemeClr val="dk1"/>
+                </a:fontRef>
+              </p:style>
+            </p:cxnSp>
+            <p:cxnSp>
+              <p:nvCxnSpPr>
+                <p:cNvPr id="17" name="Straight Arrow Connector 16"/>
+                <p:cNvCxnSpPr/>
+                <p:nvPr/>
+              </p:nvCxnSpPr>
+              <p:spPr>
+                <a:xfrm flipH="1">
+                  <a:off x="4515589" y="3822687"/>
+                  <a:ext cx="746126" cy="0"/>
+                </a:xfrm>
+                <a:prstGeom prst="straightConnector1">
+                  <a:avLst/>
+                </a:prstGeom>
+                <a:ln w="38100" cmpd="sng">
+                  <a:tailEnd type="arrow"/>
+                </a:ln>
+              </p:spPr>
+              <p:style>
+                <a:lnRef idx="1">
+                  <a:schemeClr val="accent6"/>
+                </a:lnRef>
+                <a:fillRef idx="2">
+                  <a:schemeClr val="accent6"/>
+                </a:fillRef>
+                <a:effectRef idx="1">
+                  <a:schemeClr val="accent6"/>
+                </a:effectRef>
+                <a:fontRef idx="minor">
+                  <a:schemeClr val="dk1"/>
+                </a:fontRef>
+              </p:style>
+            </p:cxnSp>
+          </p:grpSp>
+          <p:sp>
+            <p:nvSpPr>
+              <p:cNvPr id="21" name="TextBox 20"/>
+              <p:cNvSpPr txBox="1"/>
+              <p:nvPr/>
+            </p:nvSpPr>
+            <p:spPr>
+              <a:xfrm>
+                <a:off x="3755571" y="689427"/>
+                <a:ext cx="4027715" cy="430887"/>
+              </a:xfrm>
+              <a:prstGeom prst="rect">
+                <a:avLst/>
+              </a:prstGeom>
+              <a:noFill/>
+            </p:spPr>
+            <p:txBody>
+              <a:bodyPr wrap="square" rtlCol="0">
+                <a:spAutoFit/>
+              </a:bodyPr>
+              <a:lstStyle/>
+              <a:p>
+                <a:pPr algn="r"/>
+                <a:r>
+                  <a:rPr lang="en-US" sz="2200" b="1" dirty="0" smtClean="0"/>
+                  <a:t>Sentence Gathering</a:t>
+                </a:r>
+                <a:endParaRPr lang="en-US" sz="2200" b="1" dirty="0"/>
+              </a:p>
+            </p:txBody>
+          </p:sp>
+          <p:sp>
+            <p:nvSpPr>
+              <p:cNvPr id="22" name="TextBox 21"/>
+              <p:cNvSpPr txBox="1"/>
+              <p:nvPr/>
+            </p:nvSpPr>
+            <p:spPr>
+              <a:xfrm>
+                <a:off x="3755571" y="5189738"/>
+                <a:ext cx="4027715" cy="430887"/>
+              </a:xfrm>
+              <a:prstGeom prst="rect">
+                <a:avLst/>
+              </a:prstGeom>
+              <a:noFill/>
+            </p:spPr>
+            <p:txBody>
+              <a:bodyPr wrap="square" rtlCol="0">
+                <a:spAutoFit/>
+              </a:bodyPr>
+              <a:lstStyle/>
+              <a:p>
+                <a:pPr algn="r"/>
+                <a:r>
+                  <a:rPr lang="en-US" sz="2200" b="1" dirty="0" smtClean="0"/>
+                  <a:t>Extraction</a:t>
+                </a:r>
+                <a:endParaRPr lang="en-US" sz="2200" b="1" dirty="0"/>
+              </a:p>
+            </p:txBody>
+          </p:sp>
+        </p:grpSp>
+        <p:sp>
+          <p:nvSpPr>
+            <p:cNvPr id="25" name="TextBox 24"/>
+            <p:cNvSpPr txBox="1"/>
+            <p:nvPr/>
+          </p:nvSpPr>
+          <p:spPr>
+            <a:xfrm>
+              <a:off x="1505857" y="5197830"/>
+              <a:ext cx="4118429" cy="430887"/>
+            </a:xfrm>
+            <a:prstGeom prst="rect">
+              <a:avLst/>
+            </a:prstGeom>
+            <a:noFill/>
+          </p:spPr>
+          <p:txBody>
+            <a:bodyPr wrap="square" rtlCol="0">
+              <a:spAutoFit/>
+            </a:bodyPr>
+            <a:lstStyle/>
+            <a:p>
+              <a:r>
+                <a:rPr lang="en-US" sz="2200" b="1" dirty="0" smtClean="0"/>
+                <a:t>Iterative Expansion</a:t>
+              </a:r>
+              <a:endParaRPr lang="en-US" sz="2200" b="1" dirty="0"/>
+            </a:p>
+          </p:txBody>
+        </p:sp>
+      </p:grpSp>
+    </p:spTree>
+    <p:extLst>
+      <p:ext uri="{BB962C8B-B14F-4D97-AF65-F5344CB8AC3E}">
+        <p14:creationId xmlns:p14="http://schemas.microsoft.com/office/powerpoint/2010/main" val="1055414638"/>
+      </p:ext>
+    </p:extLst>
+  </p:cSld>
+  <p:clrMapOvr>
+    <a:masterClrMapping/>
+  </p:clrMapOvr>
+</p:sld>
+</file>
+
+<file path=ppt/slides/slide8.xml><?xml version="1.0" encoding="utf-8"?>
+<p:sld xmlns:a="http://schemas.openxmlformats.org/drawingml/2006/main" xmlns:r="http://schemas.openxmlformats.org/officeDocument/2006/relationships" xmlns:p="http://schemas.openxmlformats.org/presentationml/2006/main">
+  <p:cSld>
+    <p:spTree>
+      <p:nvGrpSpPr>
+        <p:cNvPr id="1" name=""/>
+        <p:cNvGrpSpPr/>
+        <p:nvPr/>
+      </p:nvGrpSpPr>
+      <p:grpSpPr>
+        <a:xfrm>
+          <a:off x="0" y="0"/>
+          <a:ext cx="0" cy="0"/>
+          <a:chOff x="0" y="0"/>
+          <a:chExt cx="0" cy="0"/>
+        </a:xfrm>
+      </p:grpSpPr>
+      <p:sp>
+        <p:nvSpPr>
+          <p:cNvPr id="3" name="Rectangle 2"/>
+          <p:cNvSpPr/>
+          <p:nvPr/>
+        </p:nvSpPr>
+        <p:spPr>
+          <a:xfrm>
+            <a:off x="-1592319" y="2970707"/>
+            <a:ext cx="12549012" cy="1200329"/>
+          </a:xfrm>
+          <a:prstGeom prst="rect">
+            <a:avLst/>
+          </a:prstGeom>
+          <a:ln w="76200" cmpd="tri">
+            <a:solidFill>
+              <a:schemeClr val="accent1"/>
+            </a:solidFill>
+          </a:ln>
+        </p:spPr>
+        <p:txBody>
+          <a:bodyPr wrap="square">
+            <a:spAutoFit/>
+          </a:bodyPr>
+          <a:lstStyle/>
+          <a:p>
+            <a:r>
+              <a:rPr lang="en-US" b="1" dirty="0"/>
+              <a:t>Breathing is the process of</a:t>
+            </a:r>
+            <a:r>
+              <a:rPr lang="en-US" dirty="0"/>
+              <a:t> getting </a:t>
+            </a:r>
+            <a:r>
+              <a:rPr lang="en-US" b="1" dirty="0">
+                <a:solidFill>
+                  <a:srgbClr val="0000FF"/>
+                </a:solidFill>
+              </a:rPr>
+              <a:t>oxygen</a:t>
+            </a:r>
+            <a:r>
+              <a:rPr lang="en-US" dirty="0"/>
+              <a:t> into the </a:t>
+            </a:r>
+            <a:r>
+              <a:rPr lang="en-US" b="1" dirty="0">
+                <a:solidFill>
+                  <a:srgbClr val="660066"/>
+                </a:solidFill>
+              </a:rPr>
+              <a:t>lungs</a:t>
+            </a:r>
+            <a:r>
+              <a:rPr lang="en-US" dirty="0"/>
+              <a:t> and </a:t>
+            </a:r>
+            <a:r>
+              <a:rPr lang="en-US" b="1" dirty="0">
+                <a:solidFill>
+                  <a:srgbClr val="008000"/>
+                </a:solidFill>
+              </a:rPr>
+              <a:t>carbon dioxide </a:t>
+            </a:r>
+            <a:r>
+              <a:rPr lang="en-US" dirty="0"/>
+              <a:t>out of the </a:t>
+            </a:r>
+            <a:r>
+              <a:rPr lang="en-US" b="1" dirty="0">
+                <a:solidFill>
+                  <a:srgbClr val="660066"/>
+                </a:solidFill>
+              </a:rPr>
+              <a:t>lungs</a:t>
+            </a:r>
+            <a:r>
+              <a:rPr lang="en-US" dirty="0"/>
+              <a:t>.</a:t>
+            </a:r>
+          </a:p>
+          <a:p>
+            <a:r>
+              <a:rPr lang="en-US" b="1" dirty="0"/>
+              <a:t>Breathing is the process of</a:t>
+            </a:r>
+            <a:r>
+              <a:rPr lang="en-US" dirty="0"/>
+              <a:t> transporting </a:t>
+            </a:r>
+            <a:r>
+              <a:rPr lang="en-US" b="1" dirty="0">
+                <a:solidFill>
+                  <a:srgbClr val="0000FF"/>
+                </a:solidFill>
+              </a:rPr>
+              <a:t>oxygen from the atmosphere</a:t>
+            </a:r>
+            <a:r>
+              <a:rPr lang="en-US" dirty="0"/>
+              <a:t> into the </a:t>
+            </a:r>
+            <a:r>
+              <a:rPr lang="en-US" b="1" dirty="0">
+                <a:solidFill>
+                  <a:srgbClr val="660066"/>
+                </a:solidFill>
+              </a:rPr>
+              <a:t>body</a:t>
+            </a:r>
+            <a:r>
+              <a:rPr lang="en-US" dirty="0">
+                <a:solidFill>
+                  <a:srgbClr val="660066"/>
+                </a:solidFill>
+              </a:rPr>
+              <a:t> </a:t>
+            </a:r>
+            <a:r>
+              <a:rPr lang="en-US" dirty="0" smtClean="0"/>
+              <a:t>a and eliminating </a:t>
+            </a:r>
+            <a:r>
+              <a:rPr lang="en-US" b="1" dirty="0">
+                <a:solidFill>
+                  <a:srgbClr val="008000"/>
+                </a:solidFill>
+              </a:rPr>
+              <a:t>carbon dioxide </a:t>
+            </a:r>
+            <a:r>
+              <a:rPr lang="en-US" dirty="0"/>
+              <a:t>from the </a:t>
+            </a:r>
+            <a:r>
+              <a:rPr lang="en-US" b="1" dirty="0">
+                <a:solidFill>
+                  <a:srgbClr val="660066"/>
+                </a:solidFill>
+              </a:rPr>
+              <a:t>body</a:t>
+            </a:r>
+            <a:r>
+              <a:rPr lang="en-US" dirty="0"/>
+              <a:t>.</a:t>
+            </a:r>
+          </a:p>
+          <a:p>
+            <a:r>
+              <a:rPr lang="en-US" b="1" dirty="0"/>
+              <a:t>Breathing is the process of</a:t>
+            </a:r>
+            <a:r>
+              <a:rPr lang="en-US" dirty="0"/>
+              <a:t> drawing </a:t>
+            </a:r>
+            <a:r>
+              <a:rPr lang="en-US" b="1" dirty="0">
+                <a:solidFill>
+                  <a:srgbClr val="0000FF"/>
+                </a:solidFill>
+              </a:rPr>
+              <a:t>air</a:t>
+            </a:r>
+            <a:r>
+              <a:rPr lang="en-US" dirty="0"/>
+              <a:t> into the </a:t>
+            </a:r>
+            <a:r>
+              <a:rPr lang="en-US" b="1" dirty="0">
+                <a:solidFill>
+                  <a:srgbClr val="660066"/>
+                </a:solidFill>
+              </a:rPr>
+              <a:t>lungs</a:t>
+            </a:r>
+            <a:r>
+              <a:rPr lang="en-US" dirty="0">
+                <a:solidFill>
+                  <a:srgbClr val="660066"/>
+                </a:solidFill>
+              </a:rPr>
+              <a:t> </a:t>
+            </a:r>
+            <a:r>
+              <a:rPr lang="en-US" dirty="0"/>
+              <a:t>and then expelling </a:t>
+            </a:r>
+            <a:r>
+              <a:rPr lang="en-US" b="1" dirty="0">
+                <a:solidFill>
+                  <a:srgbClr val="0000FF"/>
+                </a:solidFill>
+              </a:rPr>
+              <a:t>it</a:t>
+            </a:r>
+            <a:r>
+              <a:rPr lang="en-US" dirty="0"/>
+              <a:t> again.</a:t>
+            </a:r>
+          </a:p>
+          <a:p>
+            <a:r>
+              <a:rPr lang="en-US" b="1" dirty="0"/>
+              <a:t>Breathing is the process of</a:t>
+            </a:r>
+            <a:r>
+              <a:rPr lang="en-US" dirty="0"/>
+              <a:t> taking </a:t>
+            </a:r>
+            <a:r>
+              <a:rPr lang="en-US" b="1" dirty="0">
+                <a:solidFill>
+                  <a:srgbClr val="0000FF"/>
+                </a:solidFill>
+              </a:rPr>
+              <a:t>air from the atmosphere</a:t>
+            </a:r>
+            <a:r>
+              <a:rPr lang="en-US" dirty="0"/>
+              <a:t> and inhaling </a:t>
+            </a:r>
+            <a:r>
+              <a:rPr lang="en-US" b="1" dirty="0">
+                <a:solidFill>
+                  <a:srgbClr val="0000FF"/>
+                </a:solidFill>
+              </a:rPr>
+              <a:t>it</a:t>
+            </a:r>
+            <a:r>
+              <a:rPr lang="en-US" dirty="0"/>
+              <a:t> into the </a:t>
+            </a:r>
+            <a:r>
+              <a:rPr lang="en-US" b="1" dirty="0">
+                <a:solidFill>
+                  <a:srgbClr val="660066"/>
+                </a:solidFill>
+              </a:rPr>
+              <a:t>lungs</a:t>
+            </a:r>
+            <a:r>
+              <a:rPr lang="en-US" dirty="0"/>
+              <a:t>.</a:t>
+            </a:r>
+          </a:p>
+        </p:txBody>
+      </p:sp>
+    </p:spTree>
+    <p:extLst>
+      <p:ext uri="{BB962C8B-B14F-4D97-AF65-F5344CB8AC3E}">
+        <p14:creationId xmlns:p14="http://schemas.microsoft.com/office/powerpoint/2010/main" val="3299957857"/>
       </p:ext>
     </p:extLst>
   </p:cSld>
@@ -8839,4 +14803,324 @@
   <a:objectDefaults/>
   <a:extraClrSchemeLst/>
 </a:theme>
+</file>
+
+<file path=ppt/theme/theme3.xml><?xml version="1.0" encoding="utf-8"?>
+<a:theme xmlns:a="http://schemas.openxmlformats.org/drawingml/2006/main" name="Office Theme">
+  <a:themeElements>
+    <a:clrScheme name="Office">
+      <a:dk1>
+        <a:sysClr val="windowText" lastClr="000000"/>
+      </a:dk1>
+      <a:lt1>
+        <a:sysClr val="window" lastClr="FFFFFF"/>
+      </a:lt1>
+      <a:dk2>
+        <a:srgbClr val="1F497D"/>
+      </a:dk2>
+      <a:lt2>
+        <a:srgbClr val="EEECE1"/>
+      </a:lt2>
+      <a:accent1>
+        <a:srgbClr val="4F81BD"/>
+      </a:accent1>
+      <a:accent2>
+        <a:srgbClr val="C0504D"/>
+      </a:accent2>
+      <a:accent3>
+        <a:srgbClr val="9BBB59"/>
+      </a:accent3>
+      <a:accent4>
+        <a:srgbClr val="8064A2"/>
+      </a:accent4>
+      <a:accent5>
+        <a:srgbClr val="4BACC6"/>
+      </a:accent5>
+      <a:accent6>
+        <a:srgbClr val="F79646"/>
+      </a:accent6>
+      <a:hlink>
+        <a:srgbClr val="0000FF"/>
+      </a:hlink>
+      <a:folHlink>
+        <a:srgbClr val="800080"/>
+      </a:folHlink>
+    </a:clrScheme>
+    <a:fontScheme name="Office">
+      <a:majorFont>
+        <a:latin typeface="Calibri"/>
+        <a:ea typeface=""/>
+        <a:cs typeface=""/>
+        <a:font script="Jpan" typeface="ＭＳ Ｐゴシック"/>
+        <a:font script="Hang" typeface="맑은 고딕"/>
+        <a:font script="Hans" typeface="宋体"/>
+        <a:font script="Hant" typeface="新細明體"/>
+        <a:font script="Arab" typeface="Times New Roman"/>
+        <a:font script="Hebr" typeface="Times New Roman"/>
+        <a:font script="Thai" typeface="Angsana New"/>
+        <a:font script="Ethi" typeface="Nyala"/>
+        <a:font script="Beng" typeface="Vrinda"/>
+        <a:font script="Gujr" typeface="Shruti"/>
+        <a:font script="Khmr" typeface="MoolBoran"/>
+        <a:font script="Knda" typeface="Tunga"/>
+        <a:font script="Guru" typeface="Raavi"/>
+        <a:font script="Cans" typeface="Euphemia"/>
+        <a:font script="Cher" typeface="Plantagenet Cherokee"/>
+        <a:font script="Yiii" typeface="Microsoft Yi Baiti"/>
+        <a:font script="Tibt" typeface="Microsoft Himalaya"/>
+        <a:font script="Thaa" typeface="MV Boli"/>
+        <a:font script="Deva" typeface="Mangal"/>
+        <a:font script="Telu" typeface="Gautami"/>
+        <a:font script="Taml" typeface="Latha"/>
+        <a:font script="Syrc" typeface="Estrangelo Edessa"/>
+        <a:font script="Orya" typeface="Kalinga"/>
+        <a:font script="Mlym" typeface="Kartika"/>
+        <a:font script="Laoo" typeface="DokChampa"/>
+        <a:font script="Sinh" typeface="Iskoola Pota"/>
+        <a:font script="Mong" typeface="Mongolian Baiti"/>
+        <a:font script="Viet" typeface="Times New Roman"/>
+        <a:font script="Uigh" typeface="Microsoft Uighur"/>
+        <a:font script="Geor" typeface="Sylfaen"/>
+      </a:majorFont>
+      <a:minorFont>
+        <a:latin typeface="Calibri"/>
+        <a:ea typeface=""/>
+        <a:cs typeface=""/>
+        <a:font script="Jpan" typeface="ＭＳ Ｐゴシック"/>
+        <a:font script="Hang" typeface="맑은 고딕"/>
+        <a:font script="Hans" typeface="宋体"/>
+        <a:font script="Hant" typeface="新細明體"/>
+        <a:font script="Arab" typeface="Arial"/>
+        <a:font script="Hebr" typeface="Arial"/>
+        <a:font script="Thai" typeface="Cordia New"/>
+        <a:font script="Ethi" typeface="Nyala"/>
+        <a:font script="Beng" typeface="Vrinda"/>
+        <a:font script="Gujr" typeface="Shruti"/>
+        <a:font script="Khmr" typeface="DaunPenh"/>
+        <a:font script="Knda" typeface="Tunga"/>
+        <a:font script="Guru" typeface="Raavi"/>
+        <a:font script="Cans" typeface="Euphemia"/>
+        <a:font script="Cher" typeface="Plantagenet Cherokee"/>
+        <a:font script="Yiii" typeface="Microsoft Yi Baiti"/>
+        <a:font script="Tibt" typeface="Microsoft Himalaya"/>
+        <a:font script="Thaa" typeface="MV Boli"/>
+        <a:font script="Deva" typeface="Mangal"/>
+        <a:font script="Telu" typeface="Gautami"/>
+        <a:font script="Taml" typeface="Latha"/>
+        <a:font script="Syrc" typeface="Estrangelo Edessa"/>
+        <a:font script="Orya" typeface="Kalinga"/>
+        <a:font script="Mlym" typeface="Kartika"/>
+        <a:font script="Laoo" typeface="DokChampa"/>
+        <a:font script="Sinh" typeface="Iskoola Pota"/>
+        <a:font script="Mong" typeface="Mongolian Baiti"/>
+        <a:font script="Viet" typeface="Arial"/>
+        <a:font script="Uigh" typeface="Microsoft Uighur"/>
+        <a:font script="Geor" typeface="Sylfaen"/>
+      </a:minorFont>
+    </a:fontScheme>
+    <a:fmtScheme name="Office">
+      <a:fillStyleLst>
+        <a:solidFill>
+          <a:schemeClr val="phClr"/>
+        </a:solidFill>
+        <a:gradFill rotWithShape="1">
+          <a:gsLst>
+            <a:gs pos="0">
+              <a:schemeClr val="phClr">
+                <a:tint val="50000"/>
+                <a:satMod val="300000"/>
+              </a:schemeClr>
+            </a:gs>
+            <a:gs pos="35000">
+              <a:schemeClr val="phClr">
+                <a:tint val="37000"/>
+                <a:satMod val="300000"/>
+              </a:schemeClr>
+            </a:gs>
+            <a:gs pos="100000">
+              <a:schemeClr val="phClr">
+                <a:tint val="15000"/>
+                <a:satMod val="350000"/>
+              </a:schemeClr>
+            </a:gs>
+          </a:gsLst>
+          <a:lin ang="16200000" scaled="1"/>
+        </a:gradFill>
+        <a:gradFill rotWithShape="1">
+          <a:gsLst>
+            <a:gs pos="0">
+              <a:schemeClr val="phClr">
+                <a:tint val="100000"/>
+                <a:shade val="100000"/>
+                <a:satMod val="130000"/>
+              </a:schemeClr>
+            </a:gs>
+            <a:gs pos="100000">
+              <a:schemeClr val="phClr">
+                <a:tint val="50000"/>
+                <a:shade val="100000"/>
+                <a:satMod val="350000"/>
+              </a:schemeClr>
+            </a:gs>
+          </a:gsLst>
+          <a:lin ang="16200000" scaled="0"/>
+        </a:gradFill>
+      </a:fillStyleLst>
+      <a:lnStyleLst>
+        <a:ln w="9525" cap="flat" cmpd="sng" algn="ctr">
+          <a:solidFill>
+            <a:schemeClr val="phClr">
+              <a:shade val="95000"/>
+              <a:satMod val="105000"/>
+            </a:schemeClr>
+          </a:solidFill>
+          <a:prstDash val="solid"/>
+        </a:ln>
+        <a:ln w="25400" cap="flat" cmpd="sng" algn="ctr">
+          <a:solidFill>
+            <a:schemeClr val="phClr"/>
+          </a:solidFill>
+          <a:prstDash val="solid"/>
+        </a:ln>
+        <a:ln w="38100" cap="flat" cmpd="sng" algn="ctr">
+          <a:solidFill>
+            <a:schemeClr val="phClr"/>
+          </a:solidFill>
+          <a:prstDash val="solid"/>
+        </a:ln>
+      </a:lnStyleLst>
+      <a:effectStyleLst>
+        <a:effectStyle>
+          <a:effectLst>
+            <a:outerShdw blurRad="40000" dist="20000" dir="5400000" rotWithShape="0">
+              <a:srgbClr val="000000">
+                <a:alpha val="38000"/>
+              </a:srgbClr>
+            </a:outerShdw>
+          </a:effectLst>
+        </a:effectStyle>
+        <a:effectStyle>
+          <a:effectLst>
+            <a:outerShdw blurRad="40000" dist="23000" dir="5400000" rotWithShape="0">
+              <a:srgbClr val="000000">
+                <a:alpha val="35000"/>
+              </a:srgbClr>
+            </a:outerShdw>
+          </a:effectLst>
+        </a:effectStyle>
+        <a:effectStyle>
+          <a:effectLst>
+            <a:outerShdw blurRad="40000" dist="23000" dir="5400000" rotWithShape="0">
+              <a:srgbClr val="000000">
+                <a:alpha val="35000"/>
+              </a:srgbClr>
+            </a:outerShdw>
+          </a:effectLst>
+          <a:scene3d>
+            <a:camera prst="orthographicFront">
+              <a:rot lat="0" lon="0" rev="0"/>
+            </a:camera>
+            <a:lightRig rig="threePt" dir="t">
+              <a:rot lat="0" lon="0" rev="1200000"/>
+            </a:lightRig>
+          </a:scene3d>
+          <a:sp3d>
+            <a:bevelT w="63500" h="25400"/>
+          </a:sp3d>
+        </a:effectStyle>
+      </a:effectStyleLst>
+      <a:bgFillStyleLst>
+        <a:solidFill>
+          <a:schemeClr val="phClr"/>
+        </a:solidFill>
+        <a:gradFill rotWithShape="1">
+          <a:gsLst>
+            <a:gs pos="0">
+              <a:schemeClr val="phClr">
+                <a:tint val="40000"/>
+                <a:satMod val="350000"/>
+              </a:schemeClr>
+            </a:gs>
+            <a:gs pos="40000">
+              <a:schemeClr val="phClr">
+                <a:tint val="45000"/>
+                <a:shade val="99000"/>
+                <a:satMod val="350000"/>
+              </a:schemeClr>
+            </a:gs>
+            <a:gs pos="100000">
+              <a:schemeClr val="phClr">
+                <a:shade val="20000"/>
+                <a:satMod val="255000"/>
+              </a:schemeClr>
+            </a:gs>
+          </a:gsLst>
+          <a:path path="circle">
+            <a:fillToRect l="50000" t="-80000" r="50000" b="180000"/>
+          </a:path>
+        </a:gradFill>
+        <a:gradFill rotWithShape="1">
+          <a:gsLst>
+            <a:gs pos="0">
+              <a:schemeClr val="phClr">
+                <a:tint val="80000"/>
+                <a:satMod val="300000"/>
+              </a:schemeClr>
+            </a:gs>
+            <a:gs pos="100000">
+              <a:schemeClr val="phClr">
+                <a:shade val="30000"/>
+                <a:satMod val="200000"/>
+              </a:schemeClr>
+            </a:gs>
+          </a:gsLst>
+          <a:path path="circle">
+            <a:fillToRect l="50000" t="50000" r="50000" b="50000"/>
+          </a:path>
+        </a:gradFill>
+      </a:bgFillStyleLst>
+    </a:fmtScheme>
+  </a:themeElements>
+  <a:objectDefaults>
+    <a:spDef>
+      <a:spPr/>
+      <a:bodyPr/>
+      <a:lstStyle/>
+      <a:style>
+        <a:lnRef idx="1">
+          <a:schemeClr val="accent1"/>
+        </a:lnRef>
+        <a:fillRef idx="3">
+          <a:schemeClr val="accent1"/>
+        </a:fillRef>
+        <a:effectRef idx="2">
+          <a:schemeClr val="accent1"/>
+        </a:effectRef>
+        <a:fontRef idx="minor">
+          <a:schemeClr val="lt1"/>
+        </a:fontRef>
+      </a:style>
+    </a:spDef>
+    <a:lnDef>
+      <a:spPr/>
+      <a:bodyPr/>
+      <a:lstStyle/>
+      <a:style>
+        <a:lnRef idx="2">
+          <a:schemeClr val="accent1"/>
+        </a:lnRef>
+        <a:fillRef idx="0">
+          <a:schemeClr val="accent1"/>
+        </a:fillRef>
+        <a:effectRef idx="1">
+          <a:schemeClr val="accent1"/>
+        </a:effectRef>
+        <a:fontRef idx="minor">
+          <a:schemeClr val="tx1"/>
+        </a:fontRef>
+      </a:style>
+    </a:lnDef>
+  </a:objectDefaults>
+  <a:extraClrSchemeLst/>
+</a:theme>
 </file>